--- a/indiacom.pptx
+++ b/indiacom.pptx
@@ -3,42 +3,41 @@
 <p:presentation xmlns:a="http://schemas.openxmlformats.org/drawingml/2006/main" xmlns:r="http://schemas.openxmlformats.org/officeDocument/2006/relationships" xmlns:p="http://schemas.openxmlformats.org/presentationml/2006/main">
   <p:sldMasterIdLst>
     <p:sldMasterId id="2147483648" r:id="rId1"/>
-    <p:sldMasterId id="2147483660" r:id="rId3"/>
-    <p:sldMasterId id="2147483675" r:id="rId4"/>
+    <p:sldMasterId id="2147483660" r:id="rId2"/>
+    <p:sldMasterId id="2147483675" r:id="rId3"/>
   </p:sldMasterIdLst>
   <p:notesMasterIdLst>
-    <p:notesMasterId r:id="rId6"/>
+    <p:notesMasterId r:id="rId32"/>
   </p:notesMasterIdLst>
   <p:sldIdLst>
-    <p:sldId id="1391" r:id="rId5"/>
-    <p:sldId id="1407" r:id="rId7"/>
-    <p:sldId id="1442" r:id="rId8"/>
-    <p:sldId id="1392" r:id="rId9"/>
-    <p:sldId id="1394" r:id="rId10"/>
-    <p:sldId id="1396" r:id="rId11"/>
-    <p:sldId id="1408" r:id="rId12"/>
-    <p:sldId id="1426" r:id="rId13"/>
-    <p:sldId id="1427" r:id="rId14"/>
-    <p:sldId id="1428" r:id="rId15"/>
-    <p:sldId id="1469" r:id="rId16"/>
-    <p:sldId id="1430" r:id="rId17"/>
-    <p:sldId id="1433" r:id="rId18"/>
-    <p:sldId id="1434" r:id="rId19"/>
-    <p:sldId id="1480" r:id="rId20"/>
-    <p:sldId id="1481" r:id="rId21"/>
-    <p:sldId id="1482" r:id="rId22"/>
-    <p:sldId id="1483" r:id="rId23"/>
-    <p:sldId id="1484" r:id="rId24"/>
-    <p:sldId id="1485" r:id="rId25"/>
-    <p:sldId id="1486" r:id="rId26"/>
-    <p:sldId id="1487" r:id="rId27"/>
-    <p:sldId id="1411" r:id="rId28"/>
-    <p:sldId id="1412" r:id="rId29"/>
-    <p:sldId id="1410" r:id="rId30"/>
-    <p:sldId id="1435" r:id="rId31"/>
-    <p:sldId id="1405" r:id="rId32"/>
-    <p:sldId id="1404" r:id="rId33"/>
-    <p:sldId id="1413" r:id="rId34"/>
+    <p:sldId id="1391" r:id="rId4"/>
+    <p:sldId id="1407" r:id="rId5"/>
+    <p:sldId id="1442" r:id="rId6"/>
+    <p:sldId id="1392" r:id="rId7"/>
+    <p:sldId id="1394" r:id="rId8"/>
+    <p:sldId id="1396" r:id="rId9"/>
+    <p:sldId id="1408" r:id="rId10"/>
+    <p:sldId id="1426" r:id="rId11"/>
+    <p:sldId id="1427" r:id="rId12"/>
+    <p:sldId id="1428" r:id="rId13"/>
+    <p:sldId id="1430" r:id="rId14"/>
+    <p:sldId id="1433" r:id="rId15"/>
+    <p:sldId id="1434" r:id="rId16"/>
+    <p:sldId id="1480" r:id="rId17"/>
+    <p:sldId id="1481" r:id="rId18"/>
+    <p:sldId id="1482" r:id="rId19"/>
+    <p:sldId id="1483" r:id="rId20"/>
+    <p:sldId id="1484" r:id="rId21"/>
+    <p:sldId id="1485" r:id="rId22"/>
+    <p:sldId id="1486" r:id="rId23"/>
+    <p:sldId id="1487" r:id="rId24"/>
+    <p:sldId id="1411" r:id="rId25"/>
+    <p:sldId id="1412" r:id="rId26"/>
+    <p:sldId id="1410" r:id="rId27"/>
+    <p:sldId id="1435" r:id="rId28"/>
+    <p:sldId id="1405" r:id="rId29"/>
+    <p:sldId id="1404" r:id="rId30"/>
+    <p:sldId id="1413" r:id="rId31"/>
   </p:sldIdLst>
   <p:sldSz cx="12192000" cy="6858000"/>
   <p:notesSz cx="6858000" cy="9144000"/>
@@ -137,6 +136,11 @@
       </a:defRPr>
     </a:lvl9pPr>
   </p:defaultTextStyle>
+  <p:extLst>
+    <p:ext uri="{EFAFB233-063F-42B5-8137-9DF3F51BA10A}">
+      <p15:sldGuideLst xmlns:p15="http://schemas.microsoft.com/office/powerpoint/2012/main"/>
+    </p:ext>
+  </p:extLst>
 </p:presentation>
 </file>
 
@@ -222,6 +226,7 @@
           <a:p>
             <a:fld id="{0BE83BC1-3EE4-4E23-B451-47FB6B35A478}" type="datetimeFigureOut">
               <a:rPr lang="en-IN" smtClean="0"/>
+              <a:t>24-05-2024</a:t>
             </a:fld>
             <a:endParaRPr lang="en-IN"/>
           </a:p>
@@ -288,7 +293,6 @@
               <a:rPr lang="en-US"/>
               <a:t>Click to edit Master text styles</a:t>
             </a:r>
-            <a:endParaRPr lang="en-US"/>
           </a:p>
           <a:p>
             <a:pPr lvl="1"/>
@@ -296,7 +300,6 @@
               <a:rPr lang="en-US"/>
               <a:t>Second level</a:t>
             </a:r>
-            <a:endParaRPr lang="en-US"/>
           </a:p>
           <a:p>
             <a:pPr lvl="2"/>
@@ -304,7 +307,6 @@
               <a:rPr lang="en-US"/>
               <a:t>Third level</a:t>
             </a:r>
-            <a:endParaRPr lang="en-US"/>
           </a:p>
           <a:p>
             <a:pPr lvl="3"/>
@@ -312,7 +314,6 @@
               <a:rPr lang="en-US"/>
               <a:t>Fourth level</a:t>
             </a:r>
-            <a:endParaRPr lang="en-US"/>
           </a:p>
           <a:p>
             <a:pPr lvl="4"/>
@@ -384,6 +385,7 @@
           <a:p>
             <a:fld id="{7B99A0B8-EF78-4191-B8E1-6B5A033D26D1}" type="slidenum">
               <a:rPr lang="en-IN" smtClean="0"/>
+              <a:t>‹#›</a:t>
             </a:fld>
             <a:endParaRPr lang="en-IN"/>
           </a:p>
@@ -614,6 +616,7 @@
                 <a:ea typeface="+mn-ea"/>
                 <a:cs typeface="Arial" panose="020B0604020202020204" pitchFamily="34" charset="0"/>
               </a:rPr>
+              <a:t>1</a:t>
             </a:fld>
             <a:endParaRPr kumimoji="0" lang="en-US" sz="1200" b="0" i="0" u="none" strike="noStrike" kern="1200" cap="none" spc="0" normalizeH="0" baseline="0" noProof="0" dirty="0">
               <a:ln>
@@ -807,20 +810,6 @@
               </a:rPr>
               <a:t>© Bharati Vidyapeeth’s Institute of Computer Applications and Management, New Delhi-63, by Dr. Sunil Pratap Singh</a:t>
             </a:r>
-            <a:endParaRPr kumimoji="0" lang="en-US" sz="1200" b="0" i="0" u="none" strike="noStrike" kern="1200" cap="none" spc="0" normalizeH="0" baseline="0" noProof="0">
-              <a:ln>
-                <a:noFill/>
-              </a:ln>
-              <a:solidFill>
-                <a:srgbClr val="000000"/>
-              </a:solidFill>
-              <a:effectLst/>
-              <a:uLnTx/>
-              <a:uFillTx/>
-              <a:latin typeface="Times New Roman" panose="02020603050405020304" pitchFamily="18" charset="0"/>
-              <a:ea typeface="+mn-ea"/>
-              <a:cs typeface="Arial" panose="020B0604020202020204" pitchFamily="34" charset="0"/>
-            </a:endParaRPr>
           </a:p>
         </p:txBody>
       </p:sp>
@@ -1174,20 +1163,6 @@
               </a:rPr>
               <a:t>Enterprise Computing with Java (MCA-305)</a:t>
             </a:r>
-            <a:endParaRPr kumimoji="0" lang="en-US" sz="1200" b="0" i="0" u="none" strike="noStrike" kern="1200" cap="none" spc="0" normalizeH="0" baseline="0" noProof="0">
-              <a:ln>
-                <a:noFill/>
-              </a:ln>
-              <a:solidFill>
-                <a:srgbClr val="000000"/>
-              </a:solidFill>
-              <a:effectLst/>
-              <a:uLnTx/>
-              <a:uFillTx/>
-              <a:latin typeface="Times New Roman" panose="02020603050405020304" pitchFamily="18" charset="0"/>
-              <a:ea typeface="+mn-ea"/>
-              <a:cs typeface="Arial" panose="020B0604020202020204" pitchFamily="34" charset="0"/>
-            </a:endParaRPr>
           </a:p>
         </p:txBody>
       </p:sp>
@@ -1237,6 +1212,7 @@
                 <a:ea typeface="+mn-ea"/>
                 <a:cs typeface="+mn-cs"/>
               </a:rPr>
+              <a:t>1</a:t>
             </a:fld>
             <a:endParaRPr kumimoji="0" lang="en-US" sz="1200" b="0" i="0" u="none" strike="noStrike" kern="1200" cap="none" spc="0" normalizeH="0" baseline="0" noProof="0">
               <a:ln>
@@ -1394,6 +1370,7 @@
           <a:p>
             <a:fld id="{15BE55D8-AE85-4F86-A850-E9181974E0FB}" type="datetimeFigureOut">
               <a:rPr lang="en-IN" smtClean="0"/>
+              <a:t>24-05-2024</a:t>
             </a:fld>
             <a:endParaRPr lang="en-IN"/>
           </a:p>
@@ -1435,6 +1412,7 @@
           <a:p>
             <a:fld id="{E96A4EC4-E59E-4B64-990D-420608495E85}" type="slidenum">
               <a:rPr lang="en-IN" smtClean="0"/>
+              <a:t>‹#›</a:t>
             </a:fld>
             <a:endParaRPr lang="en-IN"/>
           </a:p>
@@ -1508,7 +1486,6 @@
               <a:rPr lang="en-US"/>
               <a:t>Click to edit Master text styles</a:t>
             </a:r>
-            <a:endParaRPr lang="en-US"/>
           </a:p>
           <a:p>
             <a:pPr lvl="1"/>
@@ -1516,7 +1493,6 @@
               <a:rPr lang="en-US"/>
               <a:t>Second level</a:t>
             </a:r>
-            <a:endParaRPr lang="en-US"/>
           </a:p>
           <a:p>
             <a:pPr lvl="2"/>
@@ -1524,7 +1500,6 @@
               <a:rPr lang="en-US"/>
               <a:t>Third level</a:t>
             </a:r>
-            <a:endParaRPr lang="en-US"/>
           </a:p>
           <a:p>
             <a:pPr lvl="3"/>
@@ -1532,7 +1507,6 @@
               <a:rPr lang="en-US"/>
               <a:t>Fourth level</a:t>
             </a:r>
-            <a:endParaRPr lang="en-US"/>
           </a:p>
           <a:p>
             <a:pPr lvl="4"/>
@@ -1561,6 +1535,7 @@
           <a:p>
             <a:fld id="{15BE55D8-AE85-4F86-A850-E9181974E0FB}" type="datetimeFigureOut">
               <a:rPr lang="en-IN" smtClean="0"/>
+              <a:t>24-05-2024</a:t>
             </a:fld>
             <a:endParaRPr lang="en-IN"/>
           </a:p>
@@ -1602,6 +1577,7 @@
           <a:p>
             <a:fld id="{E96A4EC4-E59E-4B64-990D-420608495E85}" type="slidenum">
               <a:rPr lang="en-IN" smtClean="0"/>
+              <a:t>‹#›</a:t>
             </a:fld>
             <a:endParaRPr lang="en-IN"/>
           </a:p>
@@ -1685,7 +1661,6 @@
               <a:rPr lang="en-US"/>
               <a:t>Click to edit Master text styles</a:t>
             </a:r>
-            <a:endParaRPr lang="en-US"/>
           </a:p>
           <a:p>
             <a:pPr lvl="1"/>
@@ -1693,7 +1668,6 @@
               <a:rPr lang="en-US"/>
               <a:t>Second level</a:t>
             </a:r>
-            <a:endParaRPr lang="en-US"/>
           </a:p>
           <a:p>
             <a:pPr lvl="2"/>
@@ -1701,7 +1675,6 @@
               <a:rPr lang="en-US"/>
               <a:t>Third level</a:t>
             </a:r>
-            <a:endParaRPr lang="en-US"/>
           </a:p>
           <a:p>
             <a:pPr lvl="3"/>
@@ -1709,7 +1682,6 @@
               <a:rPr lang="en-US"/>
               <a:t>Fourth level</a:t>
             </a:r>
-            <a:endParaRPr lang="en-US"/>
           </a:p>
           <a:p>
             <a:pPr lvl="4"/>
@@ -1738,6 +1710,7 @@
           <a:p>
             <a:fld id="{15BE55D8-AE85-4F86-A850-E9181974E0FB}" type="datetimeFigureOut">
               <a:rPr lang="en-IN" smtClean="0"/>
+              <a:t>24-05-2024</a:t>
             </a:fld>
             <a:endParaRPr lang="en-IN"/>
           </a:p>
@@ -1779,6 +1752,7 @@
           <a:p>
             <a:fld id="{E96A4EC4-E59E-4B64-990D-420608495E85}" type="slidenum">
               <a:rPr lang="en-IN" smtClean="0"/>
+              <a:t>‹#›</a:t>
             </a:fld>
             <a:endParaRPr lang="en-IN"/>
           </a:p>
@@ -1793,7 +1767,7 @@
 </file>
 
 <file path=ppt/slideLayouts/slideLayout12.xml><?xml version="1.0" encoding="utf-8"?>
-<p:sldLayout xmlns:a="http://schemas.openxmlformats.org/drawingml/2006/main" xmlns:r="http://schemas.openxmlformats.org/officeDocument/2006/relationships" xmlns:p="http://schemas.openxmlformats.org/presentationml/2006/main" type="title" preserve="1" showMasterSp="0">
+<p:sldLayout xmlns:a="http://schemas.openxmlformats.org/drawingml/2006/main" xmlns:r="http://schemas.openxmlformats.org/officeDocument/2006/relationships" xmlns:p="http://schemas.openxmlformats.org/presentationml/2006/main" showMasterSp="0" type="title" preserve="1">
   <p:cSld name="Title Slide">
     <p:spTree>
       <p:nvGrpSpPr>
@@ -2233,7 +2207,6 @@
               <a:rPr lang="en-US" dirty="0"/>
               <a:t>Click to edit Master subtitle style</a:t>
             </a:r>
-            <a:endParaRPr lang="en-US" dirty="0"/>
           </a:p>
         </p:txBody>
       </p:sp>
@@ -2472,12 +2445,6 @@
               </a:rPr>
               <a:t>Bharati Vidyapeeth’s Institute of Computer Applications and Management, New Delhi-63</a:t>
             </a:r>
-            <a:endParaRPr lang="en-US" sz="1200" dirty="0">
-              <a:solidFill>
-                <a:schemeClr val="bg1"/>
-              </a:solidFill>
-              <a:latin typeface="Arial" panose="020B0604020202020204" pitchFamily="34" charset="0"/>
-            </a:endParaRPr>
           </a:p>
         </p:txBody>
       </p:sp>
@@ -2644,6 +2611,7 @@
                 </a:solidFill>
                 <a:latin typeface="Arial" panose="020B0604020202020204" pitchFamily="34" charset="0"/>
               </a:rPr>
+              <a:t>‹#›</a:t>
             </a:fld>
             <a:endParaRPr lang="en-US" sz="1200" dirty="0">
               <a:solidFill>
@@ -2690,7 +2658,6 @@
               <a:rPr lang="en-US" dirty="0"/>
               <a:t>Click to edit Master title style</a:t>
             </a:r>
-            <a:endParaRPr lang="en-US" dirty="0"/>
           </a:p>
         </p:txBody>
       </p:sp>
@@ -2745,7 +2712,6 @@
               <a:rPr lang="en-US" dirty="0"/>
               <a:t>Click to edit Master text styles</a:t>
             </a:r>
-            <a:endParaRPr lang="en-US" dirty="0"/>
           </a:p>
           <a:p>
             <a:pPr lvl="1"/>
@@ -2753,7 +2719,6 @@
               <a:rPr lang="en-US" dirty="0"/>
               <a:t>Second level</a:t>
             </a:r>
-            <a:endParaRPr lang="en-US" dirty="0"/>
           </a:p>
           <a:p>
             <a:pPr lvl="2"/>
@@ -2761,7 +2726,6 @@
               <a:rPr lang="en-US" dirty="0"/>
               <a:t>Third level</a:t>
             </a:r>
-            <a:endParaRPr lang="en-US" dirty="0"/>
           </a:p>
           <a:p>
             <a:pPr lvl="3"/>
@@ -2769,7 +2733,6 @@
               <a:rPr lang="en-US" dirty="0"/>
               <a:t>Fourth level</a:t>
             </a:r>
-            <a:endParaRPr lang="en-US" dirty="0"/>
           </a:p>
           <a:p>
             <a:pPr lvl="4"/>
@@ -2777,7 +2740,6 @@
               <a:rPr lang="en-US" dirty="0"/>
               <a:t>Fifth level</a:t>
             </a:r>
-            <a:endParaRPr lang="en-US" dirty="0"/>
           </a:p>
         </p:txBody>
       </p:sp>
@@ -2838,7 +2800,6 @@
               <a:rPr lang="en-US"/>
               <a:t>Click to edit Master title style</a:t>
             </a:r>
-            <a:endParaRPr lang="en-US"/>
           </a:p>
         </p:txBody>
       </p:sp>
@@ -2904,7 +2865,6 @@
               <a:rPr lang="en-US"/>
               <a:t>Click to edit Master text styles</a:t>
             </a:r>
-            <a:endParaRPr lang="en-US"/>
           </a:p>
         </p:txBody>
       </p:sp>
@@ -2960,7 +2920,6 @@
               <a:rPr lang="en-US" dirty="0"/>
               <a:t>Click to edit Master title style</a:t>
             </a:r>
-            <a:endParaRPr lang="en-US" dirty="0"/>
           </a:p>
         </p:txBody>
       </p:sp>
@@ -3017,7 +2976,6 @@
               <a:rPr lang="en-US"/>
               <a:t>Click to edit Master text styles</a:t>
             </a:r>
-            <a:endParaRPr lang="en-US"/>
           </a:p>
           <a:p>
             <a:pPr lvl="1"/>
@@ -3025,7 +2983,6 @@
               <a:rPr lang="en-US"/>
               <a:t>Second level</a:t>
             </a:r>
-            <a:endParaRPr lang="en-US"/>
           </a:p>
           <a:p>
             <a:pPr lvl="2"/>
@@ -3033,7 +2990,6 @@
               <a:rPr lang="en-US"/>
               <a:t>Third level</a:t>
             </a:r>
-            <a:endParaRPr lang="en-US"/>
           </a:p>
           <a:p>
             <a:pPr lvl="3"/>
@@ -3041,7 +2997,6 @@
               <a:rPr lang="en-US"/>
               <a:t>Fourth level</a:t>
             </a:r>
-            <a:endParaRPr lang="en-US"/>
           </a:p>
           <a:p>
             <a:pPr lvl="4"/>
@@ -3049,7 +3004,6 @@
               <a:rPr lang="en-US"/>
               <a:t>Fifth level</a:t>
             </a:r>
-            <a:endParaRPr lang="en-US"/>
           </a:p>
         </p:txBody>
       </p:sp>
@@ -3106,7 +3060,6 @@
               <a:rPr lang="en-US"/>
               <a:t>Click to edit Master text styles</a:t>
             </a:r>
-            <a:endParaRPr lang="en-US"/>
           </a:p>
           <a:p>
             <a:pPr lvl="1"/>
@@ -3114,7 +3067,6 @@
               <a:rPr lang="en-US"/>
               <a:t>Second level</a:t>
             </a:r>
-            <a:endParaRPr lang="en-US"/>
           </a:p>
           <a:p>
             <a:pPr lvl="2"/>
@@ -3122,7 +3074,6 @@
               <a:rPr lang="en-US"/>
               <a:t>Third level</a:t>
             </a:r>
-            <a:endParaRPr lang="en-US"/>
           </a:p>
           <a:p>
             <a:pPr lvl="3"/>
@@ -3130,7 +3081,6 @@
               <a:rPr lang="en-US"/>
               <a:t>Fourth level</a:t>
             </a:r>
-            <a:endParaRPr lang="en-US"/>
           </a:p>
           <a:p>
             <a:pPr lvl="4"/>
@@ -3138,7 +3088,6 @@
               <a:rPr lang="en-US"/>
               <a:t>Fifth level</a:t>
             </a:r>
-            <a:endParaRPr lang="en-US"/>
           </a:p>
         </p:txBody>
       </p:sp>
@@ -3198,7 +3147,6 @@
               <a:rPr lang="en-US"/>
               <a:t>Click to edit Master title style</a:t>
             </a:r>
-            <a:endParaRPr lang="en-US"/>
           </a:p>
         </p:txBody>
       </p:sp>
@@ -3264,7 +3212,6 @@
               <a:rPr lang="en-US"/>
               <a:t>Click to edit Master text styles</a:t>
             </a:r>
-            <a:endParaRPr lang="en-US"/>
           </a:p>
         </p:txBody>
       </p:sp>
@@ -3321,7 +3268,6 @@
               <a:rPr lang="en-US"/>
               <a:t>Click to edit Master text styles</a:t>
             </a:r>
-            <a:endParaRPr lang="en-US"/>
           </a:p>
           <a:p>
             <a:pPr lvl="1"/>
@@ -3329,7 +3275,6 @@
               <a:rPr lang="en-US"/>
               <a:t>Second level</a:t>
             </a:r>
-            <a:endParaRPr lang="en-US"/>
           </a:p>
           <a:p>
             <a:pPr lvl="2"/>
@@ -3337,7 +3282,6 @@
               <a:rPr lang="en-US"/>
               <a:t>Third level</a:t>
             </a:r>
-            <a:endParaRPr lang="en-US"/>
           </a:p>
           <a:p>
             <a:pPr lvl="3"/>
@@ -3345,7 +3289,6 @@
               <a:rPr lang="en-US"/>
               <a:t>Fourth level</a:t>
             </a:r>
-            <a:endParaRPr lang="en-US"/>
           </a:p>
           <a:p>
             <a:pPr lvl="4"/>
@@ -3353,7 +3296,6 @@
               <a:rPr lang="en-US"/>
               <a:t>Fifth level</a:t>
             </a:r>
-            <a:endParaRPr lang="en-US"/>
           </a:p>
         </p:txBody>
       </p:sp>
@@ -3419,7 +3361,6 @@
               <a:rPr lang="en-US"/>
               <a:t>Click to edit Master text styles</a:t>
             </a:r>
-            <a:endParaRPr lang="en-US"/>
           </a:p>
         </p:txBody>
       </p:sp>
@@ -3476,7 +3417,6 @@
               <a:rPr lang="en-US"/>
               <a:t>Click to edit Master text styles</a:t>
             </a:r>
-            <a:endParaRPr lang="en-US"/>
           </a:p>
           <a:p>
             <a:pPr lvl="1"/>
@@ -3484,7 +3424,6 @@
               <a:rPr lang="en-US"/>
               <a:t>Second level</a:t>
             </a:r>
-            <a:endParaRPr lang="en-US"/>
           </a:p>
           <a:p>
             <a:pPr lvl="2"/>
@@ -3492,7 +3431,6 @@
               <a:rPr lang="en-US"/>
               <a:t>Third level</a:t>
             </a:r>
-            <a:endParaRPr lang="en-US"/>
           </a:p>
           <a:p>
             <a:pPr lvl="3"/>
@@ -3500,7 +3438,6 @@
               <a:rPr lang="en-US"/>
               <a:t>Fourth level</a:t>
             </a:r>
-            <a:endParaRPr lang="en-US"/>
           </a:p>
           <a:p>
             <a:pPr lvl="4"/>
@@ -3508,7 +3445,6 @@
               <a:rPr lang="en-US"/>
               <a:t>Fifth level</a:t>
             </a:r>
-            <a:endParaRPr lang="en-US"/>
           </a:p>
         </p:txBody>
       </p:sp>
@@ -3564,7 +3500,6 @@
               <a:rPr lang="en-US"/>
               <a:t>Click to edit Master title style</a:t>
             </a:r>
-            <a:endParaRPr lang="en-US"/>
           </a:p>
         </p:txBody>
       </p:sp>
@@ -3649,7 +3584,6 @@
               <a:rPr lang="en-US"/>
               <a:t>Click to edit Master title style</a:t>
             </a:r>
-            <a:endParaRPr lang="en-US"/>
           </a:p>
         </p:txBody>
       </p:sp>
@@ -3706,7 +3640,6 @@
               <a:rPr lang="en-US"/>
               <a:t>Click to edit Master text styles</a:t>
             </a:r>
-            <a:endParaRPr lang="en-US"/>
           </a:p>
           <a:p>
             <a:pPr lvl="1"/>
@@ -3714,7 +3647,6 @@
               <a:rPr lang="en-US"/>
               <a:t>Second level</a:t>
             </a:r>
-            <a:endParaRPr lang="en-US"/>
           </a:p>
           <a:p>
             <a:pPr lvl="2"/>
@@ -3722,7 +3654,6 @@
               <a:rPr lang="en-US"/>
               <a:t>Third level</a:t>
             </a:r>
-            <a:endParaRPr lang="en-US"/>
           </a:p>
           <a:p>
             <a:pPr lvl="3"/>
@@ -3730,7 +3661,6 @@
               <a:rPr lang="en-US"/>
               <a:t>Fourth level</a:t>
             </a:r>
-            <a:endParaRPr lang="en-US"/>
           </a:p>
           <a:p>
             <a:pPr lvl="4"/>
@@ -3738,7 +3668,6 @@
               <a:rPr lang="en-US"/>
               <a:t>Fifth level</a:t>
             </a:r>
-            <a:endParaRPr lang="en-US"/>
           </a:p>
         </p:txBody>
       </p:sp>
@@ -3804,7 +3733,6 @@
               <a:rPr lang="en-US"/>
               <a:t>Click to edit Master text styles</a:t>
             </a:r>
-            <a:endParaRPr lang="en-US"/>
           </a:p>
         </p:txBody>
       </p:sp>
@@ -3876,7 +3804,6 @@
               <a:rPr lang="en-US"/>
               <a:t>Click to edit Master text styles</a:t>
             </a:r>
-            <a:endParaRPr lang="en-US"/>
           </a:p>
           <a:p>
             <a:pPr lvl="1"/>
@@ -3884,7 +3811,6 @@
               <a:rPr lang="en-US"/>
               <a:t>Second level</a:t>
             </a:r>
-            <a:endParaRPr lang="en-US"/>
           </a:p>
           <a:p>
             <a:pPr lvl="2"/>
@@ -3892,7 +3818,6 @@
               <a:rPr lang="en-US"/>
               <a:t>Third level</a:t>
             </a:r>
-            <a:endParaRPr lang="en-US"/>
           </a:p>
           <a:p>
             <a:pPr lvl="3"/>
@@ -3900,7 +3825,6 @@
               <a:rPr lang="en-US"/>
               <a:t>Fourth level</a:t>
             </a:r>
-            <a:endParaRPr lang="en-US"/>
           </a:p>
           <a:p>
             <a:pPr lvl="4"/>
@@ -3929,6 +3853,7 @@
           <a:p>
             <a:fld id="{15BE55D8-AE85-4F86-A850-E9181974E0FB}" type="datetimeFigureOut">
               <a:rPr lang="en-IN" smtClean="0"/>
+              <a:t>24-05-2024</a:t>
             </a:fld>
             <a:endParaRPr lang="en-IN"/>
           </a:p>
@@ -3970,6 +3895,7 @@
           <a:p>
             <a:fld id="{E96A4EC4-E59E-4B64-990D-420608495E85}" type="slidenum">
               <a:rPr lang="en-IN" smtClean="0"/>
+              <a:t>‹#›</a:t>
             </a:fld>
             <a:endParaRPr lang="en-IN"/>
           </a:p>
@@ -4031,7 +3957,6 @@
               <a:rPr lang="en-US"/>
               <a:t>Click to edit Master title style</a:t>
             </a:r>
-            <a:endParaRPr lang="en-US"/>
           </a:p>
         </p:txBody>
       </p:sp>
@@ -4159,7 +4084,6 @@
               <a:rPr lang="en-US"/>
               <a:t>Click to edit Master text styles</a:t>
             </a:r>
-            <a:endParaRPr lang="en-US"/>
           </a:p>
         </p:txBody>
       </p:sp>
@@ -4215,7 +4139,6 @@
               <a:rPr lang="en-US"/>
               <a:t>Click to edit Master title style</a:t>
             </a:r>
-            <a:endParaRPr lang="en-US"/>
           </a:p>
         </p:txBody>
       </p:sp>
@@ -4239,7 +4162,6 @@
               <a:rPr lang="en-US"/>
               <a:t>Click to edit Master text styles</a:t>
             </a:r>
-            <a:endParaRPr lang="en-US"/>
           </a:p>
           <a:p>
             <a:pPr lvl="1"/>
@@ -4247,7 +4169,6 @@
               <a:rPr lang="en-US"/>
               <a:t>Second level</a:t>
             </a:r>
-            <a:endParaRPr lang="en-US"/>
           </a:p>
           <a:p>
             <a:pPr lvl="2"/>
@@ -4255,7 +4176,6 @@
               <a:rPr lang="en-US"/>
               <a:t>Third level</a:t>
             </a:r>
-            <a:endParaRPr lang="en-US"/>
           </a:p>
           <a:p>
             <a:pPr lvl="3"/>
@@ -4263,7 +4183,6 @@
               <a:rPr lang="en-US"/>
               <a:t>Fourth level</a:t>
             </a:r>
-            <a:endParaRPr lang="en-US"/>
           </a:p>
           <a:p>
             <a:pPr lvl="4"/>
@@ -4271,7 +4190,6 @@
               <a:rPr lang="en-US"/>
               <a:t>Fifth level</a:t>
             </a:r>
-            <a:endParaRPr lang="en-US"/>
           </a:p>
         </p:txBody>
       </p:sp>
@@ -4327,7 +4245,6 @@
               <a:rPr lang="en-US"/>
               <a:t>Click to edit Master title style</a:t>
             </a:r>
-            <a:endParaRPr lang="en-US"/>
           </a:p>
         </p:txBody>
       </p:sp>
@@ -4356,7 +4273,6 @@
               <a:rPr lang="en-US"/>
               <a:t>Click to edit Master text styles</a:t>
             </a:r>
-            <a:endParaRPr lang="en-US"/>
           </a:p>
           <a:p>
             <a:pPr lvl="1"/>
@@ -4364,7 +4280,6 @@
               <a:rPr lang="en-US"/>
               <a:t>Second level</a:t>
             </a:r>
-            <a:endParaRPr lang="en-US"/>
           </a:p>
           <a:p>
             <a:pPr lvl="2"/>
@@ -4372,7 +4287,6 @@
               <a:rPr lang="en-US"/>
               <a:t>Third level</a:t>
             </a:r>
-            <a:endParaRPr lang="en-US"/>
           </a:p>
           <a:p>
             <a:pPr lvl="3"/>
@@ -4380,7 +4294,6 @@
               <a:rPr lang="en-US"/>
               <a:t>Fourth level</a:t>
             </a:r>
-            <a:endParaRPr lang="en-US"/>
           </a:p>
           <a:p>
             <a:pPr lvl="4"/>
@@ -4388,7 +4301,6 @@
               <a:rPr lang="en-US"/>
               <a:t>Fifth level</a:t>
             </a:r>
-            <a:endParaRPr lang="en-US"/>
           </a:p>
         </p:txBody>
       </p:sp>
@@ -4444,7 +4356,6 @@
               <a:rPr lang="en-US"/>
               <a:t>Click to edit Master title style</a:t>
             </a:r>
-            <a:endParaRPr lang="en-US"/>
           </a:p>
         </p:txBody>
       </p:sp>
@@ -4473,7 +4384,6 @@
               <a:rPr lang="en-US"/>
               <a:t>Click to edit Master text styles</a:t>
             </a:r>
-            <a:endParaRPr lang="en-US"/>
           </a:p>
           <a:p>
             <a:pPr lvl="1"/>
@@ -4481,7 +4391,6 @@
               <a:rPr lang="en-US"/>
               <a:t>Second level</a:t>
             </a:r>
-            <a:endParaRPr lang="en-US"/>
           </a:p>
           <a:p>
             <a:pPr lvl="2"/>
@@ -4489,7 +4398,6 @@
               <a:rPr lang="en-US"/>
               <a:t>Third level</a:t>
             </a:r>
-            <a:endParaRPr lang="en-US"/>
           </a:p>
           <a:p>
             <a:pPr lvl="3"/>
@@ -4497,7 +4405,6 @@
               <a:rPr lang="en-US"/>
               <a:t>Fourth level</a:t>
             </a:r>
-            <a:endParaRPr lang="en-US"/>
           </a:p>
           <a:p>
             <a:pPr lvl="4"/>
@@ -4505,7 +4412,6 @@
               <a:rPr lang="en-US"/>
               <a:t>Fifth level</a:t>
             </a:r>
-            <a:endParaRPr lang="en-US"/>
           </a:p>
         </p:txBody>
       </p:sp>
@@ -4586,7 +4492,6 @@
               <a:rPr lang="en-US"/>
               <a:t>Click to edit Master title style</a:t>
             </a:r>
-            <a:endParaRPr lang="en-US"/>
           </a:p>
         </p:txBody>
       </p:sp>
@@ -4615,7 +4520,6 @@
               <a:rPr lang="en-US"/>
               <a:t>Click to edit Master text styles</a:t>
             </a:r>
-            <a:endParaRPr lang="en-US"/>
           </a:p>
           <a:p>
             <a:pPr lvl="1"/>
@@ -4623,7 +4527,6 @@
               <a:rPr lang="en-US"/>
               <a:t>Second level</a:t>
             </a:r>
-            <a:endParaRPr lang="en-US"/>
           </a:p>
           <a:p>
             <a:pPr lvl="2"/>
@@ -4631,7 +4534,6 @@
               <a:rPr lang="en-US"/>
               <a:t>Third level</a:t>
             </a:r>
-            <a:endParaRPr lang="en-US"/>
           </a:p>
           <a:p>
             <a:pPr lvl="3"/>
@@ -4639,7 +4541,6 @@
               <a:rPr lang="en-US"/>
               <a:t>Fourth level</a:t>
             </a:r>
-            <a:endParaRPr lang="en-US"/>
           </a:p>
           <a:p>
             <a:pPr lvl="4"/>
@@ -4647,7 +4548,6 @@
               <a:rPr lang="en-US"/>
               <a:t>Fifth level</a:t>
             </a:r>
-            <a:endParaRPr lang="en-US"/>
           </a:p>
         </p:txBody>
       </p:sp>
@@ -4676,7 +4576,6 @@
               <a:rPr lang="en-US"/>
               <a:t>Click to edit Master text styles</a:t>
             </a:r>
-            <a:endParaRPr lang="en-US"/>
           </a:p>
           <a:p>
             <a:pPr lvl="1"/>
@@ -4684,7 +4583,6 @@
               <a:rPr lang="en-US"/>
               <a:t>Second level</a:t>
             </a:r>
-            <a:endParaRPr lang="en-US"/>
           </a:p>
           <a:p>
             <a:pPr lvl="2"/>
@@ -4692,7 +4590,6 @@
               <a:rPr lang="en-US"/>
               <a:t>Third level</a:t>
             </a:r>
-            <a:endParaRPr lang="en-US"/>
           </a:p>
           <a:p>
             <a:pPr lvl="3"/>
@@ -4700,7 +4597,6 @@
               <a:rPr lang="en-US"/>
               <a:t>Fourth level</a:t>
             </a:r>
-            <a:endParaRPr lang="en-US"/>
           </a:p>
           <a:p>
             <a:pPr lvl="4"/>
@@ -4708,7 +4604,6 @@
               <a:rPr lang="en-US"/>
               <a:t>Fifth level</a:t>
             </a:r>
-            <a:endParaRPr lang="en-US"/>
           </a:p>
         </p:txBody>
       </p:sp>
@@ -4764,7 +4659,6 @@
               <a:rPr lang="en-US"/>
               <a:t>Click to edit Master title style</a:t>
             </a:r>
-            <a:endParaRPr lang="en-US"/>
           </a:p>
         </p:txBody>
       </p:sp>
@@ -4793,7 +4687,6 @@
               <a:rPr lang="en-US"/>
               <a:t>Click to edit Master text styles</a:t>
             </a:r>
-            <a:endParaRPr lang="en-US"/>
           </a:p>
           <a:p>
             <a:pPr lvl="1"/>
@@ -4801,7 +4694,6 @@
               <a:rPr lang="en-US"/>
               <a:t>Second level</a:t>
             </a:r>
-            <a:endParaRPr lang="en-US"/>
           </a:p>
           <a:p>
             <a:pPr lvl="2"/>
@@ -4809,7 +4701,6 @@
               <a:rPr lang="en-US"/>
               <a:t>Third level</a:t>
             </a:r>
-            <a:endParaRPr lang="en-US"/>
           </a:p>
           <a:p>
             <a:pPr lvl="3"/>
@@ -4817,7 +4708,6 @@
               <a:rPr lang="en-US"/>
               <a:t>Fourth level</a:t>
             </a:r>
-            <a:endParaRPr lang="en-US"/>
           </a:p>
           <a:p>
             <a:pPr lvl="4"/>
@@ -4825,7 +4715,6 @@
               <a:rPr lang="en-US"/>
               <a:t>Fifth level</a:t>
             </a:r>
-            <a:endParaRPr lang="en-US"/>
           </a:p>
         </p:txBody>
       </p:sp>
@@ -4854,7 +4743,6 @@
               <a:rPr lang="en-US"/>
               <a:t>Click to edit Master text styles</a:t>
             </a:r>
-            <a:endParaRPr lang="en-US"/>
           </a:p>
           <a:p>
             <a:pPr lvl="1"/>
@@ -4862,7 +4750,6 @@
               <a:rPr lang="en-US"/>
               <a:t>Second level</a:t>
             </a:r>
-            <a:endParaRPr lang="en-US"/>
           </a:p>
           <a:p>
             <a:pPr lvl="2"/>
@@ -4870,7 +4757,6 @@
               <a:rPr lang="en-US"/>
               <a:t>Third level</a:t>
             </a:r>
-            <a:endParaRPr lang="en-US"/>
           </a:p>
           <a:p>
             <a:pPr lvl="3"/>
@@ -4878,7 +4764,6 @@
               <a:rPr lang="en-US"/>
               <a:t>Fourth level</a:t>
             </a:r>
-            <a:endParaRPr lang="en-US"/>
           </a:p>
           <a:p>
             <a:pPr lvl="4"/>
@@ -4886,7 +4771,6 @@
               <a:rPr lang="en-US"/>
               <a:t>Fifth level</a:t>
             </a:r>
-            <a:endParaRPr lang="en-US"/>
           </a:p>
         </p:txBody>
       </p:sp>
@@ -4915,7 +4799,6 @@
               <a:rPr lang="en-US"/>
               <a:t>Click to edit Master text styles</a:t>
             </a:r>
-            <a:endParaRPr lang="en-US"/>
           </a:p>
           <a:p>
             <a:pPr lvl="1"/>
@@ -4923,7 +4806,6 @@
               <a:rPr lang="en-US"/>
               <a:t>Second level</a:t>
             </a:r>
-            <a:endParaRPr lang="en-US"/>
           </a:p>
           <a:p>
             <a:pPr lvl="2"/>
@@ -4931,7 +4813,6 @@
               <a:rPr lang="en-US"/>
               <a:t>Third level</a:t>
             </a:r>
-            <a:endParaRPr lang="en-US"/>
           </a:p>
           <a:p>
             <a:pPr lvl="3"/>
@@ -4939,7 +4820,6 @@
               <a:rPr lang="en-US"/>
               <a:t>Fourth level</a:t>
             </a:r>
-            <a:endParaRPr lang="en-US"/>
           </a:p>
           <a:p>
             <a:pPr lvl="4"/>
@@ -4947,7 +4827,6 @@
               <a:rPr lang="en-US"/>
               <a:t>Fifth level</a:t>
             </a:r>
-            <a:endParaRPr lang="en-US"/>
           </a:p>
         </p:txBody>
       </p:sp>
@@ -4960,7 +4839,7 @@
 </file>
 
 <file path=ppt/slideLayouts/slideLayout26.xml><?xml version="1.0" encoding="utf-8"?>
-<p:sldLayout xmlns:a="http://schemas.openxmlformats.org/drawingml/2006/main" xmlns:r="http://schemas.openxmlformats.org/officeDocument/2006/relationships" xmlns:p="http://schemas.openxmlformats.org/presentationml/2006/main" type="title" preserve="1" showMasterSp="0">
+<p:sldLayout xmlns:a="http://schemas.openxmlformats.org/drawingml/2006/main" xmlns:r="http://schemas.openxmlformats.org/officeDocument/2006/relationships" xmlns:p="http://schemas.openxmlformats.org/presentationml/2006/main" showMasterSp="0" type="title" preserve="1">
   <p:cSld name="Title Slide">
     <p:spTree>
       <p:nvGrpSpPr>
@@ -5400,7 +5279,6 @@
               <a:rPr lang="en-US" dirty="0"/>
               <a:t>Click to edit Master subtitle style</a:t>
             </a:r>
-            <a:endParaRPr lang="en-US" dirty="0"/>
           </a:p>
         </p:txBody>
       </p:sp>
@@ -5639,12 +5517,6 @@
               </a:rPr>
               <a:t>Bharati Vidyapeeth’s Institute of Computer Applications and Management, New Delhi-63</a:t>
             </a:r>
-            <a:endParaRPr lang="en-US" sz="1200" dirty="0">
-              <a:solidFill>
-                <a:schemeClr val="bg1"/>
-              </a:solidFill>
-              <a:latin typeface="Arial" panose="020B0604020202020204" pitchFamily="34" charset="0"/>
-            </a:endParaRPr>
           </a:p>
         </p:txBody>
       </p:sp>
@@ -5811,6 +5683,7 @@
                 </a:solidFill>
                 <a:latin typeface="Arial" panose="020B0604020202020204" pitchFamily="34" charset="0"/>
               </a:rPr>
+              <a:t>‹#›</a:t>
             </a:fld>
             <a:endParaRPr lang="en-US" sz="1200" dirty="0">
               <a:solidFill>
@@ -5857,7 +5730,6 @@
               <a:rPr lang="en-US" dirty="0"/>
               <a:t>Click to edit Master title style</a:t>
             </a:r>
-            <a:endParaRPr lang="en-US" dirty="0"/>
           </a:p>
         </p:txBody>
       </p:sp>
@@ -5912,7 +5784,6 @@
               <a:rPr lang="en-US" dirty="0"/>
               <a:t>Click to edit Master text styles</a:t>
             </a:r>
-            <a:endParaRPr lang="en-US" dirty="0"/>
           </a:p>
           <a:p>
             <a:pPr lvl="1"/>
@@ -5920,7 +5791,6 @@
               <a:rPr lang="en-US" dirty="0"/>
               <a:t>Second level</a:t>
             </a:r>
-            <a:endParaRPr lang="en-US" dirty="0"/>
           </a:p>
           <a:p>
             <a:pPr lvl="2"/>
@@ -5928,7 +5798,6 @@
               <a:rPr lang="en-US" dirty="0"/>
               <a:t>Third level</a:t>
             </a:r>
-            <a:endParaRPr lang="en-US" dirty="0"/>
           </a:p>
           <a:p>
             <a:pPr lvl="3"/>
@@ -5936,7 +5805,6 @@
               <a:rPr lang="en-US" dirty="0"/>
               <a:t>Fourth level</a:t>
             </a:r>
-            <a:endParaRPr lang="en-US" dirty="0"/>
           </a:p>
           <a:p>
             <a:pPr lvl="4"/>
@@ -5944,7 +5812,6 @@
               <a:rPr lang="en-US" dirty="0"/>
               <a:t>Fifth level</a:t>
             </a:r>
-            <a:endParaRPr lang="en-US" dirty="0"/>
           </a:p>
         </p:txBody>
       </p:sp>
@@ -6005,7 +5872,6 @@
               <a:rPr lang="en-US"/>
               <a:t>Click to edit Master title style</a:t>
             </a:r>
-            <a:endParaRPr lang="en-US"/>
           </a:p>
         </p:txBody>
       </p:sp>
@@ -6071,7 +5937,6 @@
               <a:rPr lang="en-US"/>
               <a:t>Click to edit Master text styles</a:t>
             </a:r>
-            <a:endParaRPr lang="en-US"/>
           </a:p>
         </p:txBody>
       </p:sp>
@@ -6127,7 +5992,6 @@
               <a:rPr lang="en-US" dirty="0"/>
               <a:t>Click to edit Master title style</a:t>
             </a:r>
-            <a:endParaRPr lang="en-US" dirty="0"/>
           </a:p>
         </p:txBody>
       </p:sp>
@@ -6184,7 +6048,6 @@
               <a:rPr lang="en-US"/>
               <a:t>Click to edit Master text styles</a:t>
             </a:r>
-            <a:endParaRPr lang="en-US"/>
           </a:p>
           <a:p>
             <a:pPr lvl="1"/>
@@ -6192,7 +6055,6 @@
               <a:rPr lang="en-US"/>
               <a:t>Second level</a:t>
             </a:r>
-            <a:endParaRPr lang="en-US"/>
           </a:p>
           <a:p>
             <a:pPr lvl="2"/>
@@ -6200,7 +6062,6 @@
               <a:rPr lang="en-US"/>
               <a:t>Third level</a:t>
             </a:r>
-            <a:endParaRPr lang="en-US"/>
           </a:p>
           <a:p>
             <a:pPr lvl="3"/>
@@ -6208,7 +6069,6 @@
               <a:rPr lang="en-US"/>
               <a:t>Fourth level</a:t>
             </a:r>
-            <a:endParaRPr lang="en-US"/>
           </a:p>
           <a:p>
             <a:pPr lvl="4"/>
@@ -6216,7 +6076,6 @@
               <a:rPr lang="en-US"/>
               <a:t>Fifth level</a:t>
             </a:r>
-            <a:endParaRPr lang="en-US"/>
           </a:p>
         </p:txBody>
       </p:sp>
@@ -6273,7 +6132,6 @@
               <a:rPr lang="en-US"/>
               <a:t>Click to edit Master text styles</a:t>
             </a:r>
-            <a:endParaRPr lang="en-US"/>
           </a:p>
           <a:p>
             <a:pPr lvl="1"/>
@@ -6281,7 +6139,6 @@
               <a:rPr lang="en-US"/>
               <a:t>Second level</a:t>
             </a:r>
-            <a:endParaRPr lang="en-US"/>
           </a:p>
           <a:p>
             <a:pPr lvl="2"/>
@@ -6289,7 +6146,6 @@
               <a:rPr lang="en-US"/>
               <a:t>Third level</a:t>
             </a:r>
-            <a:endParaRPr lang="en-US"/>
           </a:p>
           <a:p>
             <a:pPr lvl="3"/>
@@ -6297,7 +6153,6 @@
               <a:rPr lang="en-US"/>
               <a:t>Fourth level</a:t>
             </a:r>
-            <a:endParaRPr lang="en-US"/>
           </a:p>
           <a:p>
             <a:pPr lvl="4"/>
@@ -6305,7 +6160,6 @@
               <a:rPr lang="en-US"/>
               <a:t>Fifth level</a:t>
             </a:r>
-            <a:endParaRPr lang="en-US"/>
           </a:p>
         </p:txBody>
       </p:sp>
@@ -6482,7 +6336,6 @@
               <a:rPr lang="en-US"/>
               <a:t>Click to edit Master text styles</a:t>
             </a:r>
-            <a:endParaRPr lang="en-US"/>
           </a:p>
         </p:txBody>
       </p:sp>
@@ -6503,6 +6356,7 @@
           <a:p>
             <a:fld id="{15BE55D8-AE85-4F86-A850-E9181974E0FB}" type="datetimeFigureOut">
               <a:rPr lang="en-IN" smtClean="0"/>
+              <a:t>24-05-2024</a:t>
             </a:fld>
             <a:endParaRPr lang="en-IN"/>
           </a:p>
@@ -6544,6 +6398,7 @@
           <a:p>
             <a:fld id="{E96A4EC4-E59E-4B64-990D-420608495E85}" type="slidenum">
               <a:rPr lang="en-IN" smtClean="0"/>
+              <a:t>‹#›</a:t>
             </a:fld>
             <a:endParaRPr lang="en-IN"/>
           </a:p>
@@ -6605,7 +6460,6 @@
               <a:rPr lang="en-US"/>
               <a:t>Click to edit Master title style</a:t>
             </a:r>
-            <a:endParaRPr lang="en-US"/>
           </a:p>
         </p:txBody>
       </p:sp>
@@ -6671,7 +6525,6 @@
               <a:rPr lang="en-US"/>
               <a:t>Click to edit Master text styles</a:t>
             </a:r>
-            <a:endParaRPr lang="en-US"/>
           </a:p>
         </p:txBody>
       </p:sp>
@@ -6728,7 +6581,6 @@
               <a:rPr lang="en-US"/>
               <a:t>Click to edit Master text styles</a:t>
             </a:r>
-            <a:endParaRPr lang="en-US"/>
           </a:p>
           <a:p>
             <a:pPr lvl="1"/>
@@ -6736,7 +6588,6 @@
               <a:rPr lang="en-US"/>
               <a:t>Second level</a:t>
             </a:r>
-            <a:endParaRPr lang="en-US"/>
           </a:p>
           <a:p>
             <a:pPr lvl="2"/>
@@ -6744,7 +6595,6 @@
               <a:rPr lang="en-US"/>
               <a:t>Third level</a:t>
             </a:r>
-            <a:endParaRPr lang="en-US"/>
           </a:p>
           <a:p>
             <a:pPr lvl="3"/>
@@ -6752,7 +6602,6 @@
               <a:rPr lang="en-US"/>
               <a:t>Fourth level</a:t>
             </a:r>
-            <a:endParaRPr lang="en-US"/>
           </a:p>
           <a:p>
             <a:pPr lvl="4"/>
@@ -6760,7 +6609,6 @@
               <a:rPr lang="en-US"/>
               <a:t>Fifth level</a:t>
             </a:r>
-            <a:endParaRPr lang="en-US"/>
           </a:p>
         </p:txBody>
       </p:sp>
@@ -6826,7 +6674,6 @@
               <a:rPr lang="en-US"/>
               <a:t>Click to edit Master text styles</a:t>
             </a:r>
-            <a:endParaRPr lang="en-US"/>
           </a:p>
         </p:txBody>
       </p:sp>
@@ -6883,7 +6730,6 @@
               <a:rPr lang="en-US"/>
               <a:t>Click to edit Master text styles</a:t>
             </a:r>
-            <a:endParaRPr lang="en-US"/>
           </a:p>
           <a:p>
             <a:pPr lvl="1"/>
@@ -6891,7 +6737,6 @@
               <a:rPr lang="en-US"/>
               <a:t>Second level</a:t>
             </a:r>
-            <a:endParaRPr lang="en-US"/>
           </a:p>
           <a:p>
             <a:pPr lvl="2"/>
@@ -6899,7 +6744,6 @@
               <a:rPr lang="en-US"/>
               <a:t>Third level</a:t>
             </a:r>
-            <a:endParaRPr lang="en-US"/>
           </a:p>
           <a:p>
             <a:pPr lvl="3"/>
@@ -6907,7 +6751,6 @@
               <a:rPr lang="en-US"/>
               <a:t>Fourth level</a:t>
             </a:r>
-            <a:endParaRPr lang="en-US"/>
           </a:p>
           <a:p>
             <a:pPr lvl="4"/>
@@ -6915,7 +6758,6 @@
               <a:rPr lang="en-US"/>
               <a:t>Fifth level</a:t>
             </a:r>
-            <a:endParaRPr lang="en-US"/>
           </a:p>
         </p:txBody>
       </p:sp>
@@ -6971,7 +6813,6 @@
               <a:rPr lang="en-US"/>
               <a:t>Click to edit Master title style</a:t>
             </a:r>
-            <a:endParaRPr lang="en-US"/>
           </a:p>
         </p:txBody>
       </p:sp>
@@ -7056,7 +6897,6 @@
               <a:rPr lang="en-US"/>
               <a:t>Click to edit Master title style</a:t>
             </a:r>
-            <a:endParaRPr lang="en-US"/>
           </a:p>
         </p:txBody>
       </p:sp>
@@ -7113,7 +6953,6 @@
               <a:rPr lang="en-US"/>
               <a:t>Click to edit Master text styles</a:t>
             </a:r>
-            <a:endParaRPr lang="en-US"/>
           </a:p>
           <a:p>
             <a:pPr lvl="1"/>
@@ -7121,7 +6960,6 @@
               <a:rPr lang="en-US"/>
               <a:t>Second level</a:t>
             </a:r>
-            <a:endParaRPr lang="en-US"/>
           </a:p>
           <a:p>
             <a:pPr lvl="2"/>
@@ -7129,7 +6967,6 @@
               <a:rPr lang="en-US"/>
               <a:t>Third level</a:t>
             </a:r>
-            <a:endParaRPr lang="en-US"/>
           </a:p>
           <a:p>
             <a:pPr lvl="3"/>
@@ -7137,7 +6974,6 @@
               <a:rPr lang="en-US"/>
               <a:t>Fourth level</a:t>
             </a:r>
-            <a:endParaRPr lang="en-US"/>
           </a:p>
           <a:p>
             <a:pPr lvl="4"/>
@@ -7145,7 +6981,6 @@
               <a:rPr lang="en-US"/>
               <a:t>Fifth level</a:t>
             </a:r>
-            <a:endParaRPr lang="en-US"/>
           </a:p>
         </p:txBody>
       </p:sp>
@@ -7211,7 +7046,6 @@
               <a:rPr lang="en-US"/>
               <a:t>Click to edit Master text styles</a:t>
             </a:r>
-            <a:endParaRPr lang="en-US"/>
           </a:p>
         </p:txBody>
       </p:sp>
@@ -7271,7 +7105,6 @@
               <a:rPr lang="en-US"/>
               <a:t>Click to edit Master title style</a:t>
             </a:r>
-            <a:endParaRPr lang="en-US"/>
           </a:p>
         </p:txBody>
       </p:sp>
@@ -7399,7 +7232,6 @@
               <a:rPr lang="en-US"/>
               <a:t>Click to edit Master text styles</a:t>
             </a:r>
-            <a:endParaRPr lang="en-US"/>
           </a:p>
         </p:txBody>
       </p:sp>
@@ -7455,7 +7287,6 @@
               <a:rPr lang="en-US"/>
               <a:t>Click to edit Master title style</a:t>
             </a:r>
-            <a:endParaRPr lang="en-US"/>
           </a:p>
         </p:txBody>
       </p:sp>
@@ -7479,7 +7310,6 @@
               <a:rPr lang="en-US"/>
               <a:t>Click to edit Master text styles</a:t>
             </a:r>
-            <a:endParaRPr lang="en-US"/>
           </a:p>
           <a:p>
             <a:pPr lvl="1"/>
@@ -7487,7 +7317,6 @@
               <a:rPr lang="en-US"/>
               <a:t>Second level</a:t>
             </a:r>
-            <a:endParaRPr lang="en-US"/>
           </a:p>
           <a:p>
             <a:pPr lvl="2"/>
@@ -7495,7 +7324,6 @@
               <a:rPr lang="en-US"/>
               <a:t>Third level</a:t>
             </a:r>
-            <a:endParaRPr lang="en-US"/>
           </a:p>
           <a:p>
             <a:pPr lvl="3"/>
@@ -7503,7 +7331,6 @@
               <a:rPr lang="en-US"/>
               <a:t>Fourth level</a:t>
             </a:r>
-            <a:endParaRPr lang="en-US"/>
           </a:p>
           <a:p>
             <a:pPr lvl="4"/>
@@ -7511,7 +7338,6 @@
               <a:rPr lang="en-US"/>
               <a:t>Fifth level</a:t>
             </a:r>
-            <a:endParaRPr lang="en-US"/>
           </a:p>
         </p:txBody>
       </p:sp>
@@ -7567,7 +7393,6 @@
               <a:rPr lang="en-US"/>
               <a:t>Click to edit Master title style</a:t>
             </a:r>
-            <a:endParaRPr lang="en-US"/>
           </a:p>
         </p:txBody>
       </p:sp>
@@ -7596,7 +7421,6 @@
               <a:rPr lang="en-US"/>
               <a:t>Click to edit Master text styles</a:t>
             </a:r>
-            <a:endParaRPr lang="en-US"/>
           </a:p>
           <a:p>
             <a:pPr lvl="1"/>
@@ -7604,7 +7428,6 @@
               <a:rPr lang="en-US"/>
               <a:t>Second level</a:t>
             </a:r>
-            <a:endParaRPr lang="en-US"/>
           </a:p>
           <a:p>
             <a:pPr lvl="2"/>
@@ -7612,7 +7435,6 @@
               <a:rPr lang="en-US"/>
               <a:t>Third level</a:t>
             </a:r>
-            <a:endParaRPr lang="en-US"/>
           </a:p>
           <a:p>
             <a:pPr lvl="3"/>
@@ -7620,7 +7442,6 @@
               <a:rPr lang="en-US"/>
               <a:t>Fourth level</a:t>
             </a:r>
-            <a:endParaRPr lang="en-US"/>
           </a:p>
           <a:p>
             <a:pPr lvl="4"/>
@@ -7628,7 +7449,6 @@
               <a:rPr lang="en-US"/>
               <a:t>Fifth level</a:t>
             </a:r>
-            <a:endParaRPr lang="en-US"/>
           </a:p>
         </p:txBody>
       </p:sp>
@@ -7684,7 +7504,6 @@
               <a:rPr lang="en-US"/>
               <a:t>Click to edit Master title style</a:t>
             </a:r>
-            <a:endParaRPr lang="en-US"/>
           </a:p>
         </p:txBody>
       </p:sp>
@@ -7713,7 +7532,6 @@
               <a:rPr lang="en-US"/>
               <a:t>Click to edit Master text styles</a:t>
             </a:r>
-            <a:endParaRPr lang="en-US"/>
           </a:p>
           <a:p>
             <a:pPr lvl="1"/>
@@ -7721,7 +7539,6 @@
               <a:rPr lang="en-US"/>
               <a:t>Second level</a:t>
             </a:r>
-            <a:endParaRPr lang="en-US"/>
           </a:p>
           <a:p>
             <a:pPr lvl="2"/>
@@ -7729,7 +7546,6 @@
               <a:rPr lang="en-US"/>
               <a:t>Third level</a:t>
             </a:r>
-            <a:endParaRPr lang="en-US"/>
           </a:p>
           <a:p>
             <a:pPr lvl="3"/>
@@ -7737,7 +7553,6 @@
               <a:rPr lang="en-US"/>
               <a:t>Fourth level</a:t>
             </a:r>
-            <a:endParaRPr lang="en-US"/>
           </a:p>
           <a:p>
             <a:pPr lvl="4"/>
@@ -7745,7 +7560,6 @@
               <a:rPr lang="en-US"/>
               <a:t>Fifth level</a:t>
             </a:r>
-            <a:endParaRPr lang="en-US"/>
           </a:p>
         </p:txBody>
       </p:sp>
@@ -7826,7 +7640,6 @@
               <a:rPr lang="en-US"/>
               <a:t>Click to edit Master title style</a:t>
             </a:r>
-            <a:endParaRPr lang="en-US"/>
           </a:p>
         </p:txBody>
       </p:sp>
@@ -7855,7 +7668,6 @@
               <a:rPr lang="en-US"/>
               <a:t>Click to edit Master text styles</a:t>
             </a:r>
-            <a:endParaRPr lang="en-US"/>
           </a:p>
           <a:p>
             <a:pPr lvl="1"/>
@@ -7863,7 +7675,6 @@
               <a:rPr lang="en-US"/>
               <a:t>Second level</a:t>
             </a:r>
-            <a:endParaRPr lang="en-US"/>
           </a:p>
           <a:p>
             <a:pPr lvl="2"/>
@@ -7871,7 +7682,6 @@
               <a:rPr lang="en-US"/>
               <a:t>Third level</a:t>
             </a:r>
-            <a:endParaRPr lang="en-US"/>
           </a:p>
           <a:p>
             <a:pPr lvl="3"/>
@@ -7879,7 +7689,6 @@
               <a:rPr lang="en-US"/>
               <a:t>Fourth level</a:t>
             </a:r>
-            <a:endParaRPr lang="en-US"/>
           </a:p>
           <a:p>
             <a:pPr lvl="4"/>
@@ -7887,7 +7696,6 @@
               <a:rPr lang="en-US"/>
               <a:t>Fifth level</a:t>
             </a:r>
-            <a:endParaRPr lang="en-US"/>
           </a:p>
         </p:txBody>
       </p:sp>
@@ -7916,7 +7724,6 @@
               <a:rPr lang="en-US"/>
               <a:t>Click to edit Master text styles</a:t>
             </a:r>
-            <a:endParaRPr lang="en-US"/>
           </a:p>
           <a:p>
             <a:pPr lvl="1"/>
@@ -7924,7 +7731,6 @@
               <a:rPr lang="en-US"/>
               <a:t>Second level</a:t>
             </a:r>
-            <a:endParaRPr lang="en-US"/>
           </a:p>
           <a:p>
             <a:pPr lvl="2"/>
@@ -7932,7 +7738,6 @@
               <a:rPr lang="en-US"/>
               <a:t>Third level</a:t>
             </a:r>
-            <a:endParaRPr lang="en-US"/>
           </a:p>
           <a:p>
             <a:pPr lvl="3"/>
@@ -7940,7 +7745,6 @@
               <a:rPr lang="en-US"/>
               <a:t>Fourth level</a:t>
             </a:r>
-            <a:endParaRPr lang="en-US"/>
           </a:p>
           <a:p>
             <a:pPr lvl="4"/>
@@ -7948,7 +7752,6 @@
               <a:rPr lang="en-US"/>
               <a:t>Fifth level</a:t>
             </a:r>
-            <a:endParaRPr lang="en-US"/>
           </a:p>
         </p:txBody>
       </p:sp>
@@ -8004,7 +7807,6 @@
               <a:rPr lang="en-US"/>
               <a:t>Click to edit Master title style</a:t>
             </a:r>
-            <a:endParaRPr lang="en-US"/>
           </a:p>
         </p:txBody>
       </p:sp>
@@ -8033,7 +7835,6 @@
               <a:rPr lang="en-US"/>
               <a:t>Click to edit Master text styles</a:t>
             </a:r>
-            <a:endParaRPr lang="en-US"/>
           </a:p>
           <a:p>
             <a:pPr lvl="1"/>
@@ -8041,7 +7842,6 @@
               <a:rPr lang="en-US"/>
               <a:t>Second level</a:t>
             </a:r>
-            <a:endParaRPr lang="en-US"/>
           </a:p>
           <a:p>
             <a:pPr lvl="2"/>
@@ -8049,7 +7849,6 @@
               <a:rPr lang="en-US"/>
               <a:t>Third level</a:t>
             </a:r>
-            <a:endParaRPr lang="en-US"/>
           </a:p>
           <a:p>
             <a:pPr lvl="3"/>
@@ -8057,7 +7856,6 @@
               <a:rPr lang="en-US"/>
               <a:t>Fourth level</a:t>
             </a:r>
-            <a:endParaRPr lang="en-US"/>
           </a:p>
           <a:p>
             <a:pPr lvl="4"/>
@@ -8065,7 +7863,6 @@
               <a:rPr lang="en-US"/>
               <a:t>Fifth level</a:t>
             </a:r>
-            <a:endParaRPr lang="en-US"/>
           </a:p>
         </p:txBody>
       </p:sp>
@@ -8094,7 +7891,6 @@
               <a:rPr lang="en-US"/>
               <a:t>Click to edit Master text styles</a:t>
             </a:r>
-            <a:endParaRPr lang="en-US"/>
           </a:p>
           <a:p>
             <a:pPr lvl="1"/>
@@ -8102,7 +7898,6 @@
               <a:rPr lang="en-US"/>
               <a:t>Second level</a:t>
             </a:r>
-            <a:endParaRPr lang="en-US"/>
           </a:p>
           <a:p>
             <a:pPr lvl="2"/>
@@ -8110,7 +7905,6 @@
               <a:rPr lang="en-US"/>
               <a:t>Third level</a:t>
             </a:r>
-            <a:endParaRPr lang="en-US"/>
           </a:p>
           <a:p>
             <a:pPr lvl="3"/>
@@ -8118,7 +7912,6 @@
               <a:rPr lang="en-US"/>
               <a:t>Fourth level</a:t>
             </a:r>
-            <a:endParaRPr lang="en-US"/>
           </a:p>
           <a:p>
             <a:pPr lvl="4"/>
@@ -8126,7 +7919,6 @@
               <a:rPr lang="en-US"/>
               <a:t>Fifth level</a:t>
             </a:r>
-            <a:endParaRPr lang="en-US"/>
           </a:p>
         </p:txBody>
       </p:sp>
@@ -8155,7 +7947,6 @@
               <a:rPr lang="en-US"/>
               <a:t>Click to edit Master text styles</a:t>
             </a:r>
-            <a:endParaRPr lang="en-US"/>
           </a:p>
           <a:p>
             <a:pPr lvl="1"/>
@@ -8163,7 +7954,6 @@
               <a:rPr lang="en-US"/>
               <a:t>Second level</a:t>
             </a:r>
-            <a:endParaRPr lang="en-US"/>
           </a:p>
           <a:p>
             <a:pPr lvl="2"/>
@@ -8171,7 +7961,6 @@
               <a:rPr lang="en-US"/>
               <a:t>Third level</a:t>
             </a:r>
-            <a:endParaRPr lang="en-US"/>
           </a:p>
           <a:p>
             <a:pPr lvl="3"/>
@@ -8179,7 +7968,6 @@
               <a:rPr lang="en-US"/>
               <a:t>Fourth level</a:t>
             </a:r>
-            <a:endParaRPr lang="en-US"/>
           </a:p>
           <a:p>
             <a:pPr lvl="4"/>
@@ -8187,7 +7975,6 @@
               <a:rPr lang="en-US"/>
               <a:t>Fifth level</a:t>
             </a:r>
-            <a:endParaRPr lang="en-US"/>
           </a:p>
         </p:txBody>
       </p:sp>
@@ -8264,7 +8051,6 @@
               <a:rPr lang="en-US"/>
               <a:t>Click to edit Master text styles</a:t>
             </a:r>
-            <a:endParaRPr lang="en-US"/>
           </a:p>
           <a:p>
             <a:pPr lvl="1"/>
@@ -8272,7 +8058,6 @@
               <a:rPr lang="en-US"/>
               <a:t>Second level</a:t>
             </a:r>
-            <a:endParaRPr lang="en-US"/>
           </a:p>
           <a:p>
             <a:pPr lvl="2"/>
@@ -8280,7 +8065,6 @@
               <a:rPr lang="en-US"/>
               <a:t>Third level</a:t>
             </a:r>
-            <a:endParaRPr lang="en-US"/>
           </a:p>
           <a:p>
             <a:pPr lvl="3"/>
@@ -8288,7 +8072,6 @@
               <a:rPr lang="en-US"/>
               <a:t>Fourth level</a:t>
             </a:r>
-            <a:endParaRPr lang="en-US"/>
           </a:p>
           <a:p>
             <a:pPr lvl="4"/>
@@ -8325,7 +8108,6 @@
               <a:rPr lang="en-US"/>
               <a:t>Click to edit Master text styles</a:t>
             </a:r>
-            <a:endParaRPr lang="en-US"/>
           </a:p>
           <a:p>
             <a:pPr lvl="1"/>
@@ -8333,7 +8115,6 @@
               <a:rPr lang="en-US"/>
               <a:t>Second level</a:t>
             </a:r>
-            <a:endParaRPr lang="en-US"/>
           </a:p>
           <a:p>
             <a:pPr lvl="2"/>
@@ -8341,7 +8122,6 @@
               <a:rPr lang="en-US"/>
               <a:t>Third level</a:t>
             </a:r>
-            <a:endParaRPr lang="en-US"/>
           </a:p>
           <a:p>
             <a:pPr lvl="3"/>
@@ -8349,7 +8129,6 @@
               <a:rPr lang="en-US"/>
               <a:t>Fourth level</a:t>
             </a:r>
-            <a:endParaRPr lang="en-US"/>
           </a:p>
           <a:p>
             <a:pPr lvl="4"/>
@@ -8378,6 +8157,7 @@
           <a:p>
             <a:fld id="{15BE55D8-AE85-4F86-A850-E9181974E0FB}" type="datetimeFigureOut">
               <a:rPr lang="en-IN" smtClean="0"/>
+              <a:t>24-05-2024</a:t>
             </a:fld>
             <a:endParaRPr lang="en-IN"/>
           </a:p>
@@ -8419,6 +8199,7 @@
           <a:p>
             <a:fld id="{E96A4EC4-E59E-4B64-990D-420608495E85}" type="slidenum">
               <a:rPr lang="en-IN" smtClean="0"/>
+              <a:t>‹#›</a:t>
             </a:fld>
             <a:endParaRPr lang="en-IN"/>
           </a:p>
@@ -8539,7 +8320,6 @@
               <a:rPr lang="en-US"/>
               <a:t>Click to edit Master text styles</a:t>
             </a:r>
-            <a:endParaRPr lang="en-US"/>
           </a:p>
         </p:txBody>
       </p:sp>
@@ -8568,7 +8348,6 @@
               <a:rPr lang="en-US"/>
               <a:t>Click to edit Master text styles</a:t>
             </a:r>
-            <a:endParaRPr lang="en-US"/>
           </a:p>
           <a:p>
             <a:pPr lvl="1"/>
@@ -8576,7 +8355,6 @@
               <a:rPr lang="en-US"/>
               <a:t>Second level</a:t>
             </a:r>
-            <a:endParaRPr lang="en-US"/>
           </a:p>
           <a:p>
             <a:pPr lvl="2"/>
@@ -8584,7 +8362,6 @@
               <a:rPr lang="en-US"/>
               <a:t>Third level</a:t>
             </a:r>
-            <a:endParaRPr lang="en-US"/>
           </a:p>
           <a:p>
             <a:pPr lvl="3"/>
@@ -8592,7 +8369,6 @@
               <a:rPr lang="en-US"/>
               <a:t>Fourth level</a:t>
             </a:r>
-            <a:endParaRPr lang="en-US"/>
           </a:p>
           <a:p>
             <a:pPr lvl="4"/>
@@ -8666,7 +8442,6 @@
               <a:rPr lang="en-US"/>
               <a:t>Click to edit Master text styles</a:t>
             </a:r>
-            <a:endParaRPr lang="en-US"/>
           </a:p>
         </p:txBody>
       </p:sp>
@@ -8695,7 +8470,6 @@
               <a:rPr lang="en-US"/>
               <a:t>Click to edit Master text styles</a:t>
             </a:r>
-            <a:endParaRPr lang="en-US"/>
           </a:p>
           <a:p>
             <a:pPr lvl="1"/>
@@ -8703,7 +8477,6 @@
               <a:rPr lang="en-US"/>
               <a:t>Second level</a:t>
             </a:r>
-            <a:endParaRPr lang="en-US"/>
           </a:p>
           <a:p>
             <a:pPr lvl="2"/>
@@ -8711,7 +8484,6 @@
               <a:rPr lang="en-US"/>
               <a:t>Third level</a:t>
             </a:r>
-            <a:endParaRPr lang="en-US"/>
           </a:p>
           <a:p>
             <a:pPr lvl="3"/>
@@ -8719,7 +8491,6 @@
               <a:rPr lang="en-US"/>
               <a:t>Fourth level</a:t>
             </a:r>
-            <a:endParaRPr lang="en-US"/>
           </a:p>
           <a:p>
             <a:pPr lvl="4"/>
@@ -8748,6 +8519,7 @@
           <a:p>
             <a:fld id="{15BE55D8-AE85-4F86-A850-E9181974E0FB}" type="datetimeFigureOut">
               <a:rPr lang="en-IN" smtClean="0"/>
+              <a:t>24-05-2024</a:t>
             </a:fld>
             <a:endParaRPr lang="en-IN"/>
           </a:p>
@@ -8789,6 +8561,7 @@
           <a:p>
             <a:fld id="{E96A4EC4-E59E-4B64-990D-420608495E85}" type="slidenum">
               <a:rPr lang="en-IN" smtClean="0"/>
+              <a:t>‹#›</a:t>
             </a:fld>
             <a:endParaRPr lang="en-IN"/>
           </a:p>
@@ -8859,6 +8632,7 @@
           <a:p>
             <a:fld id="{15BE55D8-AE85-4F86-A850-E9181974E0FB}" type="datetimeFigureOut">
               <a:rPr lang="en-IN" smtClean="0"/>
+              <a:t>24-05-2024</a:t>
             </a:fld>
             <a:endParaRPr lang="en-IN"/>
           </a:p>
@@ -8900,6 +8674,7 @@
           <a:p>
             <a:fld id="{E96A4EC4-E59E-4B64-990D-420608495E85}" type="slidenum">
               <a:rPr lang="en-IN" smtClean="0"/>
+              <a:t>‹#›</a:t>
             </a:fld>
             <a:endParaRPr lang="en-IN"/>
           </a:p>
@@ -8947,6 +8722,7 @@
           <a:p>
             <a:fld id="{15BE55D8-AE85-4F86-A850-E9181974E0FB}" type="datetimeFigureOut">
               <a:rPr lang="en-IN" smtClean="0"/>
+              <a:t>24-05-2024</a:t>
             </a:fld>
             <a:endParaRPr lang="en-IN"/>
           </a:p>
@@ -8988,6 +8764,7 @@
           <a:p>
             <a:fld id="{E96A4EC4-E59E-4B64-990D-420608495E85}" type="slidenum">
               <a:rPr lang="en-IN" smtClean="0"/>
+              <a:t>‹#›</a:t>
             </a:fld>
             <a:endParaRPr lang="en-IN"/>
           </a:p>
@@ -9103,7 +8880,6 @@
               <a:rPr lang="en-US"/>
               <a:t>Click to edit Master text styles</a:t>
             </a:r>
-            <a:endParaRPr lang="en-US"/>
           </a:p>
           <a:p>
             <a:pPr lvl="1"/>
@@ -9111,7 +8887,6 @@
               <a:rPr lang="en-US"/>
               <a:t>Second level</a:t>
             </a:r>
-            <a:endParaRPr lang="en-US"/>
           </a:p>
           <a:p>
             <a:pPr lvl="2"/>
@@ -9119,7 +8894,6 @@
               <a:rPr lang="en-US"/>
               <a:t>Third level</a:t>
             </a:r>
-            <a:endParaRPr lang="en-US"/>
           </a:p>
           <a:p>
             <a:pPr lvl="3"/>
@@ -9127,7 +8901,6 @@
               <a:rPr lang="en-US"/>
               <a:t>Fourth level</a:t>
             </a:r>
-            <a:endParaRPr lang="en-US"/>
           </a:p>
           <a:p>
             <a:pPr lvl="4"/>
@@ -9201,7 +8974,6 @@
               <a:rPr lang="en-US"/>
               <a:t>Click to edit Master text styles</a:t>
             </a:r>
-            <a:endParaRPr lang="en-US"/>
           </a:p>
         </p:txBody>
       </p:sp>
@@ -9222,6 +8994,7 @@
           <a:p>
             <a:fld id="{15BE55D8-AE85-4F86-A850-E9181974E0FB}" type="datetimeFigureOut">
               <a:rPr lang="en-IN" smtClean="0"/>
+              <a:t>24-05-2024</a:t>
             </a:fld>
             <a:endParaRPr lang="en-IN"/>
           </a:p>
@@ -9263,6 +9036,7 @@
           <a:p>
             <a:fld id="{E96A4EC4-E59E-4B64-990D-420608495E85}" type="slidenum">
               <a:rPr lang="en-IN" smtClean="0"/>
+              <a:t>‹#›</a:t>
             </a:fld>
             <a:endParaRPr lang="en-IN"/>
           </a:p>
@@ -9448,7 +9222,6 @@
               <a:rPr lang="en-US"/>
               <a:t>Click to edit Master text styles</a:t>
             </a:r>
-            <a:endParaRPr lang="en-US"/>
           </a:p>
         </p:txBody>
       </p:sp>
@@ -9469,6 +9242,7 @@
           <a:p>
             <a:fld id="{15BE55D8-AE85-4F86-A850-E9181974E0FB}" type="datetimeFigureOut">
               <a:rPr lang="en-IN" smtClean="0"/>
+              <a:t>24-05-2024</a:t>
             </a:fld>
             <a:endParaRPr lang="en-IN"/>
           </a:p>
@@ -9510,6 +9284,7 @@
           <a:p>
             <a:fld id="{E96A4EC4-E59E-4B64-990D-420608495E85}" type="slidenum">
               <a:rPr lang="en-IN" smtClean="0"/>
+              <a:t>‹#›</a:t>
             </a:fld>
             <a:endParaRPr lang="en-IN"/>
           </a:p>
@@ -9608,7 +9383,6 @@
               <a:rPr lang="en-US"/>
               <a:t>Click to edit Master text styles</a:t>
             </a:r>
-            <a:endParaRPr lang="en-US"/>
           </a:p>
           <a:p>
             <a:pPr lvl="1"/>
@@ -9616,7 +9390,6 @@
               <a:rPr lang="en-US"/>
               <a:t>Second level</a:t>
             </a:r>
-            <a:endParaRPr lang="en-US"/>
           </a:p>
           <a:p>
             <a:pPr lvl="2"/>
@@ -9624,7 +9397,6 @@
               <a:rPr lang="en-US"/>
               <a:t>Third level</a:t>
             </a:r>
-            <a:endParaRPr lang="en-US"/>
           </a:p>
           <a:p>
             <a:pPr lvl="3"/>
@@ -9632,7 +9404,6 @@
               <a:rPr lang="en-US"/>
               <a:t>Fourth level</a:t>
             </a:r>
-            <a:endParaRPr lang="en-US"/>
           </a:p>
           <a:p>
             <a:pPr lvl="4"/>
@@ -9679,6 +9450,7 @@
           <a:p>
             <a:fld id="{15BE55D8-AE85-4F86-A850-E9181974E0FB}" type="datetimeFigureOut">
               <a:rPr lang="en-IN" smtClean="0"/>
+              <a:t>24-05-2024</a:t>
             </a:fld>
             <a:endParaRPr lang="en-IN"/>
           </a:p>
@@ -9756,6 +9528,7 @@
           <a:p>
             <a:fld id="{E96A4EC4-E59E-4B64-990D-420608495E85}" type="slidenum">
               <a:rPr lang="en-IN" smtClean="0"/>
+              <a:t>‹#›</a:t>
             </a:fld>
             <a:endParaRPr lang="en-IN"/>
           </a:p>
@@ -10136,7 +9909,6 @@
               <a:rPr lang="en-US" dirty="0"/>
               <a:t>Click to edit Master text styles</a:t>
             </a:r>
-            <a:endParaRPr lang="en-US" dirty="0"/>
           </a:p>
           <a:p>
             <a:pPr lvl="1"/>
@@ -10144,7 +9916,6 @@
               <a:rPr lang="en-US" dirty="0"/>
               <a:t>Second level</a:t>
             </a:r>
-            <a:endParaRPr lang="en-US" dirty="0"/>
           </a:p>
           <a:p>
             <a:pPr lvl="2"/>
@@ -10152,7 +9923,6 @@
               <a:rPr lang="en-US" dirty="0"/>
               <a:t>Third level</a:t>
             </a:r>
-            <a:endParaRPr lang="en-US" dirty="0"/>
           </a:p>
           <a:p>
             <a:pPr lvl="3"/>
@@ -10160,7 +9930,6 @@
               <a:rPr lang="en-US" dirty="0"/>
               <a:t>Fourth level</a:t>
             </a:r>
-            <a:endParaRPr lang="en-US" dirty="0"/>
           </a:p>
           <a:p>
             <a:pPr lvl="4"/>
@@ -10168,7 +9937,6 @@
               <a:rPr lang="en-US" dirty="0"/>
               <a:t>Fifth level</a:t>
             </a:r>
-            <a:endParaRPr lang="en-US" dirty="0"/>
           </a:p>
         </p:txBody>
       </p:sp>
@@ -10409,12 +10177,6 @@
               </a:rPr>
               <a:t> Institute of Computer Applications and Management, New Delhi-63</a:t>
             </a:r>
-            <a:endParaRPr lang="en-US" sz="1200" dirty="0">
-              <a:solidFill>
-                <a:schemeClr val="bg1"/>
-              </a:solidFill>
-              <a:latin typeface="Arial" panose="020B0604020202020204" pitchFamily="34" charset="0"/>
-            </a:endParaRPr>
           </a:p>
         </p:txBody>
       </p:sp>
@@ -10590,6 +10352,7 @@
                 </a:solidFill>
                 <a:latin typeface="Arial" panose="020B0604020202020204" pitchFamily="34" charset="0"/>
               </a:rPr>
+              <a:t>‹#›</a:t>
             </a:fld>
             <a:endParaRPr lang="en-US" sz="1200" dirty="0">
               <a:solidFill>
@@ -11039,7 +10802,7 @@
           <p:nvPr userDrawn="1"/>
         </p:nvPicPr>
         <p:blipFill>
-          <a:blip r:embed="rId15" cstate="print"/>
+          <a:blip r:embed="rId16" cstate="print"/>
           <a:stretch>
             <a:fillRect/>
           </a:stretch>
@@ -11294,7 +11057,7 @@
           <a:spcPct val="0"/>
         </a:spcAft>
         <a:buBlip>
-          <a:blip r:embed="rId16"/>
+          <a:blip r:embed="rId17"/>
         </a:buBlip>
         <a:defRPr sz="2400">
           <a:solidFill>
@@ -11312,7 +11075,7 @@
           <a:spcPct val="0"/>
         </a:spcAft>
         <a:buBlip>
-          <a:blip r:embed="rId17"/>
+          <a:blip r:embed="rId18"/>
         </a:buBlip>
         <a:defRPr sz="1865">
           <a:solidFill>
@@ -11330,7 +11093,7 @@
           <a:spcPct val="0"/>
         </a:spcAft>
         <a:buBlip>
-          <a:blip r:embed="rId17"/>
+          <a:blip r:embed="rId18"/>
         </a:buBlip>
         <a:defRPr sz="1865">
           <a:solidFill>
@@ -11348,7 +11111,7 @@
           <a:spcPct val="0"/>
         </a:spcAft>
         <a:buBlip>
-          <a:blip r:embed="rId17"/>
+          <a:blip r:embed="rId18"/>
         </a:buBlip>
         <a:defRPr sz="1865">
           <a:solidFill>
@@ -11366,7 +11129,7 @@
           <a:spcPct val="0"/>
         </a:spcAft>
         <a:buBlip>
-          <a:blip r:embed="rId17"/>
+          <a:blip r:embed="rId18"/>
         </a:buBlip>
         <a:defRPr sz="1865">
           <a:solidFill>
@@ -11384,7 +11147,7 @@
           <a:spcPct val="0"/>
         </a:spcAft>
         <a:buBlip>
-          <a:blip r:embed="rId17"/>
+          <a:blip r:embed="rId18"/>
         </a:buBlip>
         <a:defRPr sz="1865">
           <a:solidFill>
@@ -11570,7 +11333,6 @@
               <a:rPr lang="en-US" dirty="0"/>
               <a:t>Click to edit Master text styles</a:t>
             </a:r>
-            <a:endParaRPr lang="en-US" dirty="0"/>
           </a:p>
           <a:p>
             <a:pPr lvl="1"/>
@@ -11578,7 +11340,6 @@
               <a:rPr lang="en-US" dirty="0"/>
               <a:t>Second level</a:t>
             </a:r>
-            <a:endParaRPr lang="en-US" dirty="0"/>
           </a:p>
           <a:p>
             <a:pPr lvl="2"/>
@@ -11586,7 +11347,6 @@
               <a:rPr lang="en-US" dirty="0"/>
               <a:t>Third level</a:t>
             </a:r>
-            <a:endParaRPr lang="en-US" dirty="0"/>
           </a:p>
           <a:p>
             <a:pPr lvl="3"/>
@@ -11594,7 +11354,6 @@
               <a:rPr lang="en-US" dirty="0"/>
               <a:t>Fourth level</a:t>
             </a:r>
-            <a:endParaRPr lang="en-US" dirty="0"/>
           </a:p>
           <a:p>
             <a:pPr lvl="4"/>
@@ -11602,7 +11361,6 @@
               <a:rPr lang="en-US" dirty="0"/>
               <a:t>Fifth level</a:t>
             </a:r>
-            <a:endParaRPr lang="en-US" dirty="0"/>
           </a:p>
         </p:txBody>
       </p:sp>
@@ -11843,12 +11601,6 @@
               </a:rPr>
               <a:t> Institute of Computer Applications and Management, New Delhi-63</a:t>
             </a:r>
-            <a:endParaRPr lang="en-US" sz="1200" dirty="0">
-              <a:solidFill>
-                <a:schemeClr val="bg1"/>
-              </a:solidFill>
-              <a:latin typeface="Arial" panose="020B0604020202020204" pitchFamily="34" charset="0"/>
-            </a:endParaRPr>
           </a:p>
         </p:txBody>
       </p:sp>
@@ -12024,6 +11776,7 @@
                 </a:solidFill>
                 <a:latin typeface="Arial" panose="020B0604020202020204" pitchFamily="34" charset="0"/>
               </a:rPr>
+              <a:t>‹#›</a:t>
             </a:fld>
             <a:endParaRPr lang="en-US" sz="1200" dirty="0">
               <a:solidFill>
@@ -12473,7 +12226,7 @@
           <p:nvPr userDrawn="1"/>
         </p:nvPicPr>
         <p:blipFill>
-          <a:blip r:embed="rId15" cstate="print"/>
+          <a:blip r:embed="rId16" cstate="print"/>
           <a:stretch>
             <a:fillRect/>
           </a:stretch>
@@ -12728,7 +12481,7 @@
           <a:spcPct val="0"/>
         </a:spcAft>
         <a:buBlip>
-          <a:blip r:embed="rId16"/>
+          <a:blip r:embed="rId17"/>
         </a:buBlip>
         <a:defRPr sz="2400">
           <a:solidFill>
@@ -12746,7 +12499,7 @@
           <a:spcPct val="0"/>
         </a:spcAft>
         <a:buBlip>
-          <a:blip r:embed="rId17"/>
+          <a:blip r:embed="rId18"/>
         </a:buBlip>
         <a:defRPr sz="1865">
           <a:solidFill>
@@ -12764,7 +12517,7 @@
           <a:spcPct val="0"/>
         </a:spcAft>
         <a:buBlip>
-          <a:blip r:embed="rId17"/>
+          <a:blip r:embed="rId18"/>
         </a:buBlip>
         <a:defRPr sz="1865">
           <a:solidFill>
@@ -12782,7 +12535,7 @@
           <a:spcPct val="0"/>
         </a:spcAft>
         <a:buBlip>
-          <a:blip r:embed="rId17"/>
+          <a:blip r:embed="rId18"/>
         </a:buBlip>
         <a:defRPr sz="1865">
           <a:solidFill>
@@ -12800,7 +12553,7 @@
           <a:spcPct val="0"/>
         </a:spcAft>
         <a:buBlip>
-          <a:blip r:embed="rId17"/>
+          <a:blip r:embed="rId18"/>
         </a:buBlip>
         <a:defRPr sz="1865">
           <a:solidFill>
@@ -12818,7 +12571,7 @@
           <a:spcPct val="0"/>
         </a:spcAft>
         <a:buBlip>
-          <a:blip r:embed="rId17"/>
+          <a:blip r:embed="rId18"/>
         </a:buBlip>
         <a:defRPr sz="1865">
           <a:solidFill>
@@ -13000,7 +12753,7 @@
               <a:defRPr/>
             </a:pPr>
             <a:r>
-              <a:rPr lang="en-US" sz="3735" b="1" dirty="0" smtClean="0">
+              <a:rPr lang="en-US" sz="3735" b="1" dirty="0">
                 <a:solidFill>
                   <a:srgbClr val="0000CC"/>
                 </a:solidFill>
@@ -13103,7 +12856,7 @@
               </a:rPr>
             </a:br>
             <a:r>
-              <a:rPr lang="en-US" sz="2665" b="1" dirty="0" smtClean="0">
+              <a:rPr lang="en-US" sz="2665" b="1" dirty="0">
                 <a:solidFill>
                   <a:schemeClr val="tx1">
                     <a:lumMod val="65000"/>
@@ -13199,13 +12952,6 @@
               </a:rPr>
               <a:t>Internal Guide</a:t>
             </a:r>
-            <a:endParaRPr lang="en-US" sz="2135" b="1" dirty="0">
-              <a:solidFill>
-                <a:srgbClr val="C00000"/>
-              </a:solidFill>
-              <a:latin typeface="Arial" panose="020B0604020202020204" pitchFamily="34" charset="0"/>
-              <a:cs typeface="Arial" panose="020B0604020202020204" pitchFamily="34" charset="0"/>
-            </a:endParaRPr>
           </a:p>
           <a:p>
             <a:pPr algn="ctr" defTabSz="1219200" fontAlgn="base">
@@ -13248,16 +12994,6 @@
               </a:rPr>
               <a:t>(BVICAM, New Delhi)</a:t>
             </a:r>
-            <a:endParaRPr lang="en-US" sz="1865" b="1" dirty="0">
-              <a:solidFill>
-                <a:prstClr val="black">
-                  <a:lumMod val="65000"/>
-                  <a:lumOff val="35000"/>
-                </a:prstClr>
-              </a:solidFill>
-              <a:latin typeface="Arial" panose="020B0604020202020204" pitchFamily="34" charset="0"/>
-              <a:cs typeface="Arial" panose="020B0604020202020204" pitchFamily="34" charset="0"/>
-            </a:endParaRPr>
           </a:p>
         </p:txBody>
       </p:sp>
@@ -13414,13 +13150,6 @@
               </a:rPr>
               <a:t>Presentation by</a:t>
             </a:r>
-            <a:endParaRPr lang="en-US" sz="2135" b="1" dirty="0">
-              <a:solidFill>
-                <a:srgbClr val="C00000"/>
-              </a:solidFill>
-              <a:latin typeface="Arial" panose="020B0604020202020204" pitchFamily="34" charset="0"/>
-              <a:cs typeface="Arial" panose="020B0604020202020204" pitchFamily="34" charset="0"/>
-            </a:endParaRPr>
           </a:p>
           <a:p>
             <a:pPr algn="ctr" defTabSz="1219200" fontAlgn="base">
@@ -13441,13 +13170,6 @@
               </a:rPr>
               <a:t>Sanchit Talreja(352)</a:t>
             </a:r>
-            <a:endParaRPr lang="en-US" sz="2135" b="1" dirty="0">
-              <a:solidFill>
-                <a:srgbClr val="0000CC"/>
-              </a:solidFill>
-              <a:latin typeface="Arial" panose="020B0604020202020204" pitchFamily="34" charset="0"/>
-              <a:cs typeface="Arial" panose="020B0604020202020204" pitchFamily="34" charset="0"/>
-            </a:endParaRPr>
           </a:p>
           <a:p>
             <a:pPr algn="ctr" defTabSz="1219200" fontAlgn="base">
@@ -13480,7 +13202,7 @@
           <p:nvPr/>
         </p:nvPicPr>
         <p:blipFill>
-          <a:blip r:embed="rId1" cstate="print">
+          <a:blip r:embed="rId3" cstate="print">
             <a:extLst>
               <a:ext uri="{28A0092B-C50C-407E-A947-70E740481C1C}">
                 <a14:useLocalDpi xmlns:a14="http://schemas.microsoft.com/office/drawing/2010/main" val="0"/>
@@ -13529,7 +13251,14 @@
         <p:cNvGrpSpPr/>
         <p:nvPr/>
       </p:nvGrpSpPr>
-      <p:grpSpPr/>
+      <p:grpSpPr>
+        <a:xfrm>
+          <a:off x="0" y="0"/>
+          <a:ext cx="0" cy="0"/>
+          <a:chOff x="0" y="0"/>
+          <a:chExt cx="0" cy="0"/>
+        </a:xfrm>
+      </p:grpSpPr>
       <p:sp>
         <p:nvSpPr>
           <p:cNvPr id="2" name="Title 1"/>
@@ -13543,6 +13272,7 @@
         <p:spPr/>
         <p:txBody>
           <a:bodyPr/>
+          <a:lstStyle/>
           <a:p>
             <a:pPr algn="ctr">
               <a:buClrTx/>
@@ -13556,33 +13286,33 @@
               </a:rPr>
               <a:t>DFD LEVEL-1</a:t>
             </a:r>
-            <a:endParaRPr lang="en-US" sz="4400">
-              <a:latin typeface="Times New Roman Regular" panose="02020603050405020304" charset="0"/>
-              <a:cs typeface="Times New Roman Regular" panose="02020603050405020304" charset="0"/>
-            </a:endParaRPr>
           </a:p>
         </p:txBody>
       </p:sp>
       <p:pic>
         <p:nvPicPr>
-          <p:cNvPr id="5" name="Content Placeholder 4"/>
+          <p:cNvPr id="9" name="Picture 8">
+            <a:extLst>
+              <a:ext uri="{FF2B5EF4-FFF2-40B4-BE49-F238E27FC236}">
+                <a16:creationId xmlns:a16="http://schemas.microsoft.com/office/drawing/2014/main" id="{6F0B25A8-FE4D-52FE-D435-8E4C10705DB7}"/>
+              </a:ext>
+            </a:extLst>
+          </p:cNvPr>
           <p:cNvPicPr>
             <a:picLocks noChangeAspect="1"/>
           </p:cNvPicPr>
-          <p:nvPr>
-            <p:ph idx="1"/>
-          </p:nvPr>
+          <p:nvPr/>
         </p:nvPicPr>
         <p:blipFill>
-          <a:blip r:embed="rId1"/>
+          <a:blip r:embed="rId2"/>
           <a:stretch>
             <a:fillRect/>
           </a:stretch>
         </p:blipFill>
         <p:spPr>
           <a:xfrm>
-            <a:off x="2178050" y="944245"/>
-            <a:ext cx="7762240" cy="5463540"/>
+            <a:off x="2202023" y="877077"/>
+            <a:ext cx="8380433" cy="5607699"/>
           </a:xfrm>
           <a:prstGeom prst="rect">
             <a:avLst/>
@@ -13606,7 +13336,14 @@
         <p:cNvGrpSpPr/>
         <p:nvPr/>
       </p:nvGrpSpPr>
-      <p:grpSpPr/>
+      <p:grpSpPr>
+        <a:xfrm>
+          <a:off x="0" y="0"/>
+          <a:ext cx="0" cy="0"/>
+          <a:chOff x="0" y="0"/>
+          <a:chExt cx="0" cy="0"/>
+        </a:xfrm>
+      </p:grpSpPr>
       <p:sp>
         <p:nvSpPr>
           <p:cNvPr id="2" name="Title 1"/>
@@ -13620,6 +13357,7 @@
         <p:spPr/>
         <p:txBody>
           <a:bodyPr/>
+          <a:lstStyle/>
           <a:p>
             <a:pPr algn="ctr">
               <a:buClrTx/>
@@ -13631,35 +13369,55 @@
                 <a:latin typeface="Times New Roman Regular" panose="02020603050405020304" charset="0"/>
                 <a:cs typeface="Times New Roman Regular" panose="02020603050405020304" charset="0"/>
               </a:rPr>
-              <a:t>DFD LEVEL-2</a:t>
-            </a:r>
-            <a:endParaRPr lang="en-US" sz="4400">
-              <a:latin typeface="Times New Roman Regular" panose="02020603050405020304" charset="0"/>
-              <a:cs typeface="Times New Roman Regular" panose="02020603050405020304" charset="0"/>
-            </a:endParaRPr>
+              <a:t>Sequence Diagram</a:t>
+            </a:r>
           </a:p>
         </p:txBody>
       </p:sp>
       <p:pic>
         <p:nvPicPr>
-          <p:cNvPr id="4" name="Content Placeholder 3"/>
+          <p:cNvPr id="6" name="Content Placeholder 5"/>
           <p:cNvPicPr>
-            <a:picLocks noChangeAspect="1"/>
+            <a:picLocks noGrp="1" noChangeAspect="1"/>
           </p:cNvPicPr>
           <p:nvPr>
             <p:ph idx="1"/>
           </p:nvPr>
         </p:nvPicPr>
         <p:blipFill>
-          <a:blip r:embed="rId1"/>
+          <a:blip r:embed="rId2"/>
           <a:stretch>
             <a:fillRect/>
           </a:stretch>
         </p:blipFill>
         <p:spPr>
           <a:xfrm>
-            <a:off x="2383155" y="914400"/>
-            <a:ext cx="7359650" cy="5547995"/>
+            <a:off x="946785" y="1002665"/>
+            <a:ext cx="4544695" cy="5224145"/>
+          </a:xfrm>
+          <a:prstGeom prst="rect">
+            <a:avLst/>
+          </a:prstGeom>
+        </p:spPr>
+      </p:pic>
+      <p:pic>
+        <p:nvPicPr>
+          <p:cNvPr id="7" name="Picture 6"/>
+          <p:cNvPicPr>
+            <a:picLocks noChangeAspect="1"/>
+          </p:cNvPicPr>
+          <p:nvPr/>
+        </p:nvPicPr>
+        <p:blipFill>
+          <a:blip r:embed="rId3"/>
+          <a:stretch>
+            <a:fillRect/>
+          </a:stretch>
+        </p:blipFill>
+        <p:spPr>
+          <a:xfrm>
+            <a:off x="6180455" y="1002665"/>
+            <a:ext cx="5238115" cy="5224145"/>
           </a:xfrm>
           <a:prstGeom prst="rect">
             <a:avLst/>
@@ -13683,7 +13441,14 @@
         <p:cNvGrpSpPr/>
         <p:nvPr/>
       </p:nvGrpSpPr>
-      <p:grpSpPr/>
+      <p:grpSpPr>
+        <a:xfrm>
+          <a:off x="0" y="0"/>
+          <a:ext cx="0" cy="0"/>
+          <a:chOff x="0" y="0"/>
+          <a:chExt cx="0" cy="0"/>
+        </a:xfrm>
+      </p:grpSpPr>
       <p:sp>
         <p:nvSpPr>
           <p:cNvPr id="2" name="Title 1"/>
@@ -13697,59 +13462,27 @@
         <p:spPr/>
         <p:txBody>
           <a:bodyPr/>
-          <a:p>
-            <a:pPr algn="ctr">
-              <a:buClrTx/>
-              <a:buSzTx/>
-              <a:buFontTx/>
-            </a:pPr>
+          <a:lstStyle/>
+          <a:p>
             <a:r>
               <a:rPr lang="en-US" sz="4400">
                 <a:latin typeface="Times New Roman Regular" panose="02020603050405020304" charset="0"/>
                 <a:cs typeface="Times New Roman Regular" panose="02020603050405020304" charset="0"/>
               </a:rPr>
-              <a:t>Sequence Diagram</a:t>
-            </a:r>
-            <a:endParaRPr lang="en-US" sz="4400">
-              <a:latin typeface="Times New Roman Regular" panose="02020603050405020304" charset="0"/>
-              <a:cs typeface="Times New Roman Regular" panose="02020603050405020304" charset="0"/>
-            </a:endParaRPr>
+              <a:t>Activity Diagram</a:t>
+            </a:r>
           </a:p>
         </p:txBody>
       </p:sp>
       <p:pic>
         <p:nvPicPr>
-          <p:cNvPr id="6" name="Content Placeholder 5"/>
+          <p:cNvPr id="4" name="Content Placeholder 3"/>
           <p:cNvPicPr>
-            <a:picLocks noChangeAspect="1"/>
+            <a:picLocks noGrp="1" noChangeAspect="1"/>
           </p:cNvPicPr>
           <p:nvPr>
             <p:ph idx="1"/>
           </p:nvPr>
-        </p:nvPicPr>
-        <p:blipFill>
-          <a:blip r:embed="rId1"/>
-          <a:stretch>
-            <a:fillRect/>
-          </a:stretch>
-        </p:blipFill>
-        <p:spPr>
-          <a:xfrm>
-            <a:off x="946785" y="1002665"/>
-            <a:ext cx="4544695" cy="5224145"/>
-          </a:xfrm>
-          <a:prstGeom prst="rect">
-            <a:avLst/>
-          </a:prstGeom>
-        </p:spPr>
-      </p:pic>
-      <p:pic>
-        <p:nvPicPr>
-          <p:cNvPr id="7" name="Picture 6"/>
-          <p:cNvPicPr>
-            <a:picLocks noChangeAspect="1"/>
-          </p:cNvPicPr>
-          <p:nvPr/>
         </p:nvPicPr>
         <p:blipFill>
           <a:blip r:embed="rId2"/>
@@ -13759,8 +13492,8 @@
         </p:blipFill>
         <p:spPr>
           <a:xfrm>
-            <a:off x="6180455" y="1002665"/>
-            <a:ext cx="5238115" cy="5224145"/>
+            <a:off x="2156460" y="918845"/>
+            <a:ext cx="8290560" cy="5567680"/>
           </a:xfrm>
           <a:prstGeom prst="rect">
             <a:avLst/>
@@ -13784,7 +13517,14 @@
         <p:cNvGrpSpPr/>
         <p:nvPr/>
       </p:nvGrpSpPr>
-      <p:grpSpPr/>
+      <p:grpSpPr>
+        <a:xfrm>
+          <a:off x="0" y="0"/>
+          <a:ext cx="0" cy="0"/>
+          <a:chOff x="0" y="0"/>
+          <a:chExt cx="0" cy="0"/>
+        </a:xfrm>
+      </p:grpSpPr>
       <p:sp>
         <p:nvSpPr>
           <p:cNvPr id="2" name="Title 1"/>
@@ -13798,41 +13538,47 @@
         <p:spPr/>
         <p:txBody>
           <a:bodyPr/>
-          <a:p>
+          <a:lstStyle/>
+          <a:p>
+            <a:pPr algn="ctr">
+              <a:buClrTx/>
+              <a:buSzTx/>
+              <a:buFontTx/>
+            </a:pPr>
             <a:r>
               <a:rPr lang="en-US" sz="4400">
                 <a:latin typeface="Times New Roman Regular" panose="02020603050405020304" charset="0"/>
                 <a:cs typeface="Times New Roman Regular" panose="02020603050405020304" charset="0"/>
               </a:rPr>
-              <a:t>Activity Diagram</a:t>
-            </a:r>
-            <a:endParaRPr lang="en-US" sz="4400">
-              <a:latin typeface="Times New Roman Regular" panose="02020603050405020304" charset="0"/>
-              <a:cs typeface="Times New Roman Regular" panose="02020603050405020304" charset="0"/>
-            </a:endParaRPr>
+              <a:t>Entity Relationship Diagram</a:t>
+            </a:r>
           </a:p>
         </p:txBody>
       </p:sp>
       <p:pic>
         <p:nvPicPr>
-          <p:cNvPr id="4" name="Content Placeholder 3"/>
+          <p:cNvPr id="5" name="Picture 4">
+            <a:extLst>
+              <a:ext uri="{FF2B5EF4-FFF2-40B4-BE49-F238E27FC236}">
+                <a16:creationId xmlns:a16="http://schemas.microsoft.com/office/drawing/2014/main" id="{510039B5-5A75-FAA8-F90D-EF1C1473F168}"/>
+              </a:ext>
+            </a:extLst>
+          </p:cNvPr>
           <p:cNvPicPr>
             <a:picLocks noChangeAspect="1"/>
           </p:cNvPicPr>
-          <p:nvPr>
-            <p:ph idx="1"/>
-          </p:nvPr>
+          <p:nvPr/>
         </p:nvPicPr>
         <p:blipFill>
-          <a:blip r:embed="rId1"/>
+          <a:blip r:embed="rId2"/>
           <a:stretch>
             <a:fillRect/>
           </a:stretch>
         </p:blipFill>
         <p:spPr>
           <a:xfrm>
-            <a:off x="2156460" y="918845"/>
-            <a:ext cx="8290560" cy="5567680"/>
+            <a:off x="727260" y="806029"/>
+            <a:ext cx="10491348" cy="5638989"/>
           </a:xfrm>
           <a:prstGeom prst="rect">
             <a:avLst/>
@@ -13848,83 +13594,6 @@
 </file>
 
 <file path=ppt/slides/slide14.xml><?xml version="1.0" encoding="utf-8"?>
-<p:sld xmlns:a="http://schemas.openxmlformats.org/drawingml/2006/main" xmlns:r="http://schemas.openxmlformats.org/officeDocument/2006/relationships" xmlns:p="http://schemas.openxmlformats.org/presentationml/2006/main">
-  <p:cSld>
-    <p:spTree>
-      <p:nvGrpSpPr>
-        <p:cNvPr id="1" name=""/>
-        <p:cNvGrpSpPr/>
-        <p:nvPr/>
-      </p:nvGrpSpPr>
-      <p:grpSpPr/>
-      <p:sp>
-        <p:nvSpPr>
-          <p:cNvPr id="2" name="Title 1"/>
-          <p:cNvSpPr>
-            <a:spLocks noGrp="1"/>
-          </p:cNvSpPr>
-          <p:nvPr>
-            <p:ph type="title"/>
-          </p:nvPr>
-        </p:nvSpPr>
-        <p:spPr/>
-        <p:txBody>
-          <a:bodyPr/>
-          <a:p>
-            <a:pPr algn="ctr">
-              <a:buClrTx/>
-              <a:buSzTx/>
-              <a:buFontTx/>
-            </a:pPr>
-            <a:r>
-              <a:rPr lang="en-US" sz="4400">
-                <a:latin typeface="Times New Roman Regular" panose="02020603050405020304" charset="0"/>
-                <a:cs typeface="Times New Roman Regular" panose="02020603050405020304" charset="0"/>
-              </a:rPr>
-              <a:t>Entity Relationship Diagram</a:t>
-            </a:r>
-            <a:endParaRPr lang="en-US" sz="4400">
-              <a:latin typeface="Times New Roman Regular" panose="02020603050405020304" charset="0"/>
-              <a:cs typeface="Times New Roman Regular" panose="02020603050405020304" charset="0"/>
-            </a:endParaRPr>
-          </a:p>
-        </p:txBody>
-      </p:sp>
-      <p:pic>
-        <p:nvPicPr>
-          <p:cNvPr id="4" name="Content Placeholder 3"/>
-          <p:cNvPicPr>
-            <a:picLocks noChangeAspect="1"/>
-          </p:cNvPicPr>
-          <p:nvPr>
-            <p:ph idx="1"/>
-          </p:nvPr>
-        </p:nvPicPr>
-        <p:blipFill>
-          <a:blip r:embed="rId1"/>
-          <a:stretch>
-            <a:fillRect/>
-          </a:stretch>
-        </p:blipFill>
-        <p:spPr>
-          <a:xfrm>
-            <a:off x="3576955" y="841375"/>
-            <a:ext cx="4964430" cy="5734050"/>
-          </a:xfrm>
-          <a:prstGeom prst="rect">
-            <a:avLst/>
-          </a:prstGeom>
-        </p:spPr>
-      </p:pic>
-    </p:spTree>
-  </p:cSld>
-  <p:clrMapOvr>
-    <a:masterClrMapping/>
-  </p:clrMapOvr>
-</p:sld>
-</file>
-
-<file path=ppt/slides/slide15.xml><?xml version="1.0" encoding="utf-8"?>
 <p:sld xmlns:a="http://schemas.openxmlformats.org/drawingml/2006/main" xmlns:r="http://schemas.openxmlformats.org/officeDocument/2006/relationships" xmlns:p="http://schemas.openxmlformats.org/presentationml/2006/main">
   <p:cSld>
     <p:bg>
@@ -13976,10 +13645,6 @@
               </a:rPr>
               <a:t>screenshot-1</a:t>
             </a:r>
-            <a:endParaRPr lang="en-US" sz="4400">
-              <a:latin typeface="Times New Roman Regular" panose="02020603050405020304" charset="0"/>
-              <a:cs typeface="Times New Roman Regular" panose="02020603050405020304" charset="0"/>
-            </a:endParaRPr>
           </a:p>
         </p:txBody>
       </p:sp>
@@ -13987,14 +13652,14 @@
         <p:nvPicPr>
           <p:cNvPr id="4" name="Content Placeholder 3" descr="Screenshot 2024-04-18 at 8.33.27 PM"/>
           <p:cNvPicPr>
-            <a:picLocks noChangeAspect="1"/>
+            <a:picLocks noGrp="1" noChangeAspect="1"/>
           </p:cNvPicPr>
           <p:nvPr>
             <p:ph idx="1"/>
           </p:nvPr>
         </p:nvPicPr>
         <p:blipFill>
-          <a:blip r:embed="rId1"/>
+          <a:blip r:embed="rId3"/>
           <a:srcRect l="5203" t="11496" r="-118" b="-2516"/>
           <a:stretch>
             <a:fillRect/>
@@ -14018,7 +13683,7 @@
 </p:sld>
 </file>
 
-<file path=ppt/slides/slide16.xml><?xml version="1.0" encoding="utf-8"?>
+<file path=ppt/slides/slide15.xml><?xml version="1.0" encoding="utf-8"?>
 <p:sld xmlns:a="http://schemas.openxmlformats.org/drawingml/2006/main" xmlns:r="http://schemas.openxmlformats.org/officeDocument/2006/relationships" xmlns:p="http://schemas.openxmlformats.org/presentationml/2006/main">
   <p:cSld>
     <p:spTree>
@@ -14027,7 +13692,14 @@
         <p:cNvGrpSpPr/>
         <p:nvPr/>
       </p:nvGrpSpPr>
-      <p:grpSpPr/>
+      <p:grpSpPr>
+        <a:xfrm>
+          <a:off x="0" y="0"/>
+          <a:ext cx="0" cy="0"/>
+          <a:chOff x="0" y="0"/>
+          <a:chExt cx="0" cy="0"/>
+        </a:xfrm>
+      </p:grpSpPr>
       <p:sp>
         <p:nvSpPr>
           <p:cNvPr id="2" name="Title 1"/>
@@ -14041,6 +13713,7 @@
         <p:spPr/>
         <p:txBody>
           <a:bodyPr/>
+          <a:lstStyle/>
           <a:p>
             <a:pPr algn="ctr">
               <a:buClrTx/>
@@ -14066,14 +13739,14 @@
         <p:nvPicPr>
           <p:cNvPr id="4" name="Content Placeholder 3" descr="Screenshot 2024-04-18 at 8.33.39 PM"/>
           <p:cNvPicPr>
-            <a:picLocks noChangeAspect="1"/>
+            <a:picLocks noGrp="1" noChangeAspect="1"/>
           </p:cNvPicPr>
           <p:nvPr>
             <p:ph idx="1"/>
           </p:nvPr>
         </p:nvPicPr>
         <p:blipFill>
-          <a:blip r:embed="rId1"/>
+          <a:blip r:embed="rId2"/>
           <a:srcRect t="11845"/>
           <a:stretch>
             <a:fillRect/>
@@ -14097,7 +13770,7 @@
 </p:sld>
 </file>
 
-<file path=ppt/slides/slide17.xml><?xml version="1.0" encoding="utf-8"?>
+<file path=ppt/slides/slide16.xml><?xml version="1.0" encoding="utf-8"?>
 <p:sld xmlns:a="http://schemas.openxmlformats.org/drawingml/2006/main" xmlns:r="http://schemas.openxmlformats.org/officeDocument/2006/relationships" xmlns:p="http://schemas.openxmlformats.org/presentationml/2006/main">
   <p:cSld>
     <p:spTree>
@@ -14106,7 +13779,14 @@
         <p:cNvGrpSpPr/>
         <p:nvPr/>
       </p:nvGrpSpPr>
-      <p:grpSpPr/>
+      <p:grpSpPr>
+        <a:xfrm>
+          <a:off x="0" y="0"/>
+          <a:ext cx="0" cy="0"/>
+          <a:chOff x="0" y="0"/>
+          <a:chExt cx="0" cy="0"/>
+        </a:xfrm>
+      </p:grpSpPr>
       <p:sp>
         <p:nvSpPr>
           <p:cNvPr id="2" name="Title 1"/>
@@ -14120,6 +13800,7 @@
         <p:spPr/>
         <p:txBody>
           <a:bodyPr/>
+          <a:lstStyle/>
           <a:p>
             <a:pPr algn="ctr">
               <a:buClrTx/>
@@ -14145,14 +13826,14 @@
         <p:nvPicPr>
           <p:cNvPr id="4" name="Content Placeholder 3" descr="Screenshot 2024-04-18 at 8.33.56 PM"/>
           <p:cNvPicPr>
-            <a:picLocks noChangeAspect="1"/>
+            <a:picLocks noGrp="1" noChangeAspect="1"/>
           </p:cNvPicPr>
           <p:nvPr>
             <p:ph idx="1"/>
           </p:nvPr>
         </p:nvPicPr>
         <p:blipFill>
-          <a:blip r:embed="rId1"/>
+          <a:blip r:embed="rId2"/>
           <a:srcRect t="12337"/>
           <a:stretch>
             <a:fillRect/>
@@ -14176,7 +13857,7 @@
 </p:sld>
 </file>
 
-<file path=ppt/slides/slide18.xml><?xml version="1.0" encoding="utf-8"?>
+<file path=ppt/slides/slide17.xml><?xml version="1.0" encoding="utf-8"?>
 <p:sld xmlns:a="http://schemas.openxmlformats.org/drawingml/2006/main" xmlns:r="http://schemas.openxmlformats.org/officeDocument/2006/relationships" xmlns:p="http://schemas.openxmlformats.org/presentationml/2006/main">
   <p:cSld>
     <p:spTree>
@@ -14185,7 +13866,14 @@
         <p:cNvGrpSpPr/>
         <p:nvPr/>
       </p:nvGrpSpPr>
-      <p:grpSpPr/>
+      <p:grpSpPr>
+        <a:xfrm>
+          <a:off x="0" y="0"/>
+          <a:ext cx="0" cy="0"/>
+          <a:chOff x="0" y="0"/>
+          <a:chExt cx="0" cy="0"/>
+        </a:xfrm>
+      </p:grpSpPr>
       <p:sp>
         <p:nvSpPr>
           <p:cNvPr id="2" name="Title 1"/>
@@ -14199,6 +13887,7 @@
         <p:spPr/>
         <p:txBody>
           <a:bodyPr/>
+          <a:lstStyle/>
           <a:p>
             <a:pPr algn="ctr">
               <a:buClrTx/>
@@ -14224,14 +13913,14 @@
         <p:nvPicPr>
           <p:cNvPr id="4" name="Content Placeholder 3" descr="Screenshot 2024-04-18 at 8.34.42 PM"/>
           <p:cNvPicPr>
-            <a:picLocks noChangeAspect="1"/>
+            <a:picLocks noGrp="1" noChangeAspect="1"/>
           </p:cNvPicPr>
           <p:nvPr>
             <p:ph idx="1"/>
           </p:nvPr>
         </p:nvPicPr>
         <p:blipFill>
-          <a:blip r:embed="rId1"/>
+          <a:blip r:embed="rId2"/>
           <a:srcRect t="15534"/>
           <a:stretch>
             <a:fillRect/>
@@ -14255,7 +13944,7 @@
 </p:sld>
 </file>
 
-<file path=ppt/slides/slide19.xml><?xml version="1.0" encoding="utf-8"?>
+<file path=ppt/slides/slide18.xml><?xml version="1.0" encoding="utf-8"?>
 <p:sld xmlns:a="http://schemas.openxmlformats.org/drawingml/2006/main" xmlns:r="http://schemas.openxmlformats.org/officeDocument/2006/relationships" xmlns:p="http://schemas.openxmlformats.org/presentationml/2006/main">
   <p:cSld>
     <p:spTree>
@@ -14264,7 +13953,14 @@
         <p:cNvGrpSpPr/>
         <p:nvPr/>
       </p:nvGrpSpPr>
-      <p:grpSpPr/>
+      <p:grpSpPr>
+        <a:xfrm>
+          <a:off x="0" y="0"/>
+          <a:ext cx="0" cy="0"/>
+          <a:chOff x="0" y="0"/>
+          <a:chExt cx="0" cy="0"/>
+        </a:xfrm>
+      </p:grpSpPr>
       <p:sp>
         <p:nvSpPr>
           <p:cNvPr id="2" name="Title 1"/>
@@ -14278,6 +13974,7 @@
         <p:spPr/>
         <p:txBody>
           <a:bodyPr/>
+          <a:lstStyle/>
           <a:p>
             <a:pPr algn="ctr">
               <a:buClrTx/>
@@ -14303,14 +14000,14 @@
         <p:nvPicPr>
           <p:cNvPr id="4" name="Content Placeholder 3" descr="Screenshot 2024-04-18 at 8.34.56 PM"/>
           <p:cNvPicPr>
-            <a:picLocks noChangeAspect="1"/>
+            <a:picLocks noGrp="1" noChangeAspect="1"/>
           </p:cNvPicPr>
           <p:nvPr>
             <p:ph idx="1"/>
           </p:nvPr>
         </p:nvPicPr>
         <p:blipFill>
-          <a:blip r:embed="rId1"/>
+          <a:blip r:embed="rId2"/>
           <a:srcRect t="16896"/>
           <a:stretch>
             <a:fillRect/>
@@ -14334,7 +14031,7 @@
 </p:sld>
 </file>
 
-<file path=ppt/slides/slide2.xml><?xml version="1.0" encoding="utf-8"?>
+<file path=ppt/slides/slide19.xml><?xml version="1.0" encoding="utf-8"?>
 <p:sld xmlns:a="http://schemas.openxmlformats.org/drawingml/2006/main" xmlns:r="http://schemas.openxmlformats.org/officeDocument/2006/relationships" xmlns:p="http://schemas.openxmlformats.org/presentationml/2006/main">
   <p:cSld>
     <p:spTree>
@@ -14343,7 +14040,14 @@
         <p:cNvGrpSpPr/>
         <p:nvPr/>
       </p:nvGrpSpPr>
-      <p:grpSpPr/>
+      <p:grpSpPr>
+        <a:xfrm>
+          <a:off x="0" y="0"/>
+          <a:ext cx="0" cy="0"/>
+          <a:chOff x="0" y="0"/>
+          <a:chExt cx="0" cy="0"/>
+        </a:xfrm>
+      </p:grpSpPr>
       <p:sp>
         <p:nvSpPr>
           <p:cNvPr id="2" name="Title 1"/>
@@ -14357,6 +14061,93 @@
         <p:spPr/>
         <p:txBody>
           <a:bodyPr/>
+          <a:lstStyle/>
+          <a:p>
+            <a:pPr algn="ctr">
+              <a:buClrTx/>
+              <a:buSzTx/>
+              <a:buFontTx/>
+            </a:pPr>
+            <a:r>
+              <a:rPr lang="en-US" sz="4400">
+                <a:latin typeface="Times New Roman Regular" panose="02020603050405020304" charset="0"/>
+                <a:cs typeface="Times New Roman Regular" panose="02020603050405020304" charset="0"/>
+                <a:sym typeface="+mn-ea"/>
+              </a:rPr>
+              <a:t>screenshot-6</a:t>
+            </a:r>
+            <a:endParaRPr lang="en-US" sz="4400">
+              <a:latin typeface="Times New Roman Regular" panose="02020603050405020304" charset="0"/>
+              <a:cs typeface="Times New Roman Regular" panose="02020603050405020304" charset="0"/>
+            </a:endParaRPr>
+          </a:p>
+        </p:txBody>
+      </p:sp>
+      <p:pic>
+        <p:nvPicPr>
+          <p:cNvPr id="5" name="Content Placeholder 4" descr="Screenshot 2024-05-05 at 2.23.51 AM"/>
+          <p:cNvPicPr>
+            <a:picLocks noGrp="1" noChangeAspect="1"/>
+          </p:cNvPicPr>
+          <p:nvPr>
+            <p:ph idx="1"/>
+          </p:nvPr>
+        </p:nvPicPr>
+        <p:blipFill>
+          <a:blip r:embed="rId2"/>
+          <a:stretch>
+            <a:fillRect/>
+          </a:stretch>
+        </p:blipFill>
+        <p:spPr>
+          <a:xfrm>
+            <a:off x="852805" y="1014730"/>
+            <a:ext cx="10554335" cy="5224145"/>
+          </a:xfrm>
+          <a:prstGeom prst="rect">
+            <a:avLst/>
+          </a:prstGeom>
+        </p:spPr>
+      </p:pic>
+    </p:spTree>
+  </p:cSld>
+  <p:clrMapOvr>
+    <a:masterClrMapping/>
+  </p:clrMapOvr>
+</p:sld>
+</file>
+
+<file path=ppt/slides/slide2.xml><?xml version="1.0" encoding="utf-8"?>
+<p:sld xmlns:a="http://schemas.openxmlformats.org/drawingml/2006/main" xmlns:r="http://schemas.openxmlformats.org/officeDocument/2006/relationships" xmlns:p="http://schemas.openxmlformats.org/presentationml/2006/main">
+  <p:cSld>
+    <p:spTree>
+      <p:nvGrpSpPr>
+        <p:cNvPr id="1" name=""/>
+        <p:cNvGrpSpPr/>
+        <p:nvPr/>
+      </p:nvGrpSpPr>
+      <p:grpSpPr>
+        <a:xfrm>
+          <a:off x="0" y="0"/>
+          <a:ext cx="0" cy="0"/>
+          <a:chOff x="0" y="0"/>
+          <a:chExt cx="0" cy="0"/>
+        </a:xfrm>
+      </p:grpSpPr>
+      <p:sp>
+        <p:nvSpPr>
+          <p:cNvPr id="2" name="Title 1"/>
+          <p:cNvSpPr>
+            <a:spLocks noGrp="1"/>
+          </p:cNvSpPr>
+          <p:nvPr>
+            <p:ph type="title"/>
+          </p:nvPr>
+        </p:nvSpPr>
+        <p:spPr/>
+        <p:txBody>
+          <a:bodyPr/>
+          <a:lstStyle/>
           <a:p>
             <a:r>
               <a:rPr lang="en-US" sz="4400">
@@ -14365,10 +14156,6 @@
               </a:rPr>
               <a:t>Contents</a:t>
             </a:r>
-            <a:endParaRPr lang="en-US" sz="4400">
-              <a:latin typeface="Times New Roman Regular" panose="02020603050405020304" charset="0"/>
-              <a:cs typeface="Times New Roman Regular" panose="02020603050405020304" charset="0"/>
-            </a:endParaRPr>
           </a:p>
         </p:txBody>
       </p:sp>
@@ -14385,6 +14172,7 @@
         <p:spPr/>
         <p:txBody>
           <a:bodyPr/>
+          <a:lstStyle/>
           <a:p>
             <a:pPr algn="just">
               <a:lnSpc>
@@ -14396,18 +14184,13 @@
               <a:defRPr/>
             </a:pPr>
             <a:r>
-              <a:rPr lang="en-US" sz="2200" dirty="0" smtClean="0">
+              <a:rPr lang="en-US" sz="2200" dirty="0">
                 <a:latin typeface="+mj-lt"/>
                 <a:cs typeface="+mj-lt"/>
                 <a:sym typeface="+mn-ea"/>
               </a:rPr>
               <a:t>Introduction</a:t>
             </a:r>
-            <a:endParaRPr lang="en-US" sz="2200" dirty="0" smtClean="0">
-              <a:latin typeface="+mj-lt"/>
-              <a:cs typeface="+mj-lt"/>
-              <a:sym typeface="+mn-ea"/>
-            </a:endParaRPr>
           </a:p>
           <a:p>
             <a:pPr algn="just">
@@ -14420,14 +14203,14 @@
               <a:defRPr/>
             </a:pPr>
             <a:r>
-              <a:rPr lang="en-US" sz="2200" dirty="0" smtClean="0">
+              <a:rPr lang="en-US" sz="2200" dirty="0">
                 <a:latin typeface="+mj-lt"/>
                 <a:cs typeface="+mj-lt"/>
                 <a:sym typeface="+mn-ea"/>
               </a:rPr>
               <a:t>Problem Description</a:t>
             </a:r>
-            <a:endParaRPr lang="en-US" sz="2200" dirty="0" smtClean="0">
+            <a:endParaRPr lang="en-US" sz="2200" dirty="0">
               <a:latin typeface="+mj-lt"/>
               <a:cs typeface="+mj-lt"/>
             </a:endParaRPr>
@@ -14448,17 +14231,9 @@
                 <a:cs typeface="+mj-lt"/>
                 <a:sym typeface="+mn-ea"/>
               </a:rPr>
-              <a:t>Aim and </a:t>
-            </a:r>
-            <a:r>
-              <a:rPr lang="en-US" sz="2200" dirty="0" smtClean="0">
-                <a:latin typeface="+mj-lt"/>
-                <a:cs typeface="+mj-lt"/>
-                <a:sym typeface="+mn-ea"/>
-              </a:rPr>
-              <a:t>Objectives</a:t>
-            </a:r>
-            <a:endParaRPr lang="en-US" sz="2200" dirty="0" smtClean="0">
+              <a:t>Aim and Objectives</a:t>
+            </a:r>
+            <a:endParaRPr lang="en-US" sz="2200" dirty="0">
               <a:latin typeface="+mj-lt"/>
               <a:cs typeface="+mj-lt"/>
             </a:endParaRPr>
@@ -14474,18 +14249,13 @@
               <a:defRPr/>
             </a:pPr>
             <a:r>
-              <a:rPr lang="en-US" sz="2200" dirty="0" smtClean="0">
+              <a:rPr lang="en-US" sz="2200" dirty="0">
                 <a:latin typeface="+mj-lt"/>
                 <a:cs typeface="+mj-lt"/>
                 <a:sym typeface="+mn-ea"/>
               </a:rPr>
               <a:t>Methodology </a:t>
             </a:r>
-            <a:endParaRPr lang="en-US" sz="2200" dirty="0" smtClean="0">
-              <a:latin typeface="+mj-lt"/>
-              <a:cs typeface="+mj-lt"/>
-              <a:sym typeface="+mn-ea"/>
-            </a:endParaRPr>
           </a:p>
           <a:p>
             <a:pPr algn="just">
@@ -14498,18 +14268,13 @@
               <a:defRPr/>
             </a:pPr>
             <a:r>
-              <a:rPr lang="en-US" sz="2200" dirty="0" smtClean="0">
+              <a:rPr lang="en-US" sz="2200" dirty="0">
                 <a:latin typeface="+mj-lt"/>
                 <a:cs typeface="+mj-lt"/>
                 <a:sym typeface="+mn-ea"/>
               </a:rPr>
               <a:t>Technology Used for Project Development</a:t>
             </a:r>
-            <a:endParaRPr lang="en-US" sz="2200" dirty="0" smtClean="0">
-              <a:latin typeface="+mj-lt"/>
-              <a:cs typeface="+mj-lt"/>
-              <a:sym typeface="+mn-ea"/>
-            </a:endParaRPr>
           </a:p>
           <a:p>
             <a:pPr algn="just">
@@ -14522,18 +14287,13 @@
               <a:defRPr/>
             </a:pPr>
             <a:r>
-              <a:rPr lang="en-US" sz="2200" dirty="0" smtClean="0">
+              <a:rPr lang="en-US" sz="2200" dirty="0">
                 <a:latin typeface="+mj-lt"/>
                 <a:cs typeface="+mj-lt"/>
                 <a:sym typeface="+mn-ea"/>
               </a:rPr>
               <a:t>Design Documents (Use Case, Data Flow Diagram, Activity Diagram, etc.)</a:t>
             </a:r>
-            <a:endParaRPr lang="en-US" sz="2200" dirty="0" smtClean="0">
-              <a:latin typeface="+mj-lt"/>
-              <a:cs typeface="+mj-lt"/>
-              <a:sym typeface="+mn-ea"/>
-            </a:endParaRPr>
           </a:p>
           <a:p>
             <a:pPr algn="just">
@@ -14546,14 +14306,14 @@
               <a:defRPr/>
             </a:pPr>
             <a:r>
-              <a:rPr lang="en-US" sz="2200" dirty="0" smtClean="0">
+              <a:rPr lang="en-US" sz="2200" dirty="0">
                 <a:latin typeface="+mj-lt"/>
                 <a:cs typeface="+mj-lt"/>
                 <a:sym typeface="+mn-ea"/>
               </a:rPr>
               <a:t>Screenshots</a:t>
             </a:r>
-            <a:endParaRPr lang="en-US" sz="2200" dirty="0" smtClean="0">
+            <a:endParaRPr lang="en-US" sz="2200" dirty="0">
               <a:latin typeface="+mj-lt"/>
               <a:cs typeface="+mj-lt"/>
             </a:endParaRPr>
@@ -14569,14 +14329,14 @@
               <a:defRPr/>
             </a:pPr>
             <a:r>
-              <a:rPr lang="en-US" sz="2200" dirty="0" smtClean="0">
+              <a:rPr lang="en-US" sz="2200" dirty="0">
                 <a:latin typeface="+mj-lt"/>
                 <a:cs typeface="+mj-lt"/>
                 <a:sym typeface="+mn-ea"/>
               </a:rPr>
               <a:t>Testing of Project</a:t>
             </a:r>
-            <a:endParaRPr lang="en-US" sz="2200" dirty="0" smtClean="0">
+            <a:endParaRPr lang="en-US" sz="2200" dirty="0">
               <a:latin typeface="+mj-lt"/>
               <a:cs typeface="+mj-lt"/>
             </a:endParaRPr>
@@ -14592,14 +14352,14 @@
               <a:defRPr/>
             </a:pPr>
             <a:r>
-              <a:rPr lang="en-US" sz="2200" dirty="0" smtClean="0">
+              <a:rPr lang="en-US" sz="2200" dirty="0">
                 <a:latin typeface="+mj-lt"/>
                 <a:cs typeface="+mj-lt"/>
                 <a:sym typeface="+mn-ea"/>
               </a:rPr>
               <a:t>Conclusion</a:t>
             </a:r>
-            <a:endParaRPr lang="en-US" sz="2200" dirty="0" smtClean="0">
+            <a:endParaRPr lang="en-US" sz="2200" dirty="0">
               <a:latin typeface="+mj-lt"/>
               <a:cs typeface="+mj-lt"/>
             </a:endParaRPr>
@@ -14620,17 +14380,9 @@
                 <a:cs typeface="+mj-lt"/>
                 <a:sym typeface="+mn-ea"/>
               </a:rPr>
-              <a:t>Future </a:t>
-            </a:r>
-            <a:r>
-              <a:rPr lang="en-US" sz="2200" dirty="0" smtClean="0">
-                <a:latin typeface="+mj-lt"/>
-                <a:cs typeface="+mj-lt"/>
-                <a:sym typeface="+mn-ea"/>
-              </a:rPr>
-              <a:t>Scope</a:t>
-            </a:r>
-            <a:endParaRPr lang="en-US" sz="2200" dirty="0" smtClean="0">
+              <a:t>Future Scope</a:t>
+            </a:r>
+            <a:endParaRPr lang="en-US" sz="2200" dirty="0">
               <a:latin typeface="+mj-lt"/>
               <a:cs typeface="+mj-lt"/>
             </a:endParaRPr>
@@ -14646,20 +14398,20 @@
               <a:defRPr/>
             </a:pPr>
             <a:r>
-              <a:rPr lang="en-US" sz="2200" dirty="0" smtClean="0">
+              <a:rPr lang="en-US" sz="2200" dirty="0">
                 <a:latin typeface="+mj-lt"/>
                 <a:cs typeface="+mj-lt"/>
                 <a:sym typeface="+mn-ea"/>
               </a:rPr>
               <a:t>Bibliography</a:t>
             </a:r>
-            <a:endParaRPr lang="en-US" sz="2200" dirty="0" smtClean="0">
+            <a:endParaRPr lang="en-US" sz="2200" dirty="0">
               <a:latin typeface="+mj-lt"/>
               <a:cs typeface="+mj-lt"/>
             </a:endParaRPr>
           </a:p>
           <a:p>
-            <a:endParaRPr lang="en-US" sz="2200">
+            <a:endParaRPr lang="en-US" sz="2200" dirty="0">
               <a:latin typeface="+mj-lt"/>
               <a:cs typeface="+mj-lt"/>
             </a:endParaRPr>
@@ -14683,7 +14435,14 @@
         <p:cNvGrpSpPr/>
         <p:nvPr/>
       </p:nvGrpSpPr>
-      <p:grpSpPr/>
+      <p:grpSpPr>
+        <a:xfrm>
+          <a:off x="0" y="0"/>
+          <a:ext cx="0" cy="0"/>
+          <a:chOff x="0" y="0"/>
+          <a:chExt cx="0" cy="0"/>
+        </a:xfrm>
+      </p:grpSpPr>
       <p:sp>
         <p:nvSpPr>
           <p:cNvPr id="2" name="Title 1"/>
@@ -14697,6 +14456,7 @@
         <p:spPr/>
         <p:txBody>
           <a:bodyPr/>
+          <a:lstStyle/>
           <a:p>
             <a:pPr algn="ctr">
               <a:buClrTx/>
@@ -14707,37 +14467,33 @@
               <a:rPr lang="en-US" sz="4400">
                 <a:latin typeface="Times New Roman Regular" panose="02020603050405020304" charset="0"/>
                 <a:cs typeface="Times New Roman Regular" panose="02020603050405020304" charset="0"/>
-                <a:sym typeface="+mn-ea"/>
               </a:rPr>
-              <a:t>screenshot-6</a:t>
-            </a:r>
-            <a:endParaRPr lang="en-US" sz="4400">
-              <a:latin typeface="Times New Roman Regular" panose="02020603050405020304" charset="0"/>
-              <a:cs typeface="Times New Roman Regular" panose="02020603050405020304" charset="0"/>
-            </a:endParaRPr>
+              <a:t>screenshot-7</a:t>
+            </a:r>
           </a:p>
         </p:txBody>
       </p:sp>
       <p:pic>
         <p:nvPicPr>
-          <p:cNvPr id="5" name="Content Placeholder 4" descr="Screenshot 2024-05-05 at 2.23.51 AM"/>
+          <p:cNvPr id="4" name="Content Placeholder 3" descr="Screenshot 2024-04-18 at 8.35.29 PM"/>
           <p:cNvPicPr>
-            <a:picLocks noChangeAspect="1"/>
+            <a:picLocks noGrp="1" noChangeAspect="1"/>
           </p:cNvPicPr>
           <p:nvPr>
             <p:ph idx="1"/>
           </p:nvPr>
         </p:nvPicPr>
         <p:blipFill>
-          <a:blip r:embed="rId1"/>
+          <a:blip r:embed="rId2"/>
+          <a:srcRect l="19266" t="14610"/>
           <a:stretch>
             <a:fillRect/>
           </a:stretch>
         </p:blipFill>
         <p:spPr>
           <a:xfrm>
-            <a:off x="852805" y="1014730"/>
-            <a:ext cx="10554335" cy="5224145"/>
+            <a:off x="2000885" y="907415"/>
+            <a:ext cx="8524875" cy="5635625"/>
           </a:xfrm>
           <a:prstGeom prst="rect">
             <a:avLst/>
@@ -14761,7 +14517,14 @@
         <p:cNvGrpSpPr/>
         <p:nvPr/>
       </p:nvGrpSpPr>
-      <p:grpSpPr/>
+      <p:grpSpPr>
+        <a:xfrm>
+          <a:off x="0" y="0"/>
+          <a:ext cx="0" cy="0"/>
+          <a:chOff x="0" y="0"/>
+          <a:chExt cx="0" cy="0"/>
+        </a:xfrm>
+      </p:grpSpPr>
       <p:sp>
         <p:nvSpPr>
           <p:cNvPr id="2" name="Title 1"/>
@@ -14775,47 +14538,40 @@
         <p:spPr/>
         <p:txBody>
           <a:bodyPr/>
-          <a:p>
-            <a:pPr algn="ctr">
-              <a:buClrTx/>
-              <a:buSzTx/>
-              <a:buFontTx/>
-            </a:pPr>
+          <a:lstStyle/>
+          <a:p>
             <a:r>
               <a:rPr lang="en-US" sz="4400">
                 <a:latin typeface="Times New Roman Regular" panose="02020603050405020304" charset="0"/>
                 <a:cs typeface="Times New Roman Regular" panose="02020603050405020304" charset="0"/>
               </a:rPr>
-              <a:t>screenshot-7</a:t>
-            </a:r>
-            <a:endParaRPr lang="en-US" sz="4400">
-              <a:latin typeface="Times New Roman Regular" panose="02020603050405020304" charset="0"/>
-              <a:cs typeface="Times New Roman Regular" panose="02020603050405020304" charset="0"/>
-            </a:endParaRPr>
+              <a:t>screenshot-8</a:t>
+            </a:r>
+            <a:endParaRPr lang="en-US"/>
           </a:p>
         </p:txBody>
       </p:sp>
       <p:pic>
         <p:nvPicPr>
-          <p:cNvPr id="4" name="Content Placeholder 3" descr="Screenshot 2024-04-18 at 8.35.29 PM"/>
+          <p:cNvPr id="4" name="Content Placeholder 3" descr="Screenshot 2024-04-18 at 8.35.35 PM"/>
           <p:cNvPicPr>
-            <a:picLocks noChangeAspect="1"/>
+            <a:picLocks noGrp="1" noChangeAspect="1"/>
           </p:cNvPicPr>
           <p:nvPr>
             <p:ph idx="1"/>
           </p:nvPr>
         </p:nvPicPr>
         <p:blipFill>
-          <a:blip r:embed="rId1"/>
-          <a:srcRect l="19266" t="14610"/>
+          <a:blip r:embed="rId2"/>
+          <a:srcRect l="9701" t="17127" r="10567"/>
           <a:stretch>
             <a:fillRect/>
           </a:stretch>
         </p:blipFill>
         <p:spPr>
           <a:xfrm>
-            <a:off x="2000885" y="907415"/>
-            <a:ext cx="8524875" cy="5635625"/>
+            <a:off x="1827530" y="883285"/>
+            <a:ext cx="8536940" cy="5546090"/>
           </a:xfrm>
           <a:prstGeom prst="rect">
             <a:avLst/>
@@ -14839,7 +14595,14 @@
         <p:cNvGrpSpPr/>
         <p:nvPr/>
       </p:nvGrpSpPr>
-      <p:grpSpPr/>
+      <p:grpSpPr>
+        <a:xfrm>
+          <a:off x="0" y="0"/>
+          <a:ext cx="0" cy="0"/>
+          <a:chOff x="0" y="0"/>
+          <a:chExt cx="0" cy="0"/>
+        </a:xfrm>
+      </p:grpSpPr>
       <p:sp>
         <p:nvSpPr>
           <p:cNvPr id="2" name="Title 1"/>
@@ -14853,39 +14616,110 @@
         <p:spPr/>
         <p:txBody>
           <a:bodyPr/>
+          <a:lstStyle/>
           <a:p>
             <a:r>
               <a:rPr lang="en-US" sz="4400">
                 <a:latin typeface="Times New Roman Regular" panose="02020603050405020304" charset="0"/>
                 <a:cs typeface="Times New Roman Regular" panose="02020603050405020304" charset="0"/>
               </a:rPr>
-              <a:t>screenshot-8</a:t>
-            </a:r>
+              <a:t>Generated Reports</a:t>
+            </a:r>
+          </a:p>
+        </p:txBody>
+      </p:sp>
+      <p:sp>
+        <p:nvSpPr>
+          <p:cNvPr id="3" name="Content Placeholder 2"/>
+          <p:cNvSpPr>
+            <a:spLocks noGrp="1"/>
+          </p:cNvSpPr>
+          <p:nvPr>
+            <p:ph idx="1"/>
+          </p:nvPr>
+        </p:nvSpPr>
+        <p:spPr/>
+        <p:txBody>
+          <a:bodyPr/>
+          <a:lstStyle/>
+          <a:p>
+            <a:r>
+              <a:rPr lang="en-US" sz="2200">
+                <a:latin typeface="Times New Roman Regular" panose="02020603050405020304" charset="0"/>
+                <a:cs typeface="Times New Roman Regular" panose="02020603050405020304" charset="0"/>
+              </a:rPr>
+              <a:t>old site report by pagespeed insights</a:t>
+            </a:r>
+          </a:p>
+          <a:p>
             <a:endParaRPr lang="en-US"/>
+          </a:p>
+          <a:p>
+            <a:endParaRPr lang="en-US"/>
+          </a:p>
+          <a:p>
+            <a:endParaRPr lang="en-US"/>
+          </a:p>
+          <a:p>
+            <a:endParaRPr lang="en-US"/>
+          </a:p>
+          <a:p>
+            <a:endParaRPr lang="en-US"/>
+          </a:p>
+          <a:p>
+            <a:r>
+              <a:rPr lang="en-US" sz="2200">
+                <a:latin typeface="Times New Roman Regular" panose="02020603050405020304" charset="0"/>
+                <a:cs typeface="Times New Roman Regular" panose="02020603050405020304" charset="0"/>
+              </a:rPr>
+              <a:t>new site report by lighthouse</a:t>
+            </a:r>
           </a:p>
         </p:txBody>
       </p:sp>
       <p:pic>
         <p:nvPicPr>
-          <p:cNvPr id="4" name="Content Placeholder 3" descr="Screenshot 2024-04-18 at 8.35.35 PM"/>
+          <p:cNvPr id="4" name="Picture 3" descr="Screenshot 2024-04-21 at 6.13.09 PM"/>
           <p:cNvPicPr>
             <a:picLocks noChangeAspect="1"/>
           </p:cNvPicPr>
-          <p:nvPr>
-            <p:ph idx="1"/>
-          </p:nvPr>
+          <p:nvPr/>
         </p:nvPicPr>
         <p:blipFill>
-          <a:blip r:embed="rId1"/>
-          <a:srcRect l="9701" t="17127" r="10567"/>
+          <a:blip r:embed="rId2"/>
           <a:stretch>
             <a:fillRect/>
           </a:stretch>
         </p:blipFill>
         <p:spPr>
           <a:xfrm>
-            <a:off x="1827530" y="883285"/>
-            <a:ext cx="8536940" cy="5546090"/>
+            <a:off x="1501775" y="1523365"/>
+            <a:ext cx="8359140" cy="2306955"/>
+          </a:xfrm>
+          <a:prstGeom prst="rect">
+            <a:avLst/>
+          </a:prstGeom>
+        </p:spPr>
+      </p:pic>
+      <p:pic>
+        <p:nvPicPr>
+          <p:cNvPr id="5" name="Picture 4" descr="Screenshot 2024-04-21 at 6.15.25 PM"/>
+          <p:cNvPicPr>
+            <a:picLocks noChangeAspect="1"/>
+          </p:cNvPicPr>
+          <p:nvPr/>
+        </p:nvPicPr>
+        <p:blipFill>
+          <a:blip r:embed="rId3"/>
+          <a:srcRect t="21605"/>
+          <a:stretch>
+            <a:fillRect/>
+          </a:stretch>
+        </p:blipFill>
+        <p:spPr>
+          <a:xfrm>
+            <a:off x="1501775" y="4665345"/>
+            <a:ext cx="9032240" cy="1675130"/>
           </a:xfrm>
           <a:prstGeom prst="rect">
             <a:avLst/>
@@ -14909,7 +14743,14 @@
         <p:cNvGrpSpPr/>
         <p:nvPr/>
       </p:nvGrpSpPr>
-      <p:grpSpPr/>
+      <p:grpSpPr>
+        <a:xfrm>
+          <a:off x="0" y="0"/>
+          <a:ext cx="0" cy="0"/>
+          <a:chOff x="0" y="0"/>
+          <a:chExt cx="0" cy="0"/>
+        </a:xfrm>
+      </p:grpSpPr>
       <p:sp>
         <p:nvSpPr>
           <p:cNvPr id="2" name="Title 1"/>
@@ -14923,18 +14764,20 @@
         <p:spPr/>
         <p:txBody>
           <a:bodyPr/>
-          <a:p>
+          <a:lstStyle/>
+          <a:p>
+            <a:pPr algn="ctr">
+              <a:buClrTx/>
+              <a:buSzTx/>
+              <a:buFontTx/>
+            </a:pPr>
             <a:r>
               <a:rPr lang="en-US" sz="4400">
                 <a:latin typeface="Times New Roman Regular" panose="02020603050405020304" charset="0"/>
                 <a:cs typeface="Times New Roman Regular" panose="02020603050405020304" charset="0"/>
               </a:rPr>
-              <a:t>Generated Reports</a:t>
-            </a:r>
-            <a:endParaRPr lang="en-US" sz="4400">
-              <a:latin typeface="Times New Roman Regular" panose="02020603050405020304" charset="0"/>
-              <a:cs typeface="Times New Roman Regular" panose="02020603050405020304" charset="0"/>
-            </a:endParaRPr>
+              <a:t>Load test</a:t>
+            </a:r>
           </a:p>
         </p:txBody>
       </p:sp>
@@ -14951,76 +14794,27 @@
         <p:spPr/>
         <p:txBody>
           <a:bodyPr/>
+          <a:lstStyle/>
+          <a:p>
+            <a:endParaRPr lang="en-US" sz="2200">
+              <a:latin typeface="Times New Roman Regular" panose="02020603050405020304" charset="0"/>
+              <a:cs typeface="Times New Roman Regular" panose="02020603050405020304" charset="0"/>
+            </a:endParaRPr>
+          </a:p>
           <a:p>
             <a:r>
               <a:rPr lang="en-US" sz="2200">
                 <a:latin typeface="Times New Roman Regular" panose="02020603050405020304" charset="0"/>
                 <a:cs typeface="Times New Roman Regular" panose="02020603050405020304" charset="0"/>
               </a:rPr>
-              <a:t>old site report by pagespeed insights</a:t>
-            </a:r>
-            <a:endParaRPr lang="en-US" sz="2200">
-              <a:latin typeface="Times New Roman Regular" panose="02020603050405020304" charset="0"/>
-              <a:cs typeface="Times New Roman Regular" panose="02020603050405020304" charset="0"/>
-            </a:endParaRPr>
-          </a:p>
-          <a:p>
-            <a:endParaRPr lang="en-US"/>
-          </a:p>
-          <a:p>
-            <a:endParaRPr lang="en-US"/>
-          </a:p>
-          <a:p>
-            <a:endParaRPr lang="en-US"/>
-          </a:p>
-          <a:p>
-            <a:endParaRPr lang="en-US"/>
-          </a:p>
-          <a:p>
-            <a:endParaRPr lang="en-US"/>
-          </a:p>
-          <a:p>
-            <a:r>
-              <a:rPr lang="en-US" sz="2200">
-                <a:latin typeface="Times New Roman Regular" panose="02020603050405020304" charset="0"/>
-                <a:cs typeface="Times New Roman Regular" panose="02020603050405020304" charset="0"/>
-              </a:rPr>
-              <a:t>new site report by lighthouse</a:t>
-            </a:r>
-            <a:endParaRPr lang="en-US" sz="2200">
-              <a:latin typeface="Times New Roman Regular" panose="02020603050405020304" charset="0"/>
-              <a:cs typeface="Times New Roman Regular" panose="02020603050405020304" charset="0"/>
-            </a:endParaRPr>
+              <a:t>Test says 1 page can handle almost 150 members at a single time input given (total 500 threads , every second , increasing by one ) Test Done using jmeter.</a:t>
+            </a:r>
           </a:p>
         </p:txBody>
       </p:sp>
       <p:pic>
         <p:nvPicPr>
-          <p:cNvPr id="4" name="Picture 3" descr="Screenshot 2024-04-21 at 6.13.09 PM"/>
-          <p:cNvPicPr>
-            <a:picLocks noChangeAspect="1"/>
-          </p:cNvPicPr>
-          <p:nvPr/>
-        </p:nvPicPr>
-        <p:blipFill>
-          <a:blip r:embed="rId1"/>
-          <a:stretch>
-            <a:fillRect/>
-          </a:stretch>
-        </p:blipFill>
-        <p:spPr>
-          <a:xfrm>
-            <a:off x="1501775" y="1523365"/>
-            <a:ext cx="8359140" cy="2306955"/>
-          </a:xfrm>
-          <a:prstGeom prst="rect">
-            <a:avLst/>
-          </a:prstGeom>
-        </p:spPr>
-      </p:pic>
-      <p:pic>
-        <p:nvPicPr>
-          <p:cNvPr id="5" name="Picture 4" descr="Screenshot 2024-04-21 at 6.15.25 PM"/>
+          <p:cNvPr id="4" name="Picture 3" descr="Screenshot 2024-04-21 at 6.19.56 PM"/>
           <p:cNvPicPr>
             <a:picLocks noChangeAspect="1"/>
           </p:cNvPicPr>
@@ -15028,15 +14822,14 @@
         </p:nvPicPr>
         <p:blipFill>
           <a:blip r:embed="rId2"/>
-          <a:srcRect t="21605"/>
           <a:stretch>
             <a:fillRect/>
           </a:stretch>
         </p:blipFill>
         <p:spPr>
           <a:xfrm>
-            <a:off x="1501775" y="4665345"/>
-            <a:ext cx="9032240" cy="1675130"/>
+            <a:off x="528955" y="2752090"/>
+            <a:ext cx="11134725" cy="2305685"/>
           </a:xfrm>
           <a:prstGeom prst="rect">
             <a:avLst/>
@@ -15060,7 +14853,14 @@
         <p:cNvGrpSpPr/>
         <p:nvPr/>
       </p:nvGrpSpPr>
-      <p:grpSpPr/>
+      <p:grpSpPr>
+        <a:xfrm>
+          <a:off x="0" y="0"/>
+          <a:ext cx="0" cy="0"/>
+          <a:chOff x="0" y="0"/>
+          <a:chExt cx="0" cy="0"/>
+        </a:xfrm>
+      </p:grpSpPr>
       <p:sp>
         <p:nvSpPr>
           <p:cNvPr id="2" name="Title 1"/>
@@ -15074,115 +14874,7 @@
         <p:spPr/>
         <p:txBody>
           <a:bodyPr/>
-          <a:p>
-            <a:pPr algn="ctr">
-              <a:buClrTx/>
-              <a:buSzTx/>
-              <a:buFontTx/>
-            </a:pPr>
-            <a:r>
-              <a:rPr lang="en-US" sz="4400">
-                <a:latin typeface="Times New Roman Regular" panose="02020603050405020304" charset="0"/>
-                <a:cs typeface="Times New Roman Regular" panose="02020603050405020304" charset="0"/>
-              </a:rPr>
-              <a:t>Load test</a:t>
-            </a:r>
-            <a:endParaRPr lang="en-US" sz="4400">
-              <a:latin typeface="Times New Roman Regular" panose="02020603050405020304" charset="0"/>
-              <a:cs typeface="Times New Roman Regular" panose="02020603050405020304" charset="0"/>
-            </a:endParaRPr>
-          </a:p>
-        </p:txBody>
-      </p:sp>
-      <p:sp>
-        <p:nvSpPr>
-          <p:cNvPr id="3" name="Content Placeholder 2"/>
-          <p:cNvSpPr>
-            <a:spLocks noGrp="1"/>
-          </p:cNvSpPr>
-          <p:nvPr>
-            <p:ph idx="1"/>
-          </p:nvPr>
-        </p:nvSpPr>
-        <p:spPr/>
-        <p:txBody>
-          <a:bodyPr/>
-          <a:p>
-            <a:endParaRPr lang="en-US" sz="2200">
-              <a:latin typeface="Times New Roman Regular" panose="02020603050405020304" charset="0"/>
-              <a:cs typeface="Times New Roman Regular" panose="02020603050405020304" charset="0"/>
-            </a:endParaRPr>
-          </a:p>
-          <a:p>
-            <a:r>
-              <a:rPr lang="en-US" sz="2200">
-                <a:latin typeface="Times New Roman Regular" panose="02020603050405020304" charset="0"/>
-                <a:cs typeface="Times New Roman Regular" panose="02020603050405020304" charset="0"/>
-              </a:rPr>
-              <a:t>Test says 1 page can handle almost 150 members at a single time input given (total 500 threads , every second , increasing by one ) Test Done using jmeter.</a:t>
-            </a:r>
-            <a:endParaRPr lang="en-US" sz="2200">
-              <a:latin typeface="Times New Roman Regular" panose="02020603050405020304" charset="0"/>
-              <a:cs typeface="Times New Roman Regular" panose="02020603050405020304" charset="0"/>
-            </a:endParaRPr>
-          </a:p>
-        </p:txBody>
-      </p:sp>
-      <p:pic>
-        <p:nvPicPr>
-          <p:cNvPr id="4" name="Picture 3" descr="Screenshot 2024-04-21 at 6.19.56 PM"/>
-          <p:cNvPicPr>
-            <a:picLocks noChangeAspect="1"/>
-          </p:cNvPicPr>
-          <p:nvPr/>
-        </p:nvPicPr>
-        <p:blipFill>
-          <a:blip r:embed="rId1"/>
-          <a:stretch>
-            <a:fillRect/>
-          </a:stretch>
-        </p:blipFill>
-        <p:spPr>
-          <a:xfrm>
-            <a:off x="528955" y="2752090"/>
-            <a:ext cx="11134725" cy="2305685"/>
-          </a:xfrm>
-          <a:prstGeom prst="rect">
-            <a:avLst/>
-          </a:prstGeom>
-        </p:spPr>
-      </p:pic>
-    </p:spTree>
-  </p:cSld>
-  <p:clrMapOvr>
-    <a:masterClrMapping/>
-  </p:clrMapOvr>
-</p:sld>
-</file>
-
-<file path=ppt/slides/slide25.xml><?xml version="1.0" encoding="utf-8"?>
-<p:sld xmlns:a="http://schemas.openxmlformats.org/drawingml/2006/main" xmlns:r="http://schemas.openxmlformats.org/officeDocument/2006/relationships" xmlns:p="http://schemas.openxmlformats.org/presentationml/2006/main">
-  <p:cSld>
-    <p:spTree>
-      <p:nvGrpSpPr>
-        <p:cNvPr id="1" name=""/>
-        <p:cNvGrpSpPr/>
-        <p:nvPr/>
-      </p:nvGrpSpPr>
-      <p:grpSpPr/>
-      <p:sp>
-        <p:nvSpPr>
-          <p:cNvPr id="2" name="Title 1"/>
-          <p:cNvSpPr>
-            <a:spLocks noGrp="1"/>
-          </p:cNvSpPr>
-          <p:nvPr>
-            <p:ph type="title"/>
-          </p:nvPr>
-        </p:nvSpPr>
-        <p:spPr/>
-        <p:txBody>
-          <a:bodyPr/>
+          <a:lstStyle/>
           <a:p>
             <a:r>
               <a:rPr lang="en-US" sz="4400">
@@ -15207,29 +14899,77 @@
           </p:cNvGraphicFramePr>
           <p:nvPr>
             <p:ph idx="1"/>
+            <p:extLst>
+              <p:ext uri="{D42A27DB-BD31-4B8C-83A1-F6EECF244321}">
+                <p14:modId xmlns:p14="http://schemas.microsoft.com/office/powerpoint/2010/main" val="3315277972"/>
+              </p:ext>
+            </p:extLst>
           </p:nvPr>
         </p:nvGraphicFramePr>
         <p:xfrm>
           <a:off x="290049" y="1279209"/>
-          <a:ext cx="11611610" cy="4298315"/>
+          <a:ext cx="11611610" cy="4343469"/>
         </p:xfrm>
         <a:graphic>
           <a:graphicData uri="http://schemas.openxmlformats.org/drawingml/2006/table">
             <a:tbl>
               <a:tblPr firstRow="1" firstCol="1" bandRow="1"/>
               <a:tblGrid>
-                <a:gridCol w="710565"/>
-                <a:gridCol w="2692400"/>
-                <a:gridCol w="2452370"/>
-                <a:gridCol w="1692910"/>
-                <a:gridCol w="1725930"/>
-                <a:gridCol w="1167130"/>
-                <a:gridCol w="1170305"/>
+                <a:gridCol w="710565">
+                  <a:extLst>
+                    <a:ext uri="{9D8B030D-6E8A-4147-A177-3AD203B41FA5}">
+                      <a16:colId xmlns:a16="http://schemas.microsoft.com/office/drawing/2014/main" val="20000"/>
+                    </a:ext>
+                  </a:extLst>
+                </a:gridCol>
+                <a:gridCol w="2692400">
+                  <a:extLst>
+                    <a:ext uri="{9D8B030D-6E8A-4147-A177-3AD203B41FA5}">
+                      <a16:colId xmlns:a16="http://schemas.microsoft.com/office/drawing/2014/main" val="20001"/>
+                    </a:ext>
+                  </a:extLst>
+                </a:gridCol>
+                <a:gridCol w="2452370">
+                  <a:extLst>
+                    <a:ext uri="{9D8B030D-6E8A-4147-A177-3AD203B41FA5}">
+                      <a16:colId xmlns:a16="http://schemas.microsoft.com/office/drawing/2014/main" val="20002"/>
+                    </a:ext>
+                  </a:extLst>
+                </a:gridCol>
+                <a:gridCol w="1692910">
+                  <a:extLst>
+                    <a:ext uri="{9D8B030D-6E8A-4147-A177-3AD203B41FA5}">
+                      <a16:colId xmlns:a16="http://schemas.microsoft.com/office/drawing/2014/main" val="20003"/>
+                    </a:ext>
+                  </a:extLst>
+                </a:gridCol>
+                <a:gridCol w="1725930">
+                  <a:extLst>
+                    <a:ext uri="{9D8B030D-6E8A-4147-A177-3AD203B41FA5}">
+                      <a16:colId xmlns:a16="http://schemas.microsoft.com/office/drawing/2014/main" val="20004"/>
+                    </a:ext>
+                  </a:extLst>
+                </a:gridCol>
+                <a:gridCol w="1167130">
+                  <a:extLst>
+                    <a:ext uri="{9D8B030D-6E8A-4147-A177-3AD203B41FA5}">
+                      <a16:colId xmlns:a16="http://schemas.microsoft.com/office/drawing/2014/main" val="20005"/>
+                    </a:ext>
+                  </a:extLst>
+                </a:gridCol>
+                <a:gridCol w="1170305">
+                  <a:extLst>
+                    <a:ext uri="{9D8B030D-6E8A-4147-A177-3AD203B41FA5}">
+                      <a16:colId xmlns:a16="http://schemas.microsoft.com/office/drawing/2014/main" val="20006"/>
+                    </a:ext>
+                  </a:extLst>
+                </a:gridCol>
               </a:tblGrid>
               <a:tr h="251539">
                 <a:tc rowSpan="2">
                   <a:txBody>
                     <a:bodyPr/>
+                    <a:lstStyle/>
                     <a:p>
                       <a:pPr marL="0" marR="0" algn="ctr">
                         <a:lnSpc>
@@ -15251,12 +14991,6 @@
                         </a:rPr>
                         <a:t>Id</a:t>
                       </a:r>
-                      <a:endParaRPr lang="en-IN" sz="1400" b="0" dirty="0">
-                        <a:effectLst/>
-                        <a:latin typeface="Times New Roman Regular" panose="02020603050405020304" charset="0"/>
-                        <a:ea typeface="Times New Roman" panose="02020603050405020304"/>
-                        <a:cs typeface="Times New Roman Regular" panose="02020603050405020304" charset="0"/>
-                      </a:endParaRPr>
                     </a:p>
                   </a:txBody>
                   <a:tcPr marL="40350" marR="40350" marT="27212" marB="0">
@@ -15309,6 +15043,7 @@
                 <a:tc rowSpan="2">
                   <a:txBody>
                     <a:bodyPr/>
+                    <a:lstStyle/>
                     <a:p>
                       <a:pPr marL="50800" marR="0" algn="ctr">
                         <a:lnSpc>
@@ -15330,12 +15065,6 @@
                         </a:rPr>
                         <a:t>Test Case</a:t>
                       </a:r>
-                      <a:endParaRPr lang="en-IN" sz="1400" b="0" dirty="0">
-                        <a:effectLst/>
-                        <a:latin typeface="Times New Roman Regular" panose="02020603050405020304" charset="0"/>
-                        <a:ea typeface="Times New Roman" panose="02020603050405020304"/>
-                        <a:cs typeface="Times New Roman Regular" panose="02020603050405020304" charset="0"/>
-                      </a:endParaRPr>
                     </a:p>
                     <a:p>
                       <a:pPr marL="0" marR="0" algn="ctr">
@@ -15358,12 +15087,6 @@
                         </a:rPr>
                         <a:t>Description</a:t>
                       </a:r>
-                      <a:endParaRPr lang="en-IN" sz="1400" b="0" dirty="0">
-                        <a:effectLst/>
-                        <a:latin typeface="Times New Roman Regular" panose="02020603050405020304" charset="0"/>
-                        <a:ea typeface="Times New Roman" panose="02020603050405020304"/>
-                        <a:cs typeface="Times New Roman Regular" panose="02020603050405020304" charset="0"/>
-                      </a:endParaRPr>
                     </a:p>
                   </a:txBody>
                   <a:tcPr marL="40350" marR="40350" marT="27212" marB="0">
@@ -15416,6 +15139,7 @@
                 <a:tc rowSpan="2">
                   <a:txBody>
                     <a:bodyPr/>
+                    <a:lstStyle/>
                     <a:p>
                       <a:pPr marL="50800" marR="0" algn="ctr">
                         <a:lnSpc>
@@ -15437,12 +15161,6 @@
                         </a:rPr>
                         <a:t>Test Case</a:t>
                       </a:r>
-                      <a:endParaRPr lang="en-IN" sz="1400" b="0" dirty="0">
-                        <a:effectLst/>
-                        <a:latin typeface="Times New Roman Regular" panose="02020603050405020304" charset="0"/>
-                        <a:ea typeface="Times New Roman" panose="02020603050405020304"/>
-                        <a:cs typeface="Times New Roman Regular" panose="02020603050405020304" charset="0"/>
-                      </a:endParaRPr>
                     </a:p>
                     <a:p>
                       <a:pPr marL="0" marR="0" algn="ctr">
@@ -15465,12 +15183,6 @@
                         </a:rPr>
                         <a:t>Input</a:t>
                       </a:r>
-                      <a:endParaRPr lang="en-IN" sz="1400" b="0" dirty="0">
-                        <a:effectLst/>
-                        <a:latin typeface="Times New Roman Regular" panose="02020603050405020304" charset="0"/>
-                        <a:ea typeface="Times New Roman" panose="02020603050405020304"/>
-                        <a:cs typeface="Times New Roman Regular" panose="02020603050405020304" charset="0"/>
-                      </a:endParaRPr>
                     </a:p>
                   </a:txBody>
                   <a:tcPr marL="40350" marR="40350" marT="27212" marB="0">
@@ -15523,6 +15235,7 @@
                 <a:tc gridSpan="2">
                   <a:txBody>
                     <a:bodyPr/>
+                    <a:lstStyle/>
                     <a:p>
                       <a:pPr marL="0" marR="0" algn="ctr">
                         <a:lnSpc>
@@ -15544,12 +15257,6 @@
                         </a:rPr>
                         <a:t>Test Results</a:t>
                       </a:r>
-                      <a:endParaRPr lang="en-IN" sz="1400" b="0">
-                        <a:effectLst/>
-                        <a:latin typeface="Times New Roman Regular" panose="02020603050405020304" charset="0"/>
-                        <a:ea typeface="Times New Roman" panose="02020603050405020304"/>
-                        <a:cs typeface="Times New Roman Regular" panose="02020603050405020304" charset="0"/>
-                      </a:endParaRPr>
                     </a:p>
                   </a:txBody>
                   <a:tcPr marL="50672" marR="50672" marT="0" marB="0">
@@ -15600,11 +15307,19 @@
                   </a:tcPr>
                 </a:tc>
                 <a:tc hMerge="1">
+                  <a:txBody>
+                    <a:bodyPr/>
+                    <a:lstStyle/>
+                    <a:p>
+                      <a:endParaRPr lang="en-US"/>
+                    </a:p>
+                  </a:txBody>
                   <a:tcPr/>
                 </a:tc>
                 <a:tc rowSpan="2">
                   <a:txBody>
                     <a:bodyPr/>
+                    <a:lstStyle/>
                     <a:p>
                       <a:pPr marL="0" marR="0" algn="ctr">
                         <a:lnSpc>
@@ -15626,12 +15341,6 @@
                         </a:rPr>
                         <a:t>Status</a:t>
                       </a:r>
-                      <a:endParaRPr lang="en-IN" sz="1400" b="0">
-                        <a:effectLst/>
-                        <a:latin typeface="Times New Roman Regular" panose="02020603050405020304" charset="0"/>
-                        <a:ea typeface="Times New Roman" panose="02020603050405020304"/>
-                        <a:cs typeface="Times New Roman Regular" panose="02020603050405020304" charset="0"/>
-                      </a:endParaRPr>
                     </a:p>
                   </a:txBody>
                   <a:tcPr marL="50672" marR="50672" marT="0" marB="0">
@@ -15684,6 +15393,7 @@
                 <a:tc rowSpan="2">
                   <a:txBody>
                     <a:bodyPr/>
+                    <a:lstStyle/>
                     <a:p>
                       <a:pPr marL="0" marR="0" algn="ctr">
                         <a:lnSpc>
@@ -15705,12 +15415,6 @@
                         </a:rPr>
                         <a:t>Corrective</a:t>
                       </a:r>
-                      <a:endParaRPr lang="en-IN" sz="1400" b="0" dirty="0">
-                        <a:effectLst/>
-                        <a:latin typeface="Times New Roman Regular" panose="02020603050405020304" charset="0"/>
-                        <a:ea typeface="Times New Roman" panose="02020603050405020304"/>
-                        <a:cs typeface="Times New Roman Regular" panose="02020603050405020304" charset="0"/>
-                      </a:endParaRPr>
                     </a:p>
                     <a:p>
                       <a:pPr marL="0" marR="0" algn="ctr">
@@ -15733,12 +15437,6 @@
                         </a:rPr>
                         <a:t>Measure</a:t>
                       </a:r>
-                      <a:endParaRPr lang="en-IN" sz="1400" b="0" dirty="0">
-                        <a:effectLst/>
-                        <a:latin typeface="Times New Roman Regular" panose="02020603050405020304" charset="0"/>
-                        <a:ea typeface="Times New Roman" panose="02020603050405020304"/>
-                        <a:cs typeface="Times New Roman Regular" panose="02020603050405020304" charset="0"/>
-                      </a:endParaRPr>
                     </a:p>
                   </a:txBody>
                   <a:tcPr marL="40350" marR="40350" marT="27212" marB="0">
@@ -15788,20 +15486,47 @@
                     </a:pattFill>
                   </a:tcPr>
                 </a:tc>
+                <a:extLst>
+                  <a:ext uri="{0D108BD9-81ED-4DB2-BD59-A6C34878D82A}">
+                    <a16:rowId xmlns:a16="http://schemas.microsoft.com/office/drawing/2014/main" val="10000"/>
+                  </a:ext>
+                </a:extLst>
               </a:tr>
               <a:tr h="251539">
                 <a:tc vMerge="1">
+                  <a:txBody>
+                    <a:bodyPr/>
+                    <a:lstStyle/>
+                    <a:p>
+                      <a:endParaRPr lang="en-US"/>
+                    </a:p>
+                  </a:txBody>
                   <a:tcPr/>
                 </a:tc>
                 <a:tc vMerge="1">
+                  <a:txBody>
+                    <a:bodyPr/>
+                    <a:lstStyle/>
+                    <a:p>
+                      <a:endParaRPr lang="en-US"/>
+                    </a:p>
+                  </a:txBody>
                   <a:tcPr/>
                 </a:tc>
                 <a:tc vMerge="1">
+                  <a:txBody>
+                    <a:bodyPr/>
+                    <a:lstStyle/>
+                    <a:p>
+                      <a:endParaRPr lang="en-US"/>
+                    </a:p>
+                  </a:txBody>
                   <a:tcPr/>
                 </a:tc>
                 <a:tc>
                   <a:txBody>
                     <a:bodyPr/>
+                    <a:lstStyle/>
                     <a:p>
                       <a:pPr marL="0" marR="0" algn="ctr">
                         <a:lnSpc>
@@ -15823,12 +15548,6 @@
                         </a:rPr>
                         <a:t>Expected</a:t>
                       </a:r>
-                      <a:endParaRPr lang="en-IN" sz="1400" b="0" dirty="0">
-                        <a:effectLst/>
-                        <a:latin typeface="Times New Roman Regular" panose="02020603050405020304" charset="0"/>
-                        <a:ea typeface="Times New Roman" panose="02020603050405020304"/>
-                        <a:cs typeface="Times New Roman Regular" panose="02020603050405020304" charset="0"/>
-                      </a:endParaRPr>
                     </a:p>
                   </a:txBody>
                   <a:tcPr marL="50672" marR="50672" marT="0" marB="0">
@@ -15881,6 +15600,7 @@
                 <a:tc>
                   <a:txBody>
                     <a:bodyPr/>
+                    <a:lstStyle/>
                     <a:p>
                       <a:pPr marL="0" marR="0" algn="ctr">
                         <a:lnSpc>
@@ -15902,12 +15622,6 @@
                         </a:rPr>
                         <a:t>Actual</a:t>
                       </a:r>
-                      <a:endParaRPr lang="en-IN" sz="1400" b="0" dirty="0">
-                        <a:effectLst/>
-                        <a:latin typeface="Times New Roman Regular" panose="02020603050405020304" charset="0"/>
-                        <a:ea typeface="Times New Roman" panose="02020603050405020304"/>
-                        <a:cs typeface="Times New Roman Regular" panose="02020603050405020304" charset="0"/>
-                      </a:endParaRPr>
                     </a:p>
                   </a:txBody>
                   <a:tcPr marL="50672" marR="50672" marT="0" marB="0">
@@ -15958,16 +15672,36 @@
                   </a:tcPr>
                 </a:tc>
                 <a:tc vMerge="1">
+                  <a:txBody>
+                    <a:bodyPr/>
+                    <a:lstStyle/>
+                    <a:p>
+                      <a:endParaRPr lang="en-US"/>
+                    </a:p>
+                  </a:txBody>
                   <a:tcPr/>
                 </a:tc>
                 <a:tc vMerge="1">
+                  <a:txBody>
+                    <a:bodyPr/>
+                    <a:lstStyle/>
+                    <a:p>
+                      <a:endParaRPr lang="en-US"/>
+                    </a:p>
+                  </a:txBody>
                   <a:tcPr/>
                 </a:tc>
+                <a:extLst>
+                  <a:ext uri="{0D108BD9-81ED-4DB2-BD59-A6C34878D82A}">
+                    <a16:rowId xmlns:a16="http://schemas.microsoft.com/office/drawing/2014/main" val="10001"/>
+                  </a:ext>
+                </a:extLst>
               </a:tr>
               <a:tr h="885190">
                 <a:tc>
                   <a:txBody>
                     <a:bodyPr/>
+                    <a:lstStyle/>
                     <a:p>
                       <a:pPr marL="0" marR="0" lvl="0" indent="0" algn="ctr">
                         <a:lnSpc>
@@ -15983,29 +15717,14 @@
                         <a:buNone/>
                       </a:pPr>
                       <a:r>
-                        <a:rPr lang="en-IN" sz="1400" b="0" dirty="0" smtClean="0">
-                          <a:effectLst/>
-                          <a:latin typeface="Times New Roman Regular" panose="02020603050405020304" charset="0"/>
-                          <a:ea typeface="Times New Roman" panose="02020603050405020304"/>
-                          <a:cs typeface="Times New Roman Regular" panose="02020603050405020304" charset="0"/>
-                        </a:rPr>
-                        <a:t>1</a:t>
-                      </a:r>
-                      <a:r>
                         <a:rPr lang="en-IN" sz="1400" b="0" dirty="0">
                           <a:effectLst/>
                           <a:latin typeface="Times New Roman Regular" panose="02020603050405020304" charset="0"/>
                           <a:ea typeface="Times New Roman" panose="02020603050405020304"/>
                           <a:cs typeface="Times New Roman Regular" panose="02020603050405020304" charset="0"/>
                         </a:rPr>
-                        <a:t> </a:t>
+                        <a:t>1 </a:t>
                       </a:r>
-                      <a:endParaRPr lang="en-IN" sz="1400" b="0" dirty="0">
-                        <a:effectLst/>
-                        <a:latin typeface="Times New Roman Regular" panose="02020603050405020304" charset="0"/>
-                        <a:ea typeface="Times New Roman" panose="02020603050405020304"/>
-                        <a:cs typeface="Times New Roman Regular" panose="02020603050405020304" charset="0"/>
-                      </a:endParaRPr>
                     </a:p>
                   </a:txBody>
                   <a:tcPr marL="40350" marR="40350" marT="27212" marB="0">
@@ -16050,6 +15769,7 @@
                 <a:tc>
                   <a:txBody>
                     <a:bodyPr/>
+                    <a:lstStyle/>
                     <a:p>
                       <a:pPr marL="0" marR="0">
                         <a:lnSpc>
@@ -16071,12 +15791,6 @@
                         </a:rPr>
                         <a:t>registering as a user in the get membership page to create mid</a:t>
                       </a:r>
-                      <a:endParaRPr lang="en-US" altLang="en-IN" sz="1400" b="0" dirty="0">
-                        <a:effectLst/>
-                        <a:latin typeface="Times New Roman Regular" panose="02020603050405020304" charset="0"/>
-                        <a:ea typeface="Times New Roman" panose="02020603050405020304"/>
-                        <a:cs typeface="Times New Roman Regular" panose="02020603050405020304" charset="0"/>
-                      </a:endParaRPr>
                     </a:p>
                   </a:txBody>
                   <a:tcPr marL="40350" marR="40350" marT="27212" marB="0">
@@ -16121,6 +15835,7 @@
                 <a:tc>
                   <a:txBody>
                     <a:bodyPr/>
+                    <a:lstStyle/>
                     <a:p>
                       <a:pPr marL="0" marR="0">
                         <a:lnSpc>
@@ -16160,12 +15875,6 @@
                         </a:rPr>
                         <a:t>are filled properly.</a:t>
                       </a:r>
-                      <a:endParaRPr lang="en-IN" sz="1400" b="0">
-                        <a:effectLst/>
-                        <a:latin typeface="Times New Roman Regular" panose="02020603050405020304" charset="0"/>
-                        <a:ea typeface="Times New Roman" panose="02020603050405020304"/>
-                        <a:cs typeface="Times New Roman Regular" panose="02020603050405020304" charset="0"/>
-                      </a:endParaRPr>
                     </a:p>
                   </a:txBody>
                   <a:tcPr marL="40350" marR="40350" marT="27212" marB="0">
@@ -16210,6 +15919,7 @@
                 <a:tc>
                   <a:txBody>
                     <a:bodyPr/>
+                    <a:lstStyle/>
                     <a:p>
                       <a:pPr marL="0" marR="0">
                         <a:lnSpc>
@@ -16240,12 +15950,6 @@
                         </a:rPr>
                         <a:t> is created successfully</a:t>
                       </a:r>
-                      <a:endParaRPr lang="en-IN" sz="1400" b="0">
-                        <a:effectLst/>
-                        <a:latin typeface="Times New Roman Regular" panose="02020603050405020304" charset="0"/>
-                        <a:ea typeface="Times New Roman" panose="02020603050405020304"/>
-                        <a:cs typeface="Times New Roman Regular" panose="02020603050405020304" charset="0"/>
-                      </a:endParaRPr>
                     </a:p>
                   </a:txBody>
                   <a:tcPr marL="50672" marR="50672" marT="0" marB="0">
@@ -16290,6 +15994,7 @@
                 <a:tc>
                   <a:txBody>
                     <a:bodyPr/>
+                    <a:lstStyle/>
                     <a:p>
                       <a:pPr marL="0" marR="0" indent="0">
                         <a:lnSpc>
@@ -16323,12 +16028,6 @@
                         </a:rPr>
                         <a:t> is created</a:t>
                       </a:r>
-                      <a:endParaRPr lang="en-IN" sz="1400" b="0" dirty="0">
-                        <a:effectLst/>
-                        <a:latin typeface="Times New Roman Regular" panose="02020603050405020304" charset="0"/>
-                        <a:ea typeface="Times New Roman" panose="02020603050405020304"/>
-                        <a:cs typeface="Times New Roman Regular" panose="02020603050405020304" charset="0"/>
-                      </a:endParaRPr>
                     </a:p>
                     <a:p>
                       <a:pPr marL="0" marR="0">
@@ -16351,12 +16050,6 @@
                         </a:rPr>
                         <a:t>successfully</a:t>
                       </a:r>
-                      <a:endParaRPr lang="en-IN" sz="1400" b="0" dirty="0">
-                        <a:effectLst/>
-                        <a:latin typeface="Times New Roman Regular" panose="02020603050405020304" charset="0"/>
-                        <a:ea typeface="Times New Roman" panose="02020603050405020304"/>
-                        <a:cs typeface="Times New Roman Regular" panose="02020603050405020304" charset="0"/>
-                      </a:endParaRPr>
                     </a:p>
                   </a:txBody>
                   <a:tcPr marL="50672" marR="50672" marT="0" marB="0">
@@ -16401,6 +16094,7 @@
                 <a:tc>
                   <a:txBody>
                     <a:bodyPr/>
+                    <a:lstStyle/>
                     <a:p>
                       <a:pPr marL="0" marR="0" algn="ctr">
                         <a:lnSpc>
@@ -16422,12 +16116,6 @@
                         </a:rPr>
                         <a:t>Pass</a:t>
                       </a:r>
-                      <a:endParaRPr lang="en-IN" sz="1400" b="0" dirty="0">
-                        <a:effectLst/>
-                        <a:latin typeface="Times New Roman Regular" panose="02020603050405020304" charset="0"/>
-                        <a:ea typeface="Times New Roman" panose="02020603050405020304"/>
-                        <a:cs typeface="Times New Roman Regular" panose="02020603050405020304" charset="0"/>
-                      </a:endParaRPr>
                     </a:p>
                   </a:txBody>
                   <a:tcPr marL="50672" marR="50672" marT="0" marB="0">
@@ -16472,6 +16160,7 @@
                 <a:tc>
                   <a:txBody>
                     <a:bodyPr/>
+                    <a:lstStyle/>
                     <a:p>
                       <a:pPr marL="0" marR="0" algn="ctr">
                         <a:lnSpc>
@@ -16493,12 +16182,6 @@
                         </a:rPr>
                         <a:t>None</a:t>
                       </a:r>
-                      <a:endParaRPr lang="en-IN" sz="1400" b="0" dirty="0">
-                        <a:effectLst/>
-                        <a:latin typeface="Times New Roman Regular" panose="02020603050405020304" charset="0"/>
-                        <a:ea typeface="Times New Roman" panose="02020603050405020304"/>
-                        <a:cs typeface="Times New Roman Regular" panose="02020603050405020304" charset="0"/>
-                      </a:endParaRPr>
                     </a:p>
                   </a:txBody>
                   <a:tcPr marL="40350" marR="40350" marT="27212" marB="0">
@@ -16540,11 +16223,17 @@
                     </a:lnB>
                   </a:tcPr>
                 </a:tc>
+                <a:extLst>
+                  <a:ext uri="{0D108BD9-81ED-4DB2-BD59-A6C34878D82A}">
+                    <a16:rowId xmlns:a16="http://schemas.microsoft.com/office/drawing/2014/main" val="10002"/>
+                  </a:ext>
+                </a:extLst>
               </a:tr>
               <a:tr h="672094">
                 <a:tc>
                   <a:txBody>
                     <a:bodyPr/>
+                    <a:lstStyle/>
                     <a:p>
                       <a:pPr marL="0" marR="0" lvl="0" indent="0" algn="ctr">
                         <a:lnSpc>
@@ -16560,7 +16249,7 @@
                         <a:buNone/>
                       </a:pPr>
                       <a:r>
-                        <a:rPr lang="en-US" sz="1400" b="0" dirty="0" smtClean="0">
+                        <a:rPr lang="en-US" sz="1400" b="0" dirty="0">
                           <a:effectLst/>
                           <a:latin typeface="Times New Roman Regular" panose="02020603050405020304" charset="0"/>
                           <a:ea typeface="Times New Roman" panose="02020603050405020304"/>
@@ -16568,12 +16257,6 @@
                         </a:rPr>
                         <a:t>2</a:t>
                       </a:r>
-                      <a:endParaRPr lang="en-US" sz="1400" b="0" dirty="0" smtClean="0">
-                        <a:effectLst/>
-                        <a:latin typeface="Times New Roman Regular" panose="02020603050405020304" charset="0"/>
-                        <a:ea typeface="Times New Roman" panose="02020603050405020304"/>
-                        <a:cs typeface="Times New Roman Regular" panose="02020603050405020304" charset="0"/>
-                      </a:endParaRPr>
                     </a:p>
                   </a:txBody>
                   <a:tcPr marL="40350" marR="40350" marT="27212" marB="0">
@@ -16618,6 +16301,7 @@
                 <a:tc>
                   <a:txBody>
                     <a:bodyPr/>
+                    <a:lstStyle/>
                     <a:p>
                       <a:pPr marL="0" marR="0">
                         <a:lnSpc>
@@ -16639,12 +16323,6 @@
                         </a:rPr>
                         <a:t>registering user with the already exsiting email id</a:t>
                       </a:r>
-                      <a:endParaRPr lang="en-US" altLang="en-IN" sz="1400" b="0" dirty="0">
-                        <a:effectLst/>
-                        <a:latin typeface="Times New Roman Regular" panose="02020603050405020304" charset="0"/>
-                        <a:ea typeface="Times New Roman" panose="02020603050405020304"/>
-                        <a:cs typeface="Times New Roman Regular" panose="02020603050405020304" charset="0"/>
-                      </a:endParaRPr>
                     </a:p>
                   </a:txBody>
                   <a:tcPr marL="40350" marR="40350" marT="27212" marB="0">
@@ -16689,6 +16367,7 @@
                 <a:tc>
                   <a:txBody>
                     <a:bodyPr/>
+                    <a:lstStyle/>
                     <a:p>
                       <a:pPr marL="0" marR="0">
                         <a:lnSpc>
@@ -16731,13 +16410,6 @@
                         </a:rPr>
                         <a:t>are filled properly.</a:t>
                       </a:r>
-                      <a:endParaRPr lang="en-IN" sz="1400" b="0">
-                        <a:effectLst/>
-                        <a:latin typeface="Times New Roman Regular" panose="02020603050405020304" charset="0"/>
-                        <a:ea typeface="Times New Roman" panose="02020603050405020304"/>
-                        <a:cs typeface="Times New Roman Regular" panose="02020603050405020304" charset="0"/>
-                        <a:sym typeface="+mn-ea"/>
-                      </a:endParaRPr>
                     </a:p>
                     <a:p>
                       <a:pPr marL="0" marR="0">
@@ -16760,12 +16432,6 @@
                         </a:rPr>
                         <a:t>with alredy exsisting email id</a:t>
                       </a:r>
-                      <a:endParaRPr lang="en-US" altLang="en-IN" sz="1400" b="0">
-                        <a:effectLst/>
-                        <a:latin typeface="Times New Roman Regular" panose="02020603050405020304" charset="0"/>
-                        <a:ea typeface="Times New Roman" panose="02020603050405020304"/>
-                        <a:cs typeface="Times New Roman Regular" panose="02020603050405020304" charset="0"/>
-                      </a:endParaRPr>
                     </a:p>
                   </a:txBody>
                   <a:tcPr marL="40350" marR="40350" marT="27212" marB="0">
@@ -16810,6 +16476,7 @@
                 <a:tc>
                   <a:txBody>
                     <a:bodyPr/>
+                    <a:lstStyle/>
                     <a:p>
                       <a:pPr marL="0" marR="0">
                         <a:lnSpc>
@@ -16831,12 +16498,6 @@
                         </a:rPr>
                         <a:t>user created succesfully</a:t>
                       </a:r>
-                      <a:endParaRPr lang="en-US" sz="1400" b="0" dirty="0">
-                        <a:effectLst/>
-                        <a:latin typeface="Times New Roman Regular" panose="02020603050405020304" charset="0"/>
-                        <a:ea typeface="Times New Roman" panose="02020603050405020304"/>
-                        <a:cs typeface="Times New Roman Regular" panose="02020603050405020304" charset="0"/>
-                      </a:endParaRPr>
                     </a:p>
                   </a:txBody>
                   <a:tcPr marL="50672" marR="50672" marT="0" marB="0">
@@ -16881,6 +16542,7 @@
                 <a:tc>
                   <a:txBody>
                     <a:bodyPr/>
+                    <a:lstStyle/>
                     <a:p>
                       <a:pPr marL="0" marR="0">
                         <a:lnSpc>
@@ -16994,6 +16656,7 @@
                 <a:tc>
                   <a:txBody>
                     <a:bodyPr/>
+                    <a:lstStyle/>
                     <a:p>
                       <a:pPr marL="0" marR="0" algn="ctr">
                         <a:lnSpc>
@@ -17015,12 +16678,6 @@
                         </a:rPr>
                         <a:t>Fail</a:t>
                       </a:r>
-                      <a:endParaRPr lang="en-US" altLang="en-IN" sz="1400" b="0">
-                        <a:effectLst/>
-                        <a:latin typeface="Times New Roman Regular" panose="02020603050405020304" charset="0"/>
-                        <a:ea typeface="Times New Roman" panose="02020603050405020304"/>
-                        <a:cs typeface="Times New Roman Regular" panose="02020603050405020304" charset="0"/>
-                      </a:endParaRPr>
                     </a:p>
                   </a:txBody>
                   <a:tcPr marL="50672" marR="50672" marT="0" marB="0">
@@ -17065,6 +16722,7 @@
                 <a:tc>
                   <a:txBody>
                     <a:bodyPr/>
+                    <a:lstStyle/>
                     <a:p>
                       <a:pPr marL="0" marR="0" algn="ctr">
                         <a:lnSpc>
@@ -17086,12 +16744,6 @@
                         </a:rPr>
                         <a:t>None</a:t>
                       </a:r>
-                      <a:endParaRPr lang="en-IN" sz="1400" b="0" dirty="0">
-                        <a:effectLst/>
-                        <a:latin typeface="Times New Roman Regular" panose="02020603050405020304" charset="0"/>
-                        <a:ea typeface="Times New Roman" panose="02020603050405020304"/>
-                        <a:cs typeface="Times New Roman Regular" panose="02020603050405020304" charset="0"/>
-                      </a:endParaRPr>
                     </a:p>
                   </a:txBody>
                   <a:tcPr marL="40350" marR="40350" marT="27212" marB="0">
@@ -17133,11 +16785,17 @@
                     </a:lnB>
                   </a:tcPr>
                 </a:tc>
+                <a:extLst>
+                  <a:ext uri="{0D108BD9-81ED-4DB2-BD59-A6C34878D82A}">
+                    <a16:rowId xmlns:a16="http://schemas.microsoft.com/office/drawing/2014/main" val="10003"/>
+                  </a:ext>
+                </a:extLst>
               </a:tr>
               <a:tr h="706755">
                 <a:tc>
                   <a:txBody>
                     <a:bodyPr/>
+                    <a:lstStyle/>
                     <a:p>
                       <a:pPr marL="0" marR="0" lvl="0" indent="0" algn="ctr">
                         <a:lnSpc>
@@ -17153,29 +16811,14 @@
                         <a:buNone/>
                       </a:pPr>
                       <a:r>
-                        <a:rPr lang="en-IN" sz="1400" b="0" dirty="0" smtClean="0">
-                          <a:effectLst/>
-                          <a:latin typeface="Times New Roman Regular" panose="02020603050405020304" charset="0"/>
-                          <a:ea typeface="Times New Roman" panose="02020603050405020304"/>
-                          <a:cs typeface="Times New Roman Regular" panose="02020603050405020304" charset="0"/>
-                        </a:rPr>
-                        <a:t>3</a:t>
-                      </a:r>
-                      <a:r>
                         <a:rPr lang="en-IN" sz="1400" b="0" dirty="0">
                           <a:effectLst/>
                           <a:latin typeface="Times New Roman Regular" panose="02020603050405020304" charset="0"/>
                           <a:ea typeface="Times New Roman" panose="02020603050405020304"/>
                           <a:cs typeface="Times New Roman Regular" panose="02020603050405020304" charset="0"/>
                         </a:rPr>
-                        <a:t> </a:t>
+                        <a:t>3 </a:t>
                       </a:r>
-                      <a:endParaRPr lang="en-IN" sz="1400" b="0" dirty="0">
-                        <a:effectLst/>
-                        <a:latin typeface="Times New Roman Regular" panose="02020603050405020304" charset="0"/>
-                        <a:ea typeface="Times New Roman" panose="02020603050405020304"/>
-                        <a:cs typeface="Times New Roman Regular" panose="02020603050405020304" charset="0"/>
-                      </a:endParaRPr>
                     </a:p>
                   </a:txBody>
                   <a:tcPr marL="40350" marR="40350" marT="27212" marB="0">
@@ -17220,6 +16863,7 @@
                 <a:tc>
                   <a:txBody>
                     <a:bodyPr/>
+                    <a:lstStyle/>
                     <a:p>
                       <a:pPr marL="0" marR="0">
                         <a:lnSpc>
@@ -17233,20 +16877,14 @@
                         </a:spcAft>
                       </a:pPr>
                       <a:r>
-                        <a:rPr lang="en-US" altLang="en-IN" sz="1400" b="0">
+                        <a:rPr lang="en-US" altLang="en-IN" sz="1400" b="0" dirty="0">
                           <a:effectLst/>
                           <a:latin typeface="Times New Roman Regular" panose="02020603050405020304" charset="0"/>
                           <a:ea typeface="Times New Roman" panose="02020603050405020304"/>
                           <a:cs typeface="Times New Roman Regular" panose="02020603050405020304" charset="0"/>
                         </a:rPr>
-                        <a:t>generating a new paper in submit new paper</a:t>
+                        <a:t>generating a new paper in submitting new paper</a:t>
                       </a:r>
-                      <a:endParaRPr lang="en-US" altLang="en-IN" sz="1400" b="0">
-                        <a:effectLst/>
-                        <a:latin typeface="Times New Roman Regular" panose="02020603050405020304" charset="0"/>
-                        <a:ea typeface="Times New Roman" panose="02020603050405020304"/>
-                        <a:cs typeface="Times New Roman Regular" panose="02020603050405020304" charset="0"/>
-                      </a:endParaRPr>
                     </a:p>
                   </a:txBody>
                   <a:tcPr marL="40350" marR="40350" marT="27212" marB="0">
@@ -17291,6 +16929,7 @@
                 <a:tc>
                   <a:txBody>
                     <a:bodyPr/>
+                    <a:lstStyle/>
                     <a:p>
                       <a:pPr marL="0" marR="0">
                         <a:lnSpc>
@@ -17384,6 +17023,7 @@
                 <a:tc>
                   <a:txBody>
                     <a:bodyPr/>
+                    <a:lstStyle/>
                     <a:p>
                       <a:pPr marL="0" marR="0">
                         <a:lnSpc>
@@ -17467,6 +17107,7 @@
                 <a:tc>
                   <a:txBody>
                     <a:bodyPr/>
+                    <a:lstStyle/>
                     <a:p>
                       <a:pPr marL="0" marR="0">
                         <a:lnSpc>
@@ -17499,13 +17140,6 @@
                         </a:rPr>
                         <a:t> is created successfully</a:t>
                       </a:r>
-                      <a:endParaRPr lang="en-IN" sz="1400" b="0">
-                        <a:effectLst/>
-                        <a:latin typeface="Times New Roman Regular" panose="02020603050405020304" charset="0"/>
-                        <a:ea typeface="Times New Roman" panose="02020603050405020304"/>
-                        <a:cs typeface="Times New Roman Regular" panose="02020603050405020304" charset="0"/>
-                        <a:sym typeface="+mn-ea"/>
-                      </a:endParaRPr>
                     </a:p>
                   </a:txBody>
                   <a:tcPr marL="50672" marR="50672" marT="0" marB="0">
@@ -17550,6 +17184,7 @@
                 <a:tc>
                   <a:txBody>
                     <a:bodyPr/>
+                    <a:lstStyle/>
                     <a:p>
                       <a:pPr marL="0" marR="0" algn="ctr">
                         <a:lnSpc>
@@ -17571,12 +17206,6 @@
                         </a:rPr>
                         <a:t>Pass</a:t>
                       </a:r>
-                      <a:endParaRPr lang="en-IN" sz="1400" b="0">
-                        <a:effectLst/>
-                        <a:latin typeface="Times New Roman Regular" panose="02020603050405020304" charset="0"/>
-                        <a:ea typeface="Times New Roman" panose="02020603050405020304"/>
-                        <a:cs typeface="Times New Roman Regular" panose="02020603050405020304" charset="0"/>
-                      </a:endParaRPr>
                     </a:p>
                   </a:txBody>
                   <a:tcPr marL="50672" marR="50672" marT="0" marB="0">
@@ -17621,6 +17250,7 @@
                 <a:tc>
                   <a:txBody>
                     <a:bodyPr/>
+                    <a:lstStyle/>
                     <a:p>
                       <a:pPr marL="0" marR="0" algn="ctr">
                         <a:lnSpc>
@@ -17642,12 +17272,6 @@
                         </a:rPr>
                         <a:t>None</a:t>
                       </a:r>
-                      <a:endParaRPr lang="en-IN" sz="1400" b="0" dirty="0">
-                        <a:effectLst/>
-                        <a:latin typeface="Times New Roman Regular" panose="02020603050405020304" charset="0"/>
-                        <a:ea typeface="Times New Roman" panose="02020603050405020304"/>
-                        <a:cs typeface="Times New Roman Regular" panose="02020603050405020304" charset="0"/>
-                      </a:endParaRPr>
                     </a:p>
                   </a:txBody>
                   <a:tcPr marL="40350" marR="40350" marT="27212" marB="0">
@@ -17689,11 +17313,17 @@
                     </a:lnB>
                   </a:tcPr>
                 </a:tc>
+                <a:extLst>
+                  <a:ext uri="{0D108BD9-81ED-4DB2-BD59-A6C34878D82A}">
+                    <a16:rowId xmlns:a16="http://schemas.microsoft.com/office/drawing/2014/main" val="10004"/>
+                  </a:ext>
+                </a:extLst>
               </a:tr>
               <a:tr h="706755">
                 <a:tc>
                   <a:txBody>
                     <a:bodyPr/>
+                    <a:lstStyle/>
                     <a:p>
                       <a:pPr marL="0" marR="0" lvl="0" indent="0" algn="ctr">
                         <a:lnSpc>
@@ -17717,12 +17347,6 @@
                         </a:rPr>
                         <a:t>4</a:t>
                       </a:r>
-                      <a:endParaRPr lang="en-US" altLang="en-IN" sz="1400" b="0" dirty="0">
-                        <a:effectLst/>
-                        <a:latin typeface="Times New Roman Regular" panose="02020603050405020304" charset="0"/>
-                        <a:ea typeface="Times New Roman" panose="02020603050405020304"/>
-                        <a:cs typeface="Times New Roman Regular" panose="02020603050405020304" charset="0"/>
-                      </a:endParaRPr>
                     </a:p>
                   </a:txBody>
                   <a:tcPr marL="40350" marR="40350" marT="27212" marB="0">
@@ -17767,6 +17391,7 @@
                 <a:tc>
                   <a:txBody>
                     <a:bodyPr/>
+                    <a:lstStyle/>
                     <a:p>
                       <a:pPr marL="0" marR="0">
                         <a:lnSpc>
@@ -17789,12 +17414,6 @@
                         </a:rPr>
                         <a:t>updating the existing paper of the current user</a:t>
                       </a:r>
-                      <a:endParaRPr lang="en-US" altLang="en-IN" sz="1400" b="0">
-                        <a:effectLst/>
-                        <a:latin typeface="Times New Roman Regular" panose="02020603050405020304" charset="0"/>
-                        <a:ea typeface="Times New Roman" panose="02020603050405020304"/>
-                        <a:cs typeface="Times New Roman Regular" panose="02020603050405020304" charset="0"/>
-                      </a:endParaRPr>
                     </a:p>
                   </a:txBody>
                   <a:tcPr marL="40350" marR="40350" marT="27212" marB="0">
@@ -17839,6 +17458,7 @@
                 <a:tc>
                   <a:txBody>
                     <a:bodyPr/>
+                    <a:lstStyle/>
                     <a:p>
                       <a:pPr marL="0" marR="0">
                         <a:lnSpc>
@@ -17933,6 +17553,7 @@
                 <a:tc>
                   <a:txBody>
                     <a:bodyPr/>
+                    <a:lstStyle/>
                     <a:p>
                       <a:pPr marL="0" marR="0">
                         <a:lnSpc>
@@ -17955,12 +17576,6 @@
                         </a:rPr>
                         <a:t>paper is updated succesfully</a:t>
                       </a:r>
-                      <a:endParaRPr lang="en-US" altLang="en-IN" sz="1400" b="0" dirty="0">
-                        <a:effectLst/>
-                        <a:latin typeface="Times New Roman Regular" panose="02020603050405020304" charset="0"/>
-                        <a:ea typeface="Times New Roman" panose="02020603050405020304"/>
-                        <a:cs typeface="Times New Roman Regular" panose="02020603050405020304" charset="0"/>
-                      </a:endParaRPr>
                     </a:p>
                   </a:txBody>
                   <a:tcPr marL="50672" marR="50672" marT="0" marB="0">
@@ -18005,6 +17620,7 @@
                 <a:tc>
                   <a:txBody>
                     <a:bodyPr/>
+                    <a:lstStyle/>
                     <a:p>
                       <a:pPr marL="0" marR="0">
                         <a:lnSpc>
@@ -18028,13 +17644,6 @@
                         </a:rPr>
                         <a:t>paper is updated succesfully</a:t>
                       </a:r>
-                      <a:endParaRPr lang="en-US" altLang="en-IN" sz="1400" b="0" dirty="0">
-                        <a:effectLst/>
-                        <a:latin typeface="Times New Roman Regular" panose="02020603050405020304" charset="0"/>
-                        <a:ea typeface="Times New Roman" panose="02020603050405020304"/>
-                        <a:cs typeface="Times New Roman Regular" panose="02020603050405020304" charset="0"/>
-                        <a:sym typeface="+mn-ea"/>
-                      </a:endParaRPr>
                     </a:p>
                   </a:txBody>
                   <a:tcPr marL="50672" marR="50672" marT="0" marB="0">
@@ -18079,6 +17688,7 @@
                 <a:tc>
                   <a:txBody>
                     <a:bodyPr/>
+                    <a:lstStyle/>
                     <a:p>
                       <a:pPr marL="0" marR="0" algn="ctr">
                         <a:lnSpc>
@@ -18101,12 +17711,6 @@
                         </a:rPr>
                         <a:t>pass</a:t>
                       </a:r>
-                      <a:endParaRPr lang="en-US" altLang="en-IN" sz="1400" b="0">
-                        <a:effectLst/>
-                        <a:latin typeface="Times New Roman Regular" panose="02020603050405020304" charset="0"/>
-                        <a:ea typeface="Times New Roman" panose="02020603050405020304"/>
-                        <a:cs typeface="Times New Roman Regular" panose="02020603050405020304" charset="0"/>
-                      </a:endParaRPr>
                     </a:p>
                   </a:txBody>
                   <a:tcPr marL="50672" marR="50672" marT="0" marB="0">
@@ -18151,6 +17755,7 @@
                 <a:tc>
                   <a:txBody>
                     <a:bodyPr/>
+                    <a:lstStyle/>
                     <a:p>
                       <a:pPr marL="0" marR="0" algn="ctr">
                         <a:lnSpc>
@@ -18173,12 +17778,6 @@
                         </a:rPr>
                         <a:t>None</a:t>
                       </a:r>
-                      <a:endParaRPr lang="en-US" altLang="en-IN" sz="1400" b="0" dirty="0">
-                        <a:effectLst/>
-                        <a:latin typeface="Times New Roman Regular" panose="02020603050405020304" charset="0"/>
-                        <a:ea typeface="Times New Roman" panose="02020603050405020304"/>
-                        <a:cs typeface="Times New Roman Regular" panose="02020603050405020304" charset="0"/>
-                      </a:endParaRPr>
                     </a:p>
                   </a:txBody>
                   <a:tcPr marL="40350" marR="40350" marT="27212" marB="0">
@@ -18220,11 +17819,17 @@
                     </a:lnB>
                   </a:tcPr>
                 </a:tc>
+                <a:extLst>
+                  <a:ext uri="{0D108BD9-81ED-4DB2-BD59-A6C34878D82A}">
+                    <a16:rowId xmlns:a16="http://schemas.microsoft.com/office/drawing/2014/main" val="10005"/>
+                  </a:ext>
+                </a:extLst>
               </a:tr>
               <a:tr h="706755">
                 <a:tc>
                   <a:txBody>
                     <a:bodyPr/>
+                    <a:lstStyle/>
                     <a:p>
                       <a:pPr marL="0" marR="0" lvl="0" indent="0" algn="ctr">
                         <a:lnSpc>
@@ -18248,12 +17853,6 @@
                         </a:rPr>
                         <a:t>5</a:t>
                       </a:r>
-                      <a:endParaRPr lang="en-US" altLang="en-IN" sz="1400" b="0" dirty="0">
-                        <a:effectLst/>
-                        <a:latin typeface="Times New Roman Regular" panose="02020603050405020304" charset="0"/>
-                        <a:ea typeface="Times New Roman" panose="02020603050405020304"/>
-                        <a:cs typeface="Times New Roman Regular" panose="02020603050405020304" charset="0"/>
-                      </a:endParaRPr>
                     </a:p>
                   </a:txBody>
                   <a:tcPr marL="40350" marR="40350" marT="27212" marB="0">
@@ -18298,6 +17897,7 @@
                 <a:tc>
                   <a:txBody>
                     <a:bodyPr/>
+                    <a:lstStyle/>
                     <a:p>
                       <a:pPr marL="0" marR="0">
                         <a:lnSpc>
@@ -18320,12 +17920,6 @@
                         </a:rPr>
                         <a:t>adding all the co-authors of the paper of the current user</a:t>
                       </a:r>
-                      <a:endParaRPr lang="en-US" altLang="en-IN" sz="1400" b="0">
-                        <a:effectLst/>
-                        <a:latin typeface="Times New Roman Regular" panose="02020603050405020304" charset="0"/>
-                        <a:ea typeface="Times New Roman" panose="02020603050405020304"/>
-                        <a:cs typeface="Times New Roman Regular" panose="02020603050405020304" charset="0"/>
-                      </a:endParaRPr>
                     </a:p>
                   </a:txBody>
                   <a:tcPr marL="40350" marR="40350" marT="27212" marB="0">
@@ -18370,6 +17964,7 @@
                 <a:tc>
                   <a:txBody>
                     <a:bodyPr/>
+                    <a:lstStyle/>
                     <a:p>
                       <a:pPr marL="0" marR="0">
                         <a:lnSpc>
@@ -18464,6 +18059,7 @@
                 <a:tc>
                   <a:txBody>
                     <a:bodyPr/>
+                    <a:lstStyle/>
                     <a:p>
                       <a:pPr marL="0" marR="0">
                         <a:lnSpc>
@@ -18486,12 +18082,6 @@
                         </a:rPr>
                         <a:t>co-authors added succesfully</a:t>
                       </a:r>
-                      <a:endParaRPr lang="en-US" altLang="en-IN" sz="1400" b="0" dirty="0">
-                        <a:effectLst/>
-                        <a:latin typeface="Times New Roman Regular" panose="02020603050405020304" charset="0"/>
-                        <a:ea typeface="Times New Roman" panose="02020603050405020304"/>
-                        <a:cs typeface="Times New Roman Regular" panose="02020603050405020304" charset="0"/>
-                      </a:endParaRPr>
                     </a:p>
                   </a:txBody>
                   <a:tcPr marL="50672" marR="50672" marT="0" marB="0">
@@ -18536,6 +18126,7 @@
                 <a:tc>
                   <a:txBody>
                     <a:bodyPr/>
+                    <a:lstStyle/>
                     <a:p>
                       <a:pPr marL="0" marR="0">
                         <a:lnSpc>
@@ -18559,13 +18150,6 @@
                         </a:rPr>
                         <a:t>co-authors added succesfully</a:t>
                       </a:r>
-                      <a:endParaRPr lang="en-US" altLang="en-IN" sz="1400" b="0" dirty="0">
-                        <a:effectLst/>
-                        <a:latin typeface="Times New Roman Regular" panose="02020603050405020304" charset="0"/>
-                        <a:ea typeface="Times New Roman" panose="02020603050405020304"/>
-                        <a:cs typeface="Times New Roman Regular" panose="02020603050405020304" charset="0"/>
-                        <a:sym typeface="+mn-ea"/>
-                      </a:endParaRPr>
                     </a:p>
                   </a:txBody>
                   <a:tcPr marL="50672" marR="50672" marT="0" marB="0">
@@ -18610,6 +18194,7 @@
                 <a:tc>
                   <a:txBody>
                     <a:bodyPr/>
+                    <a:lstStyle/>
                     <a:p>
                       <a:pPr marL="0" marR="0" algn="ctr">
                         <a:lnSpc>
@@ -18632,12 +18217,6 @@
                         </a:rPr>
                         <a:t>pass</a:t>
                       </a:r>
-                      <a:endParaRPr lang="en-US" altLang="en-IN" sz="1400" b="0">
-                        <a:effectLst/>
-                        <a:latin typeface="Times New Roman Regular" panose="02020603050405020304" charset="0"/>
-                        <a:ea typeface="Times New Roman" panose="02020603050405020304"/>
-                        <a:cs typeface="Times New Roman Regular" panose="02020603050405020304" charset="0"/>
-                      </a:endParaRPr>
                     </a:p>
                   </a:txBody>
                   <a:tcPr marL="50672" marR="50672" marT="0" marB="0">
@@ -18682,6 +18261,7 @@
                 <a:tc>
                   <a:txBody>
                     <a:bodyPr/>
+                    <a:lstStyle/>
                     <a:p>
                       <a:pPr marL="0" marR="0" algn="ctr">
                         <a:lnSpc>
@@ -18704,12 +18284,6 @@
                         </a:rPr>
                         <a:t>None</a:t>
                       </a:r>
-                      <a:endParaRPr lang="en-US" altLang="en-IN" sz="1400" b="0" dirty="0">
-                        <a:effectLst/>
-                        <a:latin typeface="Times New Roman Regular" panose="02020603050405020304" charset="0"/>
-                        <a:ea typeface="Times New Roman" panose="02020603050405020304"/>
-                        <a:cs typeface="Times New Roman Regular" panose="02020603050405020304" charset="0"/>
-                      </a:endParaRPr>
                     </a:p>
                   </a:txBody>
                   <a:tcPr marL="40350" marR="40350" marT="27212" marB="0">
@@ -18751,6 +18325,11 @@
                     </a:lnB>
                   </a:tcPr>
                 </a:tc>
+                <a:extLst>
+                  <a:ext uri="{0D108BD9-81ED-4DB2-BD59-A6C34878D82A}">
+                    <a16:rowId xmlns:a16="http://schemas.microsoft.com/office/drawing/2014/main" val="10006"/>
+                  </a:ext>
+                </a:extLst>
               </a:tr>
             </a:tbl>
           </a:graphicData>
@@ -18764,7 +18343,7 @@
 </p:sld>
 </file>
 
-<file path=ppt/slides/slide26.xml><?xml version="1.0" encoding="utf-8"?>
+<file path=ppt/slides/slide25.xml><?xml version="1.0" encoding="utf-8"?>
 <p:sld xmlns:a="http://schemas.openxmlformats.org/drawingml/2006/main" xmlns:r="http://schemas.openxmlformats.org/officeDocument/2006/relationships" xmlns:p="http://schemas.openxmlformats.org/presentationml/2006/main">
   <p:cSld>
     <p:spTree>
@@ -18773,7 +18352,14 @@
         <p:cNvGrpSpPr/>
         <p:nvPr/>
       </p:nvGrpSpPr>
-      <p:grpSpPr/>
+      <p:grpSpPr>
+        <a:xfrm>
+          <a:off x="0" y="0"/>
+          <a:ext cx="0" cy="0"/>
+          <a:chOff x="0" y="0"/>
+          <a:chExt cx="0" cy="0"/>
+        </a:xfrm>
+      </p:grpSpPr>
       <p:sp>
         <p:nvSpPr>
           <p:cNvPr id="2" name="Title 1"/>
@@ -18787,6 +18373,7 @@
         <p:spPr/>
         <p:txBody>
           <a:bodyPr/>
+          <a:lstStyle/>
           <a:p>
             <a:r>
               <a:rPr lang="en-US" sz="4400">
@@ -18815,25 +18402,68 @@
         </p:nvGraphicFramePr>
         <p:xfrm>
           <a:off x="324339" y="1014414"/>
-          <a:ext cx="11611610" cy="4739427"/>
+          <a:ext cx="11611610" cy="5334773"/>
         </p:xfrm>
         <a:graphic>
           <a:graphicData uri="http://schemas.openxmlformats.org/drawingml/2006/table">
             <a:tbl>
               <a:tblPr firstRow="1" firstCol="1" bandRow="1"/>
               <a:tblGrid>
-                <a:gridCol w="710565"/>
-                <a:gridCol w="2692400"/>
-                <a:gridCol w="2452370"/>
-                <a:gridCol w="1633220"/>
-                <a:gridCol w="1785620"/>
-                <a:gridCol w="1167130"/>
-                <a:gridCol w="1170305"/>
+                <a:gridCol w="710565">
+                  <a:extLst>
+                    <a:ext uri="{9D8B030D-6E8A-4147-A177-3AD203B41FA5}">
+                      <a16:colId xmlns:a16="http://schemas.microsoft.com/office/drawing/2014/main" val="20000"/>
+                    </a:ext>
+                  </a:extLst>
+                </a:gridCol>
+                <a:gridCol w="2692400">
+                  <a:extLst>
+                    <a:ext uri="{9D8B030D-6E8A-4147-A177-3AD203B41FA5}">
+                      <a16:colId xmlns:a16="http://schemas.microsoft.com/office/drawing/2014/main" val="20001"/>
+                    </a:ext>
+                  </a:extLst>
+                </a:gridCol>
+                <a:gridCol w="2452370">
+                  <a:extLst>
+                    <a:ext uri="{9D8B030D-6E8A-4147-A177-3AD203B41FA5}">
+                      <a16:colId xmlns:a16="http://schemas.microsoft.com/office/drawing/2014/main" val="20002"/>
+                    </a:ext>
+                  </a:extLst>
+                </a:gridCol>
+                <a:gridCol w="1633220">
+                  <a:extLst>
+                    <a:ext uri="{9D8B030D-6E8A-4147-A177-3AD203B41FA5}">
+                      <a16:colId xmlns:a16="http://schemas.microsoft.com/office/drawing/2014/main" val="20003"/>
+                    </a:ext>
+                  </a:extLst>
+                </a:gridCol>
+                <a:gridCol w="1785620">
+                  <a:extLst>
+                    <a:ext uri="{9D8B030D-6E8A-4147-A177-3AD203B41FA5}">
+                      <a16:colId xmlns:a16="http://schemas.microsoft.com/office/drawing/2014/main" val="20004"/>
+                    </a:ext>
+                  </a:extLst>
+                </a:gridCol>
+                <a:gridCol w="1167130">
+                  <a:extLst>
+                    <a:ext uri="{9D8B030D-6E8A-4147-A177-3AD203B41FA5}">
+                      <a16:colId xmlns:a16="http://schemas.microsoft.com/office/drawing/2014/main" val="20005"/>
+                    </a:ext>
+                  </a:extLst>
+                </a:gridCol>
+                <a:gridCol w="1170305">
+                  <a:extLst>
+                    <a:ext uri="{9D8B030D-6E8A-4147-A177-3AD203B41FA5}">
+                      <a16:colId xmlns:a16="http://schemas.microsoft.com/office/drawing/2014/main" val="20006"/>
+                    </a:ext>
+                  </a:extLst>
+                </a:gridCol>
               </a:tblGrid>
               <a:tr h="251539">
                 <a:tc rowSpan="2">
                   <a:txBody>
                     <a:bodyPr/>
+                    <a:lstStyle/>
                     <a:p>
                       <a:pPr marL="0" marR="0" algn="ctr">
                         <a:lnSpc>
@@ -18855,12 +18485,6 @@
                         </a:rPr>
                         <a:t>Id</a:t>
                       </a:r>
-                      <a:endParaRPr lang="en-IN" sz="1400" b="0" dirty="0">
-                        <a:effectLst/>
-                        <a:latin typeface="Times New Roman Regular" panose="02020603050405020304" charset="0"/>
-                        <a:ea typeface="Times New Roman" panose="02020603050405020304"/>
-                        <a:cs typeface="Times New Roman Regular" panose="02020603050405020304" charset="0"/>
-                      </a:endParaRPr>
                     </a:p>
                   </a:txBody>
                   <a:tcPr marL="40350" marR="40350" marT="27212" marB="0">
@@ -18913,6 +18537,7 @@
                 <a:tc rowSpan="2">
                   <a:txBody>
                     <a:bodyPr/>
+                    <a:lstStyle/>
                     <a:p>
                       <a:pPr marL="50800" marR="0" algn="ctr">
                         <a:lnSpc>
@@ -18934,12 +18559,6 @@
                         </a:rPr>
                         <a:t>Test Case</a:t>
                       </a:r>
-                      <a:endParaRPr lang="en-IN" sz="1400" b="0" dirty="0">
-                        <a:effectLst/>
-                        <a:latin typeface="Times New Roman Regular" panose="02020603050405020304" charset="0"/>
-                        <a:ea typeface="Times New Roman" panose="02020603050405020304"/>
-                        <a:cs typeface="Times New Roman Regular" panose="02020603050405020304" charset="0"/>
-                      </a:endParaRPr>
                     </a:p>
                     <a:p>
                       <a:pPr marL="0" marR="0" algn="ctr">
@@ -18962,12 +18581,6 @@
                         </a:rPr>
                         <a:t>Description</a:t>
                       </a:r>
-                      <a:endParaRPr lang="en-IN" sz="1400" b="0" dirty="0">
-                        <a:effectLst/>
-                        <a:latin typeface="Times New Roman Regular" panose="02020603050405020304" charset="0"/>
-                        <a:ea typeface="Times New Roman" panose="02020603050405020304"/>
-                        <a:cs typeface="Times New Roman Regular" panose="02020603050405020304" charset="0"/>
-                      </a:endParaRPr>
                     </a:p>
                   </a:txBody>
                   <a:tcPr marL="40350" marR="40350" marT="27212" marB="0">
@@ -19020,6 +18633,7 @@
                 <a:tc rowSpan="2">
                   <a:txBody>
                     <a:bodyPr/>
+                    <a:lstStyle/>
                     <a:p>
                       <a:pPr marL="50800" marR="0" algn="ctr">
                         <a:lnSpc>
@@ -19041,12 +18655,6 @@
                         </a:rPr>
                         <a:t>Test Case</a:t>
                       </a:r>
-                      <a:endParaRPr lang="en-IN" sz="1400" b="0" dirty="0">
-                        <a:effectLst/>
-                        <a:latin typeface="Times New Roman Regular" panose="02020603050405020304" charset="0"/>
-                        <a:ea typeface="Times New Roman" panose="02020603050405020304"/>
-                        <a:cs typeface="Times New Roman Regular" panose="02020603050405020304" charset="0"/>
-                      </a:endParaRPr>
                     </a:p>
                     <a:p>
                       <a:pPr marL="0" marR="0" algn="ctr">
@@ -19069,12 +18677,6 @@
                         </a:rPr>
                         <a:t>Input</a:t>
                       </a:r>
-                      <a:endParaRPr lang="en-IN" sz="1400" b="0" dirty="0">
-                        <a:effectLst/>
-                        <a:latin typeface="Times New Roman Regular" panose="02020603050405020304" charset="0"/>
-                        <a:ea typeface="Times New Roman" panose="02020603050405020304"/>
-                        <a:cs typeface="Times New Roman Regular" panose="02020603050405020304" charset="0"/>
-                      </a:endParaRPr>
                     </a:p>
                   </a:txBody>
                   <a:tcPr marL="40350" marR="40350" marT="27212" marB="0">
@@ -19127,6 +18729,7 @@
                 <a:tc gridSpan="2">
                   <a:txBody>
                     <a:bodyPr/>
+                    <a:lstStyle/>
                     <a:p>
                       <a:pPr marL="0" marR="0" algn="ctr">
                         <a:lnSpc>
@@ -19148,12 +18751,6 @@
                         </a:rPr>
                         <a:t>Test Results</a:t>
                       </a:r>
-                      <a:endParaRPr lang="en-IN" sz="1400" b="0">
-                        <a:effectLst/>
-                        <a:latin typeface="Times New Roman Regular" panose="02020603050405020304" charset="0"/>
-                        <a:ea typeface="Times New Roman" panose="02020603050405020304"/>
-                        <a:cs typeface="Times New Roman Regular" panose="02020603050405020304" charset="0"/>
-                      </a:endParaRPr>
                     </a:p>
                   </a:txBody>
                   <a:tcPr marL="50672" marR="50672" marT="0" marB="0">
@@ -19204,11 +18801,19 @@
                   </a:tcPr>
                 </a:tc>
                 <a:tc hMerge="1">
+                  <a:txBody>
+                    <a:bodyPr/>
+                    <a:lstStyle/>
+                    <a:p>
+                      <a:endParaRPr lang="en-US"/>
+                    </a:p>
+                  </a:txBody>
                   <a:tcPr/>
                 </a:tc>
                 <a:tc rowSpan="2">
                   <a:txBody>
                     <a:bodyPr/>
+                    <a:lstStyle/>
                     <a:p>
                       <a:pPr marL="0" marR="0" algn="ctr">
                         <a:lnSpc>
@@ -19230,12 +18835,6 @@
                         </a:rPr>
                         <a:t>Status</a:t>
                       </a:r>
-                      <a:endParaRPr lang="en-IN" sz="1400" b="0">
-                        <a:effectLst/>
-                        <a:latin typeface="Times New Roman Regular" panose="02020603050405020304" charset="0"/>
-                        <a:ea typeface="Times New Roman" panose="02020603050405020304"/>
-                        <a:cs typeface="Times New Roman Regular" panose="02020603050405020304" charset="0"/>
-                      </a:endParaRPr>
                     </a:p>
                   </a:txBody>
                   <a:tcPr marL="50672" marR="50672" marT="0" marB="0">
@@ -19288,6 +18887,7 @@
                 <a:tc rowSpan="2">
                   <a:txBody>
                     <a:bodyPr/>
+                    <a:lstStyle/>
                     <a:p>
                       <a:pPr marL="0" marR="0" algn="ctr">
                         <a:lnSpc>
@@ -19309,12 +18909,6 @@
                         </a:rPr>
                         <a:t>Corrective</a:t>
                       </a:r>
-                      <a:endParaRPr lang="en-IN" sz="1400" b="0" dirty="0">
-                        <a:effectLst/>
-                        <a:latin typeface="Times New Roman Regular" panose="02020603050405020304" charset="0"/>
-                        <a:ea typeface="Times New Roman" panose="02020603050405020304"/>
-                        <a:cs typeface="Times New Roman Regular" panose="02020603050405020304" charset="0"/>
-                      </a:endParaRPr>
                     </a:p>
                     <a:p>
                       <a:pPr marL="0" marR="0" algn="ctr">
@@ -19337,12 +18931,6 @@
                         </a:rPr>
                         <a:t>Measure</a:t>
                       </a:r>
-                      <a:endParaRPr lang="en-IN" sz="1400" b="0" dirty="0">
-                        <a:effectLst/>
-                        <a:latin typeface="Times New Roman Regular" panose="02020603050405020304" charset="0"/>
-                        <a:ea typeface="Times New Roman" panose="02020603050405020304"/>
-                        <a:cs typeface="Times New Roman Regular" panose="02020603050405020304" charset="0"/>
-                      </a:endParaRPr>
                     </a:p>
                   </a:txBody>
                   <a:tcPr marL="40350" marR="40350" marT="27212" marB="0">
@@ -19392,20 +18980,47 @@
                     </a:pattFill>
                   </a:tcPr>
                 </a:tc>
+                <a:extLst>
+                  <a:ext uri="{0D108BD9-81ED-4DB2-BD59-A6C34878D82A}">
+                    <a16:rowId xmlns:a16="http://schemas.microsoft.com/office/drawing/2014/main" val="10000"/>
+                  </a:ext>
+                </a:extLst>
               </a:tr>
               <a:tr h="251539">
                 <a:tc vMerge="1">
+                  <a:txBody>
+                    <a:bodyPr/>
+                    <a:lstStyle/>
+                    <a:p>
+                      <a:endParaRPr lang="en-US"/>
+                    </a:p>
+                  </a:txBody>
                   <a:tcPr/>
                 </a:tc>
                 <a:tc vMerge="1">
+                  <a:txBody>
+                    <a:bodyPr/>
+                    <a:lstStyle/>
+                    <a:p>
+                      <a:endParaRPr lang="en-US"/>
+                    </a:p>
+                  </a:txBody>
                   <a:tcPr/>
                 </a:tc>
                 <a:tc vMerge="1">
+                  <a:txBody>
+                    <a:bodyPr/>
+                    <a:lstStyle/>
+                    <a:p>
+                      <a:endParaRPr lang="en-US"/>
+                    </a:p>
+                  </a:txBody>
                   <a:tcPr/>
                 </a:tc>
                 <a:tc>
                   <a:txBody>
                     <a:bodyPr/>
+                    <a:lstStyle/>
                     <a:p>
                       <a:pPr marL="0" marR="0" algn="ctr">
                         <a:lnSpc>
@@ -19427,12 +19042,6 @@
                         </a:rPr>
                         <a:t>Expected</a:t>
                       </a:r>
-                      <a:endParaRPr lang="en-IN" sz="1400" b="0" dirty="0">
-                        <a:effectLst/>
-                        <a:latin typeface="Times New Roman Regular" panose="02020603050405020304" charset="0"/>
-                        <a:ea typeface="Times New Roman" panose="02020603050405020304"/>
-                        <a:cs typeface="Times New Roman Regular" panose="02020603050405020304" charset="0"/>
-                      </a:endParaRPr>
                     </a:p>
                   </a:txBody>
                   <a:tcPr marL="50672" marR="50672" marT="0" marB="0">
@@ -19485,6 +19094,7 @@
                 <a:tc>
                   <a:txBody>
                     <a:bodyPr/>
+                    <a:lstStyle/>
                     <a:p>
                       <a:pPr marL="0" marR="0" algn="ctr">
                         <a:lnSpc>
@@ -19506,12 +19116,6 @@
                         </a:rPr>
                         <a:t>Actual</a:t>
                       </a:r>
-                      <a:endParaRPr lang="en-IN" sz="1400" b="0" dirty="0">
-                        <a:effectLst/>
-                        <a:latin typeface="Times New Roman Regular" panose="02020603050405020304" charset="0"/>
-                        <a:ea typeface="Times New Roman" panose="02020603050405020304"/>
-                        <a:cs typeface="Times New Roman Regular" panose="02020603050405020304" charset="0"/>
-                      </a:endParaRPr>
                     </a:p>
                   </a:txBody>
                   <a:tcPr marL="50672" marR="50672" marT="0" marB="0">
@@ -19562,16 +19166,36 @@
                   </a:tcPr>
                 </a:tc>
                 <a:tc vMerge="1">
+                  <a:txBody>
+                    <a:bodyPr/>
+                    <a:lstStyle/>
+                    <a:p>
+                      <a:endParaRPr lang="en-US"/>
+                    </a:p>
+                  </a:txBody>
                   <a:tcPr/>
                 </a:tc>
                 <a:tc vMerge="1">
+                  <a:txBody>
+                    <a:bodyPr/>
+                    <a:lstStyle/>
+                    <a:p>
+                      <a:endParaRPr lang="en-US"/>
+                    </a:p>
+                  </a:txBody>
                   <a:tcPr/>
                 </a:tc>
+                <a:extLst>
+                  <a:ext uri="{0D108BD9-81ED-4DB2-BD59-A6C34878D82A}">
+                    <a16:rowId xmlns:a16="http://schemas.microsoft.com/office/drawing/2014/main" val="10001"/>
+                  </a:ext>
+                </a:extLst>
               </a:tr>
               <a:tr h="885190">
                 <a:tc>
                   <a:txBody>
                     <a:bodyPr/>
+                    <a:lstStyle/>
                     <a:p>
                       <a:pPr marL="0" marR="0" lvl="0" indent="0" algn="ctr">
                         <a:lnSpc>
@@ -19595,12 +19219,6 @@
                         </a:rPr>
                         <a:t>6</a:t>
                       </a:r>
-                      <a:endParaRPr lang="en-US" altLang="en-IN" sz="1400" b="0" dirty="0">
-                        <a:effectLst/>
-                        <a:latin typeface="Times New Roman Regular" panose="02020603050405020304" charset="0"/>
-                        <a:ea typeface="Times New Roman" panose="02020603050405020304"/>
-                        <a:cs typeface="Times New Roman Regular" panose="02020603050405020304" charset="0"/>
-                      </a:endParaRPr>
                     </a:p>
                   </a:txBody>
                   <a:tcPr marL="40350" marR="40350" marT="27212" marB="0">
@@ -19645,6 +19263,7 @@
                 <a:tc>
                   <a:txBody>
                     <a:bodyPr/>
+                    <a:lstStyle/>
                     <a:p>
                       <a:pPr marL="0" marR="0">
                         <a:lnSpc>
@@ -19666,12 +19285,6 @@
                         </a:rPr>
                         <a:t>admin can access the admin dashboard as well as wp admin page</a:t>
                       </a:r>
-                      <a:endParaRPr lang="en-US" altLang="en-IN" sz="1400" b="0" dirty="0">
-                        <a:effectLst/>
-                        <a:latin typeface="Times New Roman Regular" panose="02020603050405020304" charset="0"/>
-                        <a:ea typeface="Times New Roman" panose="02020603050405020304"/>
-                        <a:cs typeface="Times New Roman Regular" panose="02020603050405020304" charset="0"/>
-                      </a:endParaRPr>
                     </a:p>
                   </a:txBody>
                   <a:tcPr marL="40350" marR="40350" marT="27212" marB="0">
@@ -19716,6 +19329,7 @@
                 <a:tc>
                   <a:txBody>
                     <a:bodyPr/>
+                    <a:lstStyle/>
                     <a:p>
                       <a:pPr marL="0" marR="0">
                         <a:lnSpc>
@@ -19737,12 +19351,6 @@
                         </a:rPr>
                         <a:t>login with admin and using admin dashboard</a:t>
                       </a:r>
-                      <a:endParaRPr lang="en-US" altLang="en-IN" sz="1400" b="0">
-                        <a:effectLst/>
-                        <a:latin typeface="Times New Roman Regular" panose="02020603050405020304" charset="0"/>
-                        <a:ea typeface="Times New Roman" panose="02020603050405020304"/>
-                        <a:cs typeface="Times New Roman Regular" panose="02020603050405020304" charset="0"/>
-                      </a:endParaRPr>
                     </a:p>
                   </a:txBody>
                   <a:tcPr marL="40350" marR="40350" marT="27212" marB="0">
@@ -19787,6 +19395,7 @@
                 <a:tc>
                   <a:txBody>
                     <a:bodyPr/>
+                    <a:lstStyle/>
                     <a:p>
                       <a:pPr marL="0" marR="0">
                         <a:lnSpc>
@@ -19808,12 +19417,6 @@
                         </a:rPr>
                         <a:t>admins can use it</a:t>
                       </a:r>
-                      <a:endParaRPr lang="en-US" altLang="en-IN" sz="1400" b="0">
-                        <a:effectLst/>
-                        <a:latin typeface="Times New Roman Regular" panose="02020603050405020304" charset="0"/>
-                        <a:ea typeface="Times New Roman" panose="02020603050405020304"/>
-                        <a:cs typeface="Times New Roman Regular" panose="02020603050405020304" charset="0"/>
-                      </a:endParaRPr>
                     </a:p>
                   </a:txBody>
                   <a:tcPr marL="50672" marR="50672" marT="0" marB="0">
@@ -19858,6 +19461,7 @@
                 <a:tc>
                   <a:txBody>
                     <a:bodyPr/>
+                    <a:lstStyle/>
                     <a:p>
                       <a:pPr marL="0" marR="0" indent="0">
                         <a:lnSpc>
@@ -19882,12 +19486,6 @@
                         </a:rPr>
                         <a:t>admins can use it</a:t>
                       </a:r>
-                      <a:endParaRPr lang="en-US" altLang="en-IN" sz="1400" b="0" dirty="0">
-                        <a:effectLst/>
-                        <a:latin typeface="Times New Roman Regular" panose="02020603050405020304" charset="0"/>
-                        <a:ea typeface="Times New Roman" panose="02020603050405020304"/>
-                        <a:cs typeface="Times New Roman Regular" panose="02020603050405020304" charset="0"/>
-                      </a:endParaRPr>
                     </a:p>
                   </a:txBody>
                   <a:tcPr marL="50672" marR="50672" marT="0" marB="0">
@@ -19932,6 +19530,7 @@
                 <a:tc>
                   <a:txBody>
                     <a:bodyPr/>
+                    <a:lstStyle/>
                     <a:p>
                       <a:pPr marL="0" marR="0" algn="ctr">
                         <a:lnSpc>
@@ -19953,12 +19552,6 @@
                         </a:rPr>
                         <a:t>Pass</a:t>
                       </a:r>
-                      <a:endParaRPr lang="en-IN" sz="1400" b="0" dirty="0">
-                        <a:effectLst/>
-                        <a:latin typeface="Times New Roman Regular" panose="02020603050405020304" charset="0"/>
-                        <a:ea typeface="Times New Roman" panose="02020603050405020304"/>
-                        <a:cs typeface="Times New Roman Regular" panose="02020603050405020304" charset="0"/>
-                      </a:endParaRPr>
                     </a:p>
                   </a:txBody>
                   <a:tcPr marL="50672" marR="50672" marT="0" marB="0">
@@ -20003,6 +19596,7 @@
                 <a:tc>
                   <a:txBody>
                     <a:bodyPr/>
+                    <a:lstStyle/>
                     <a:p>
                       <a:pPr marL="0" marR="0" algn="ctr">
                         <a:lnSpc>
@@ -20024,12 +19618,6 @@
                         </a:rPr>
                         <a:t>None</a:t>
                       </a:r>
-                      <a:endParaRPr lang="en-IN" sz="1400" b="0" dirty="0">
-                        <a:effectLst/>
-                        <a:latin typeface="Times New Roman Regular" panose="02020603050405020304" charset="0"/>
-                        <a:ea typeface="Times New Roman" panose="02020603050405020304"/>
-                        <a:cs typeface="Times New Roman Regular" panose="02020603050405020304" charset="0"/>
-                      </a:endParaRPr>
                     </a:p>
                   </a:txBody>
                   <a:tcPr marL="40350" marR="40350" marT="27212" marB="0">
@@ -20071,11 +19659,17 @@
                     </a:lnB>
                   </a:tcPr>
                 </a:tc>
+                <a:extLst>
+                  <a:ext uri="{0D108BD9-81ED-4DB2-BD59-A6C34878D82A}">
+                    <a16:rowId xmlns:a16="http://schemas.microsoft.com/office/drawing/2014/main" val="10002"/>
+                  </a:ext>
+                </a:extLst>
               </a:tr>
               <a:tr h="672094">
                 <a:tc>
                   <a:txBody>
                     <a:bodyPr/>
+                    <a:lstStyle/>
                     <a:p>
                       <a:pPr marL="0" marR="0" lvl="0" indent="0" algn="ctr">
                         <a:lnSpc>
@@ -20099,12 +19693,6 @@
                         </a:rPr>
                         <a:t>7</a:t>
                       </a:r>
-                      <a:endParaRPr lang="en-US" altLang="en-IN" sz="1400" b="0" dirty="0">
-                        <a:effectLst/>
-                        <a:latin typeface="Times New Roman Regular" panose="02020603050405020304" charset="0"/>
-                        <a:ea typeface="Times New Roman" panose="02020603050405020304"/>
-                        <a:cs typeface="Times New Roman Regular" panose="02020603050405020304" charset="0"/>
-                      </a:endParaRPr>
                     </a:p>
                   </a:txBody>
                   <a:tcPr marL="40350" marR="40350" marT="27212" marB="0">
@@ -20149,6 +19737,7 @@
                 <a:tc>
                   <a:txBody>
                     <a:bodyPr/>
+                    <a:lstStyle/>
                     <a:p>
                       <a:pPr marL="0" marR="0">
                         <a:lnSpc>
@@ -20170,12 +19759,6 @@
                         </a:rPr>
                         <a:t>contributers can access the admin dashboard but not the wp admin page</a:t>
                       </a:r>
-                      <a:endParaRPr lang="en-US" altLang="en-IN" sz="1400" b="0" dirty="0">
-                        <a:effectLst/>
-                        <a:latin typeface="Times New Roman Regular" panose="02020603050405020304" charset="0"/>
-                        <a:ea typeface="Times New Roman" panose="02020603050405020304"/>
-                        <a:cs typeface="Times New Roman Regular" panose="02020603050405020304" charset="0"/>
-                      </a:endParaRPr>
                     </a:p>
                   </a:txBody>
                   <a:tcPr marL="40350" marR="40350" marT="27212" marB="0">
@@ -20220,6 +19803,7 @@
                 <a:tc>
                   <a:txBody>
                     <a:bodyPr/>
+                    <a:lstStyle/>
                     <a:p>
                       <a:pPr marL="0" marR="0">
                         <a:lnSpc>
@@ -20241,12 +19825,6 @@
                         </a:rPr>
                         <a:t>login with contributer and using admin dashbaord and using wp admin page</a:t>
                       </a:r>
-                      <a:endParaRPr lang="en-US" altLang="en-IN" sz="1400" b="0">
-                        <a:effectLst/>
-                        <a:latin typeface="Times New Roman Regular" panose="02020603050405020304" charset="0"/>
-                        <a:ea typeface="Times New Roman" panose="02020603050405020304"/>
-                        <a:cs typeface="Times New Roman Regular" panose="02020603050405020304" charset="0"/>
-                      </a:endParaRPr>
                     </a:p>
                   </a:txBody>
                   <a:tcPr marL="40350" marR="40350" marT="27212" marB="0">
@@ -20291,6 +19869,7 @@
                 <a:tc>
                   <a:txBody>
                     <a:bodyPr/>
+                    <a:lstStyle/>
                     <a:p>
                       <a:pPr marL="0" marR="0">
                         <a:lnSpc>
@@ -20312,12 +19891,6 @@
                         </a:rPr>
                         <a:t>Succeed in both the panels</a:t>
                       </a:r>
-                      <a:endParaRPr lang="en-US" altLang="en-IN" sz="1400" b="0" dirty="0">
-                        <a:effectLst/>
-                        <a:latin typeface="Times New Roman Regular" panose="02020603050405020304" charset="0"/>
-                        <a:ea typeface="Times New Roman" panose="02020603050405020304"/>
-                        <a:cs typeface="Times New Roman Regular" panose="02020603050405020304" charset="0"/>
-                      </a:endParaRPr>
                     </a:p>
                   </a:txBody>
                   <a:tcPr marL="50672" marR="50672" marT="0" marB="0">
@@ -20362,6 +19935,7 @@
                 <a:tc>
                   <a:txBody>
                     <a:bodyPr/>
+                    <a:lstStyle/>
                     <a:p>
                       <a:pPr marL="0" marR="0">
                         <a:lnSpc>
@@ -20384,13 +19958,6 @@
                         </a:rPr>
                         <a:t>success use at admin dashboard but not wp admin</a:t>
                       </a:r>
-                      <a:endParaRPr lang="en-US" altLang="en-IN" sz="1400" b="0" dirty="0">
-                        <a:effectLst/>
-                        <a:latin typeface="Times New Roman Regular" panose="02020603050405020304" charset="0"/>
-                        <a:ea typeface="Times New Roman" panose="02020603050405020304"/>
-                        <a:cs typeface="Times New Roman Regular" panose="02020603050405020304" charset="0"/>
-                        <a:sym typeface="+mn-ea"/>
-                      </a:endParaRPr>
                     </a:p>
                   </a:txBody>
                   <a:tcPr marL="50672" marR="50672" marT="0" marB="0">
@@ -20435,6 +20002,7 @@
                 <a:tc>
                   <a:txBody>
                     <a:bodyPr/>
+                    <a:lstStyle/>
                     <a:p>
                       <a:pPr marL="0" marR="0" algn="ctr">
                         <a:lnSpc>
@@ -20456,12 +20024,6 @@
                         </a:rPr>
                         <a:t>Fail</a:t>
                       </a:r>
-                      <a:endParaRPr lang="en-US" altLang="en-IN" sz="1400" b="0">
-                        <a:effectLst/>
-                        <a:latin typeface="Times New Roman Regular" panose="02020603050405020304" charset="0"/>
-                        <a:ea typeface="Times New Roman" panose="02020603050405020304"/>
-                        <a:cs typeface="Times New Roman Regular" panose="02020603050405020304" charset="0"/>
-                      </a:endParaRPr>
                     </a:p>
                   </a:txBody>
                   <a:tcPr marL="50672" marR="50672" marT="0" marB="0">
@@ -20506,6 +20068,7 @@
                 <a:tc>
                   <a:txBody>
                     <a:bodyPr/>
+                    <a:lstStyle/>
                     <a:p>
                       <a:pPr marL="0" marR="0" algn="ctr">
                         <a:lnSpc>
@@ -20527,12 +20090,6 @@
                         </a:rPr>
                         <a:t>None</a:t>
                       </a:r>
-                      <a:endParaRPr lang="en-IN" sz="1400" b="0" dirty="0">
-                        <a:effectLst/>
-                        <a:latin typeface="Times New Roman Regular" panose="02020603050405020304" charset="0"/>
-                        <a:ea typeface="Times New Roman" panose="02020603050405020304"/>
-                        <a:cs typeface="Times New Roman Regular" panose="02020603050405020304" charset="0"/>
-                      </a:endParaRPr>
                     </a:p>
                   </a:txBody>
                   <a:tcPr marL="40350" marR="40350" marT="27212" marB="0">
@@ -20574,11 +20131,17 @@
                     </a:lnB>
                   </a:tcPr>
                 </a:tc>
+                <a:extLst>
+                  <a:ext uri="{0D108BD9-81ED-4DB2-BD59-A6C34878D82A}">
+                    <a16:rowId xmlns:a16="http://schemas.microsoft.com/office/drawing/2014/main" val="10003"/>
+                  </a:ext>
+                </a:extLst>
               </a:tr>
               <a:tr h="706755">
                 <a:tc>
                   <a:txBody>
                     <a:bodyPr/>
+                    <a:lstStyle/>
                     <a:p>
                       <a:pPr marL="0" marR="0" lvl="0" indent="0" algn="ctr">
                         <a:lnSpc>
@@ -20602,12 +20165,6 @@
                         </a:rPr>
                         <a:t>8</a:t>
                       </a:r>
-                      <a:endParaRPr lang="en-US" altLang="en-IN" sz="1400" b="0" dirty="0">
-                        <a:effectLst/>
-                        <a:latin typeface="Times New Roman Regular" panose="02020603050405020304" charset="0"/>
-                        <a:ea typeface="Times New Roman" panose="02020603050405020304"/>
-                        <a:cs typeface="Times New Roman Regular" panose="02020603050405020304" charset="0"/>
-                      </a:endParaRPr>
                     </a:p>
                   </a:txBody>
                   <a:tcPr marL="40350" marR="40350" marT="27212" marB="0">
@@ -20652,6 +20209,7 @@
                 <a:tc>
                   <a:txBody>
                     <a:bodyPr/>
+                    <a:lstStyle/>
                     <a:p>
                       <a:pPr marL="0" marR="0">
                         <a:lnSpc>
@@ -20673,12 +20231,6 @@
                         </a:rPr>
                         <a:t>no user can be made without the approval of admin</a:t>
                       </a:r>
-                      <a:endParaRPr lang="en-US" altLang="en-IN" sz="1400" b="0">
-                        <a:effectLst/>
-                        <a:latin typeface="Times New Roman Regular" panose="02020603050405020304" charset="0"/>
-                        <a:ea typeface="Times New Roman" panose="02020603050405020304"/>
-                        <a:cs typeface="Times New Roman Regular" panose="02020603050405020304" charset="0"/>
-                      </a:endParaRPr>
                     </a:p>
                   </a:txBody>
                   <a:tcPr marL="40350" marR="40350" marT="27212" marB="0">
@@ -20723,6 +20275,7 @@
                 <a:tc>
                   <a:txBody>
                     <a:bodyPr/>
+                    <a:lstStyle/>
                     <a:p>
                       <a:pPr marL="0" marR="0">
                         <a:lnSpc>
@@ -20744,12 +20297,6 @@
                         </a:rPr>
                         <a:t>user approved by admin</a:t>
                       </a:r>
-                      <a:endParaRPr lang="en-US" altLang="en-IN" sz="1400" b="0" dirty="0">
-                        <a:effectLst/>
-                        <a:latin typeface="Times New Roman Regular" panose="02020603050405020304" charset="0"/>
-                        <a:ea typeface="Times New Roman" panose="02020603050405020304"/>
-                        <a:cs typeface="Times New Roman Regular" panose="02020603050405020304" charset="0"/>
-                      </a:endParaRPr>
                     </a:p>
                   </a:txBody>
                   <a:tcPr marL="40350" marR="40350" marT="27212" marB="0">
@@ -20794,6 +20341,7 @@
                 <a:tc>
                   <a:txBody>
                     <a:bodyPr/>
+                    <a:lstStyle/>
                     <a:p>
                       <a:pPr marL="0" marR="0">
                         <a:lnSpc>
@@ -20815,12 +20363,6 @@
                         </a:rPr>
                         <a:t>user made successfully</a:t>
                       </a:r>
-                      <a:endParaRPr lang="en-US" altLang="en-IN" sz="1400" b="0" dirty="0">
-                        <a:effectLst/>
-                        <a:latin typeface="Times New Roman Regular" panose="02020603050405020304" charset="0"/>
-                        <a:ea typeface="Times New Roman" panose="02020603050405020304"/>
-                        <a:cs typeface="Times New Roman Regular" panose="02020603050405020304" charset="0"/>
-                      </a:endParaRPr>
                     </a:p>
                   </a:txBody>
                   <a:tcPr marL="50672" marR="50672" marT="0" marB="0">
@@ -20865,6 +20407,7 @@
                 <a:tc>
                   <a:txBody>
                     <a:bodyPr/>
+                    <a:lstStyle/>
                     <a:p>
                       <a:pPr marL="0" marR="0">
                         <a:lnSpc>
@@ -20886,12 +20429,6 @@
                         </a:rPr>
                         <a:t>user made successfully</a:t>
                       </a:r>
-                      <a:endParaRPr lang="en-US" altLang="en-IN" sz="1400" b="0">
-                        <a:effectLst/>
-                        <a:latin typeface="Times New Roman Regular" panose="02020603050405020304" charset="0"/>
-                        <a:ea typeface="Times New Roman" panose="02020603050405020304"/>
-                        <a:cs typeface="Times New Roman Regular" panose="02020603050405020304" charset="0"/>
-                      </a:endParaRPr>
                     </a:p>
                   </a:txBody>
                   <a:tcPr marL="50672" marR="50672" marT="0" marB="0">
@@ -20936,6 +20473,7 @@
                 <a:tc>
                   <a:txBody>
                     <a:bodyPr/>
+                    <a:lstStyle/>
                     <a:p>
                       <a:pPr marL="0" marR="0" algn="ctr">
                         <a:lnSpc>
@@ -20957,12 +20495,6 @@
                         </a:rPr>
                         <a:t>Pass</a:t>
                       </a:r>
-                      <a:endParaRPr lang="en-IN" sz="1400" b="0">
-                        <a:effectLst/>
-                        <a:latin typeface="Times New Roman Regular" panose="02020603050405020304" charset="0"/>
-                        <a:ea typeface="Times New Roman" panose="02020603050405020304"/>
-                        <a:cs typeface="Times New Roman Regular" panose="02020603050405020304" charset="0"/>
-                      </a:endParaRPr>
                     </a:p>
                   </a:txBody>
                   <a:tcPr marL="50672" marR="50672" marT="0" marB="0">
@@ -21007,6 +20539,7 @@
                 <a:tc>
                   <a:txBody>
                     <a:bodyPr/>
+                    <a:lstStyle/>
                     <a:p>
                       <a:pPr marL="0" marR="0" algn="ctr">
                         <a:lnSpc>
@@ -21028,12 +20561,6 @@
                         </a:rPr>
                         <a:t>None</a:t>
                       </a:r>
-                      <a:endParaRPr lang="en-IN" sz="1400" b="0" dirty="0">
-                        <a:effectLst/>
-                        <a:latin typeface="Times New Roman Regular" panose="02020603050405020304" charset="0"/>
-                        <a:ea typeface="Times New Roman" panose="02020603050405020304"/>
-                        <a:cs typeface="Times New Roman Regular" panose="02020603050405020304" charset="0"/>
-                      </a:endParaRPr>
                     </a:p>
                   </a:txBody>
                   <a:tcPr marL="40350" marR="40350" marT="27212" marB="0">
@@ -21075,11 +20602,17 @@
                     </a:lnB>
                   </a:tcPr>
                 </a:tc>
+                <a:extLst>
+                  <a:ext uri="{0D108BD9-81ED-4DB2-BD59-A6C34878D82A}">
+                    <a16:rowId xmlns:a16="http://schemas.microsoft.com/office/drawing/2014/main" val="10004"/>
+                  </a:ext>
+                </a:extLst>
               </a:tr>
               <a:tr h="706755">
                 <a:tc>
                   <a:txBody>
                     <a:bodyPr/>
+                    <a:lstStyle/>
                     <a:p>
                       <a:pPr marL="0" marR="0" lvl="0" indent="0" algn="ctr">
                         <a:lnSpc>
@@ -21103,12 +20636,6 @@
                         </a:rPr>
                         <a:t>9</a:t>
                       </a:r>
-                      <a:endParaRPr lang="en-US" altLang="en-IN" sz="1400" b="0" dirty="0">
-                        <a:effectLst/>
-                        <a:latin typeface="Times New Roman Regular" panose="02020603050405020304" charset="0"/>
-                        <a:ea typeface="Times New Roman" panose="02020603050405020304"/>
-                        <a:cs typeface="Times New Roman Regular" panose="02020603050405020304" charset="0"/>
-                      </a:endParaRPr>
                     </a:p>
                   </a:txBody>
                   <a:tcPr marL="40350" marR="40350" marT="27212" marB="0">
@@ -21153,6 +20680,7 @@
                 <a:tc>
                   <a:txBody>
                     <a:bodyPr/>
+                    <a:lstStyle/>
                     <a:p>
                       <a:pPr marL="0" marR="0">
                         <a:lnSpc>
@@ -21175,12 +20703,6 @@
                         </a:rPr>
                         <a:t>user can’t update or change the values of reserch paper of any other user.</a:t>
                       </a:r>
-                      <a:endParaRPr lang="en-US" altLang="en-IN" sz="1400" b="0">
-                        <a:effectLst/>
-                        <a:latin typeface="Times New Roman Regular" panose="02020603050405020304" charset="0"/>
-                        <a:ea typeface="Times New Roman" panose="02020603050405020304"/>
-                        <a:cs typeface="Times New Roman Regular" panose="02020603050405020304" charset="0"/>
-                      </a:endParaRPr>
                     </a:p>
                   </a:txBody>
                   <a:tcPr marL="40350" marR="40350" marT="27212" marB="0">
@@ -21225,6 +20747,7 @@
                 <a:tc>
                   <a:txBody>
                     <a:bodyPr/>
+                    <a:lstStyle/>
                     <a:p>
                       <a:pPr marL="0" marR="0">
                         <a:lnSpc>
@@ -21247,12 +20770,6 @@
                         </a:rPr>
                         <a:t>form can’t be filled</a:t>
                       </a:r>
-                      <a:endParaRPr lang="en-US" altLang="en-IN" sz="1400" b="0" dirty="0">
-                        <a:effectLst/>
-                        <a:latin typeface="Times New Roman Regular" panose="02020603050405020304" charset="0"/>
-                        <a:ea typeface="Times New Roman" panose="02020603050405020304"/>
-                        <a:cs typeface="Times New Roman Regular" panose="02020603050405020304" charset="0"/>
-                      </a:endParaRPr>
                     </a:p>
                     <a:p>
                       <a:pPr marL="0" marR="0">
@@ -21276,12 +20793,6 @@
                         </a:rPr>
                         <a:t>as select box is showing only that paper id which is created by that user.</a:t>
                       </a:r>
-                      <a:endParaRPr lang="en-US" altLang="en-IN" sz="1400" b="0" dirty="0">
-                        <a:effectLst/>
-                        <a:latin typeface="Times New Roman Regular" panose="02020603050405020304" charset="0"/>
-                        <a:ea typeface="Times New Roman" panose="02020603050405020304"/>
-                        <a:cs typeface="Times New Roman Regular" panose="02020603050405020304" charset="0"/>
-                      </a:endParaRPr>
                     </a:p>
                   </a:txBody>
                   <a:tcPr marL="40350" marR="40350" marT="27212" marB="0">
@@ -21326,6 +20837,7 @@
                 <a:tc>
                   <a:txBody>
                     <a:bodyPr/>
+                    <a:lstStyle/>
                     <a:p>
                       <a:pPr marL="0" marR="0">
                         <a:lnSpc>
@@ -21348,12 +20860,6 @@
                         </a:rPr>
                         <a:t>can’t change others paper</a:t>
                       </a:r>
-                      <a:endParaRPr lang="en-US" altLang="en-IN" sz="1400" b="0" dirty="0">
-                        <a:effectLst/>
-                        <a:latin typeface="Times New Roman Regular" panose="02020603050405020304" charset="0"/>
-                        <a:ea typeface="Times New Roman" panose="02020603050405020304"/>
-                        <a:cs typeface="Times New Roman Regular" panose="02020603050405020304" charset="0"/>
-                      </a:endParaRPr>
                     </a:p>
                   </a:txBody>
                   <a:tcPr marL="50672" marR="50672" marT="0" marB="0">
@@ -21398,6 +20904,7 @@
                 <a:tc>
                   <a:txBody>
                     <a:bodyPr/>
+                    <a:lstStyle/>
                     <a:p>
                       <a:pPr marL="0" marR="0">
                         <a:lnSpc>
@@ -21491,6 +20998,7 @@
                 <a:tc>
                   <a:txBody>
                     <a:bodyPr/>
+                    <a:lstStyle/>
                     <a:p>
                       <a:pPr marL="0" marR="0" algn="ctr">
                         <a:lnSpc>
@@ -21513,12 +21021,6 @@
                         </a:rPr>
                         <a:t>Pass</a:t>
                       </a:r>
-                      <a:endParaRPr lang="en-US" altLang="en-IN" sz="1400" b="0">
-                        <a:effectLst/>
-                        <a:latin typeface="Times New Roman Regular" panose="02020603050405020304" charset="0"/>
-                        <a:ea typeface="Times New Roman" panose="02020603050405020304"/>
-                        <a:cs typeface="Times New Roman Regular" panose="02020603050405020304" charset="0"/>
-                      </a:endParaRPr>
                     </a:p>
                   </a:txBody>
                   <a:tcPr marL="50672" marR="50672" marT="0" marB="0">
@@ -21563,6 +21065,7 @@
                 <a:tc>
                   <a:txBody>
                     <a:bodyPr/>
+                    <a:lstStyle/>
                     <a:p>
                       <a:pPr marL="0" marR="0" algn="ctr">
                         <a:lnSpc>
@@ -21585,12 +21088,6 @@
                         </a:rPr>
                         <a:t>None</a:t>
                       </a:r>
-                      <a:endParaRPr lang="en-US" altLang="en-IN" sz="1400" b="0" dirty="0">
-                        <a:effectLst/>
-                        <a:latin typeface="Times New Roman Regular" panose="02020603050405020304" charset="0"/>
-                        <a:ea typeface="Times New Roman" panose="02020603050405020304"/>
-                        <a:cs typeface="Times New Roman Regular" panose="02020603050405020304" charset="0"/>
-                      </a:endParaRPr>
                     </a:p>
                   </a:txBody>
                   <a:tcPr marL="40350" marR="40350" marT="27212" marB="0">
@@ -21632,11 +21129,17 @@
                     </a:lnB>
                   </a:tcPr>
                 </a:tc>
+                <a:extLst>
+                  <a:ext uri="{0D108BD9-81ED-4DB2-BD59-A6C34878D82A}">
+                    <a16:rowId xmlns:a16="http://schemas.microsoft.com/office/drawing/2014/main" val="10005"/>
+                  </a:ext>
+                </a:extLst>
               </a:tr>
               <a:tr h="1265555">
                 <a:tc>
                   <a:txBody>
                     <a:bodyPr/>
+                    <a:lstStyle/>
                     <a:p>
                       <a:pPr marL="0" marR="0" lvl="0" indent="0" algn="ctr">
                         <a:lnSpc>
@@ -21660,12 +21163,6 @@
                         </a:rPr>
                         <a:t>10</a:t>
                       </a:r>
-                      <a:endParaRPr lang="en-US" altLang="en-IN" sz="1400" b="0" dirty="0">
-                        <a:effectLst/>
-                        <a:latin typeface="Times New Roman Regular" panose="02020603050405020304" charset="0"/>
-                        <a:ea typeface="Times New Roman" panose="02020603050405020304"/>
-                        <a:cs typeface="Times New Roman Regular" panose="02020603050405020304" charset="0"/>
-                      </a:endParaRPr>
                     </a:p>
                   </a:txBody>
                   <a:tcPr marL="40350" marR="40350" marT="27212" marB="0">
@@ -21710,6 +21207,7 @@
                 <a:tc>
                   <a:txBody>
                     <a:bodyPr/>
+                    <a:lstStyle/>
                     <a:p>
                       <a:pPr marL="0" marR="0">
                         <a:lnSpc>
@@ -21732,12 +21230,6 @@
                         </a:rPr>
                         <a:t>user display data is only for the display purpose for the users.</a:t>
                       </a:r>
-                      <a:endParaRPr lang="en-US" altLang="en-IN" sz="1400" b="0">
-                        <a:effectLst/>
-                        <a:latin typeface="Times New Roman Regular" panose="02020603050405020304" charset="0"/>
-                        <a:ea typeface="Times New Roman" panose="02020603050405020304"/>
-                        <a:cs typeface="Times New Roman Regular" panose="02020603050405020304" charset="0"/>
-                      </a:endParaRPr>
                     </a:p>
                     <a:p>
                       <a:pPr marL="0" marR="0">
@@ -21761,12 +21253,6 @@
                         </a:rPr>
                         <a:t>(can be used to download their uploaded reserch paper,ppt,plagiarism)</a:t>
                       </a:r>
-                      <a:endParaRPr lang="en-US" altLang="en-IN" sz="1400" b="0">
-                        <a:effectLst/>
-                        <a:latin typeface="Times New Roman Regular" panose="02020603050405020304" charset="0"/>
-                        <a:ea typeface="Times New Roman" panose="02020603050405020304"/>
-                        <a:cs typeface="Times New Roman Regular" panose="02020603050405020304" charset="0"/>
-                      </a:endParaRPr>
                     </a:p>
                   </a:txBody>
                   <a:tcPr marL="40350" marR="40350" marT="27212" marB="0">
@@ -21811,6 +21297,7 @@
                 <a:tc>
                   <a:txBody>
                     <a:bodyPr/>
+                    <a:lstStyle/>
                     <a:p>
                       <a:pPr marL="0" marR="0">
                         <a:lnSpc>
@@ -21833,12 +21320,6 @@
                         </a:rPr>
                         <a:t>no input needed</a:t>
                       </a:r>
-                      <a:endParaRPr lang="en-US" altLang="en-IN" sz="1400" b="0" dirty="0">
-                        <a:effectLst/>
-                        <a:latin typeface="Times New Roman Regular" panose="02020603050405020304" charset="0"/>
-                        <a:ea typeface="Times New Roman" panose="02020603050405020304"/>
-                        <a:cs typeface="Times New Roman Regular" panose="02020603050405020304" charset="0"/>
-                      </a:endParaRPr>
                     </a:p>
                   </a:txBody>
                   <a:tcPr marL="40350" marR="40350" marT="27212" marB="0">
@@ -21883,6 +21364,7 @@
                 <a:tc>
                   <a:txBody>
                     <a:bodyPr/>
+                    <a:lstStyle/>
                     <a:p>
                       <a:pPr marL="0" marR="0">
                         <a:lnSpc>
@@ -21905,12 +21387,6 @@
                         </a:rPr>
                         <a:t>data displayed and ready to download</a:t>
                       </a:r>
-                      <a:endParaRPr lang="en-US" altLang="en-IN" sz="1400" b="0" dirty="0">
-                        <a:effectLst/>
-                        <a:latin typeface="Times New Roman Regular" panose="02020603050405020304" charset="0"/>
-                        <a:ea typeface="Times New Roman" panose="02020603050405020304"/>
-                        <a:cs typeface="Times New Roman Regular" panose="02020603050405020304" charset="0"/>
-                      </a:endParaRPr>
                     </a:p>
                   </a:txBody>
                   <a:tcPr marL="50672" marR="50672" marT="0" marB="0">
@@ -21955,6 +21431,7 @@
                 <a:tc>
                   <a:txBody>
                     <a:bodyPr/>
+                    <a:lstStyle/>
                     <a:p>
                       <a:pPr marL="0" marR="0">
                         <a:lnSpc>
@@ -21978,13 +21455,6 @@
                         </a:rPr>
                         <a:t>data displayed and ready to download</a:t>
                       </a:r>
-                      <a:endParaRPr lang="en-US" altLang="en-IN" sz="1400" b="0" dirty="0">
-                        <a:effectLst/>
-                        <a:latin typeface="Times New Roman Regular" panose="02020603050405020304" charset="0"/>
-                        <a:ea typeface="Times New Roman" panose="02020603050405020304"/>
-                        <a:cs typeface="Times New Roman Regular" panose="02020603050405020304" charset="0"/>
-                        <a:sym typeface="+mn-ea"/>
-                      </a:endParaRPr>
                     </a:p>
                   </a:txBody>
                   <a:tcPr marL="50672" marR="50672" marT="0" marB="0">
@@ -22029,6 +21499,7 @@
                 <a:tc>
                   <a:txBody>
                     <a:bodyPr/>
+                    <a:lstStyle/>
                     <a:p>
                       <a:pPr marL="0" marR="0" algn="ctr">
                         <a:lnSpc>
@@ -22051,12 +21522,6 @@
                         </a:rPr>
                         <a:t>Pass</a:t>
                       </a:r>
-                      <a:endParaRPr lang="en-US" altLang="en-IN" sz="1400" b="0">
-                        <a:effectLst/>
-                        <a:latin typeface="Times New Roman Regular" panose="02020603050405020304" charset="0"/>
-                        <a:ea typeface="Times New Roman" panose="02020603050405020304"/>
-                        <a:cs typeface="Times New Roman Regular" panose="02020603050405020304" charset="0"/>
-                      </a:endParaRPr>
                     </a:p>
                   </a:txBody>
                   <a:tcPr marL="50672" marR="50672" marT="0" marB="0">
@@ -22101,6 +21566,7 @@
                 <a:tc>
                   <a:txBody>
                     <a:bodyPr/>
+                    <a:lstStyle/>
                     <a:p>
                       <a:pPr marL="0" marR="0" algn="ctr">
                         <a:lnSpc>
@@ -22123,12 +21589,6 @@
                         </a:rPr>
                         <a:t>None</a:t>
                       </a:r>
-                      <a:endParaRPr lang="en-US" altLang="en-IN" sz="1400" b="0" dirty="0">
-                        <a:effectLst/>
-                        <a:latin typeface="Times New Roman Regular" panose="02020603050405020304" charset="0"/>
-                        <a:ea typeface="Times New Roman" panose="02020603050405020304"/>
-                        <a:cs typeface="Times New Roman Regular" panose="02020603050405020304" charset="0"/>
-                      </a:endParaRPr>
                     </a:p>
                   </a:txBody>
                   <a:tcPr marL="40350" marR="40350" marT="27212" marB="0">
@@ -22170,6 +21630,11 @@
                     </a:lnB>
                   </a:tcPr>
                 </a:tc>
+                <a:extLst>
+                  <a:ext uri="{0D108BD9-81ED-4DB2-BD59-A6C34878D82A}">
+                    <a16:rowId xmlns:a16="http://schemas.microsoft.com/office/drawing/2014/main" val="10006"/>
+                  </a:ext>
+                </a:extLst>
               </a:tr>
             </a:tbl>
           </a:graphicData>
@@ -22183,7 +21648,7 @@
 </p:sld>
 </file>
 
-<file path=ppt/slides/slide27.xml><?xml version="1.0" encoding="utf-8"?>
+<file path=ppt/slides/slide26.xml><?xml version="1.0" encoding="utf-8"?>
 <p:sld xmlns:a="http://schemas.openxmlformats.org/drawingml/2006/main" xmlns:r="http://schemas.openxmlformats.org/officeDocument/2006/relationships" xmlns:p="http://schemas.openxmlformats.org/presentationml/2006/main">
   <p:cSld>
     <p:spTree>
@@ -22192,7 +21657,14 @@
         <p:cNvGrpSpPr/>
         <p:nvPr/>
       </p:nvGrpSpPr>
-      <p:grpSpPr/>
+      <p:grpSpPr>
+        <a:xfrm>
+          <a:off x="0" y="0"/>
+          <a:ext cx="0" cy="0"/>
+          <a:chOff x="0" y="0"/>
+          <a:chExt cx="0" cy="0"/>
+        </a:xfrm>
+      </p:grpSpPr>
       <p:sp>
         <p:nvSpPr>
           <p:cNvPr id="2" name="Title 1"/>
@@ -22206,6 +21678,7 @@
         <p:spPr/>
         <p:txBody>
           <a:bodyPr/>
+          <a:lstStyle/>
           <a:p>
             <a:r>
               <a:rPr lang="en-US" sz="4400">
@@ -22242,113 +21715,281 @@
         </p:spPr>
         <p:txBody>
           <a:bodyPr/>
-          <a:p>
+          <a:lstStyle/>
+          <a:p>
+            <a:r>
+              <a:rPr lang="en-US" sz="2200" dirty="0">
+                <a:latin typeface="Times New Roman Regular" panose="02020603050405020304" charset="0"/>
+                <a:cs typeface="Times New Roman Regular" panose="02020603050405020304" charset="0"/>
+              </a:rPr>
+              <a:t>Our current platform is hindering progress, and we propose a user-friendly website.</a:t>
+            </a:r>
+          </a:p>
+          <a:p>
+            <a:endParaRPr lang="en-US" sz="2200" dirty="0">
+              <a:latin typeface="Times New Roman Regular" panose="02020603050405020304" charset="0"/>
+              <a:cs typeface="Times New Roman Regular" panose="02020603050405020304" charset="0"/>
+            </a:endParaRPr>
+          </a:p>
+          <a:p>
+            <a:r>
+              <a:rPr lang="en-US" sz="2200" dirty="0">
+                <a:latin typeface="Times New Roman Regular" panose="02020603050405020304" charset="0"/>
+                <a:cs typeface="Times New Roman Regular" panose="02020603050405020304" charset="0"/>
+              </a:rPr>
+              <a:t>This includes a clear and accessible database and a streamlined view system.</a:t>
+            </a:r>
+          </a:p>
+          <a:p>
+            <a:endParaRPr lang="en-US" sz="2200" dirty="0">
+              <a:latin typeface="Times New Roman Regular" panose="02020603050405020304" charset="0"/>
+              <a:cs typeface="Times New Roman Regular" panose="02020603050405020304" charset="0"/>
+            </a:endParaRPr>
+          </a:p>
+          <a:p>
+            <a:r>
+              <a:rPr lang="en-US" sz="2200" dirty="0">
+                <a:latin typeface="Times New Roman Regular" panose="02020603050405020304" charset="0"/>
+                <a:cs typeface="Times New Roman Regular" panose="02020603050405020304" charset="0"/>
+              </a:rPr>
+              <a:t>We integrated a WordPress admin module to empower administrators and simplify maintenance tasks.</a:t>
+            </a:r>
+          </a:p>
+          <a:p>
+            <a:endParaRPr lang="en-US" sz="2200" dirty="0">
+              <a:latin typeface="Times New Roman Regular" panose="02020603050405020304" charset="0"/>
+              <a:cs typeface="Times New Roman Regular" panose="02020603050405020304" charset="0"/>
+            </a:endParaRPr>
+          </a:p>
+          <a:p>
+            <a:r>
+              <a:rPr lang="en-US" sz="2200" dirty="0">
+                <a:latin typeface="Times New Roman Regular" panose="02020603050405020304" charset="0"/>
+                <a:cs typeface="Times New Roman Regular" panose="02020603050405020304" charset="0"/>
+              </a:rPr>
+              <a:t>A visually appealing platform fosters a positive user experience, which boosts engagement.</a:t>
+            </a:r>
+          </a:p>
+          <a:p>
+            <a:endParaRPr lang="en-US" sz="2200" dirty="0">
+              <a:latin typeface="Times New Roman Regular" panose="02020603050405020304" charset="0"/>
+              <a:cs typeface="Times New Roman Regular" panose="02020603050405020304" charset="0"/>
+            </a:endParaRPr>
+          </a:p>
+          <a:p>
+            <a:r>
+              <a:rPr lang="en-US" sz="2200" dirty="0">
+                <a:latin typeface="Times New Roman Regular" panose="02020603050405020304" charset="0"/>
+                <a:cs typeface="Times New Roman Regular" panose="02020603050405020304" charset="0"/>
+              </a:rPr>
+              <a:t>Imagine a dynamic hub for sharing knowledge, seamlessly integrating technology and style.</a:t>
+            </a:r>
+          </a:p>
+          <a:p>
+            <a:endParaRPr lang="en-US" sz="2200" dirty="0">
+              <a:latin typeface="Times New Roman Regular" panose="02020603050405020304" charset="0"/>
+              <a:cs typeface="Times New Roman Regular" panose="02020603050405020304" charset="0"/>
+            </a:endParaRPr>
+          </a:p>
+          <a:p>
+            <a:r>
+              <a:rPr lang="en-US" sz="2200" dirty="0">
+                <a:latin typeface="Times New Roman Regular" panose="02020603050405020304" charset="0"/>
+                <a:cs typeface="Times New Roman Regular" panose="02020603050405020304" charset="0"/>
+              </a:rPr>
+              <a:t>Our goal is to create a platform that empowers students and professors, simplifies tasks for faculty, and ultimately builds a thriving research community.</a:t>
+            </a:r>
+          </a:p>
+        </p:txBody>
+      </p:sp>
+    </p:spTree>
+  </p:cSld>
+  <p:clrMapOvr>
+    <a:masterClrMapping/>
+  </p:clrMapOvr>
+</p:sld>
+</file>
+
+<file path=ppt/slides/slide27.xml><?xml version="1.0" encoding="utf-8"?>
+<p:sld xmlns:a="http://schemas.openxmlformats.org/drawingml/2006/main" xmlns:r="http://schemas.openxmlformats.org/officeDocument/2006/relationships" xmlns:p="http://schemas.openxmlformats.org/presentationml/2006/main">
+  <p:cSld>
+    <p:spTree>
+      <p:nvGrpSpPr>
+        <p:cNvPr id="1" name=""/>
+        <p:cNvGrpSpPr/>
+        <p:nvPr/>
+      </p:nvGrpSpPr>
+      <p:grpSpPr>
+        <a:xfrm>
+          <a:off x="0" y="0"/>
+          <a:ext cx="0" cy="0"/>
+          <a:chOff x="0" y="0"/>
+          <a:chExt cx="0" cy="0"/>
+        </a:xfrm>
+      </p:grpSpPr>
+      <p:sp>
+        <p:nvSpPr>
+          <p:cNvPr id="2" name="Title 1"/>
+          <p:cNvSpPr>
+            <a:spLocks noGrp="1"/>
+          </p:cNvSpPr>
+          <p:nvPr>
+            <p:ph type="title"/>
+          </p:nvPr>
+        </p:nvSpPr>
+        <p:spPr/>
+        <p:txBody>
+          <a:bodyPr/>
+          <a:lstStyle/>
+          <a:p>
+            <a:r>
+              <a:rPr lang="en-US" sz="4400">
+                <a:latin typeface="Times New Roman Regular" panose="02020603050405020304" charset="0"/>
+                <a:cs typeface="Times New Roman Regular" panose="02020603050405020304" charset="0"/>
+              </a:rPr>
+              <a:t>Future Scope</a:t>
+            </a:r>
+          </a:p>
+        </p:txBody>
+      </p:sp>
+      <p:sp>
+        <p:nvSpPr>
+          <p:cNvPr id="3" name="Content Placeholder 2"/>
+          <p:cNvSpPr>
+            <a:spLocks noGrp="1"/>
+          </p:cNvSpPr>
+          <p:nvPr>
+            <p:ph idx="1"/>
+          </p:nvPr>
+        </p:nvSpPr>
+        <p:spPr/>
+        <p:txBody>
+          <a:bodyPr/>
+          <a:lstStyle/>
+          <a:p>
+            <a:r>
+              <a:rPr lang="en-US" sz="2200" dirty="0">
+                <a:latin typeface="Times New Roman Regular" panose="02020603050405020304" charset="0"/>
+                <a:cs typeface="Times New Roman Regular" panose="02020603050405020304" charset="0"/>
+              </a:rPr>
+              <a:t>Implement a second and third-level admin system for enhanced administrative control.</a:t>
+            </a:r>
+          </a:p>
+          <a:p>
+            <a:pPr marL="0" indent="0">
+              <a:buNone/>
+            </a:pPr>
+            <a:r>
+              <a:rPr lang="en-US" sz="2200" dirty="0">
+                <a:latin typeface="Times New Roman Regular" panose="02020603050405020304" charset="0"/>
+                <a:cs typeface="Times New Roman Regular" panose="02020603050405020304" charset="0"/>
+              </a:rPr>
+              <a:t>	2nd level: Again reviewing the papers more thoroughly with brief content.</a:t>
+            </a:r>
+            <a:br>
+              <a:rPr lang="en-US" sz="2200" dirty="0">
+                <a:latin typeface="Times New Roman Regular" panose="02020603050405020304" charset="0"/>
+                <a:cs typeface="Times New Roman Regular" panose="02020603050405020304" charset="0"/>
+              </a:rPr>
+            </a:br>
+            <a:r>
+              <a:rPr lang="en-US" sz="2200" dirty="0">
+                <a:latin typeface="Times New Roman Regular" panose="02020603050405020304" charset="0"/>
+                <a:cs typeface="Times New Roman Regular" panose="02020603050405020304" charset="0"/>
+              </a:rPr>
+              <a:t>	3rd level</a:t>
+            </a:r>
             <a:r>
               <a:rPr lang="en-US" sz="2200">
                 <a:latin typeface="Times New Roman Regular" panose="02020603050405020304" charset="0"/>
                 <a:cs typeface="Times New Roman Regular" panose="02020603050405020304" charset="0"/>
               </a:rPr>
-              <a:t>Our current platform is hindering progress, and we propose a user-friendly website.</a:t>
-            </a:r>
-            <a:endParaRPr lang="en-US" sz="2200">
-              <a:latin typeface="Times New Roman Regular" panose="02020603050405020304" charset="0"/>
-              <a:cs typeface="Times New Roman Regular" panose="02020603050405020304" charset="0"/>
-            </a:endParaRPr>
-          </a:p>
-          <a:p>
-            <a:endParaRPr lang="en-US" sz="2200">
-              <a:latin typeface="Times New Roman Regular" panose="02020603050405020304" charset="0"/>
-              <a:cs typeface="Times New Roman Regular" panose="02020603050405020304" charset="0"/>
-            </a:endParaRPr>
-          </a:p>
-          <a:p>
+              <a:t>: Last </a:t>
+            </a:r>
+            <a:r>
+              <a:rPr lang="en-US" sz="2200" dirty="0">
+                <a:latin typeface="Times New Roman Regular" panose="02020603050405020304" charset="0"/>
+                <a:cs typeface="Times New Roman Regular" panose="02020603050405020304" charset="0"/>
+              </a:rPr>
+              <a:t>r</a:t>
+            </a:r>
             <a:r>
               <a:rPr lang="en-US" sz="2200">
                 <a:latin typeface="Times New Roman Regular" panose="02020603050405020304" charset="0"/>
                 <a:cs typeface="Times New Roman Regular" panose="02020603050405020304" charset="0"/>
               </a:rPr>
-              <a:t>This includes a clear and accessible database and a streamlined view system.</a:t>
-            </a:r>
-            <a:endParaRPr lang="en-US" sz="2200">
+              <a:t>eviewing </a:t>
+            </a:r>
+            <a:r>
+              <a:rPr lang="en-US" sz="2200" dirty="0">
+                <a:latin typeface="Times New Roman Regular" panose="02020603050405020304" charset="0"/>
+                <a:cs typeface="Times New Roman Regular" panose="02020603050405020304" charset="0"/>
+              </a:rPr>
+              <a:t>better with plagiarism checks and AI tools.</a:t>
+            </a:r>
+          </a:p>
+          <a:p>
+            <a:pPr marL="0" indent="0">
+              <a:buNone/>
+            </a:pPr>
+            <a:endParaRPr lang="en-US" sz="2200" dirty="0">
               <a:latin typeface="Times New Roman Regular" panose="02020603050405020304" charset="0"/>
               <a:cs typeface="Times New Roman Regular" panose="02020603050405020304" charset="0"/>
             </a:endParaRPr>
           </a:p>
           <a:p>
-            <a:endParaRPr lang="en-US" sz="2200">
+            <a:r>
+              <a:rPr lang="en-US" sz="2200" dirty="0">
+                <a:latin typeface="Times New Roman Regular" panose="02020603050405020304" charset="0"/>
+                <a:cs typeface="Times New Roman Regular" panose="02020603050405020304" charset="0"/>
+              </a:rPr>
+              <a:t>Introduce a paper view system to facilitate a better review mechanism.</a:t>
+            </a:r>
+          </a:p>
+          <a:p>
+            <a:endParaRPr lang="en-US" sz="2200" dirty="0">
               <a:latin typeface="Times New Roman Regular" panose="02020603050405020304" charset="0"/>
               <a:cs typeface="Times New Roman Regular" panose="02020603050405020304" charset="0"/>
             </a:endParaRPr>
           </a:p>
           <a:p>
             <a:r>
-              <a:rPr lang="en-US" sz="2200">
+              <a:rPr lang="en-US" sz="2200" dirty="0">
                 <a:latin typeface="Times New Roman Regular" panose="02020603050405020304" charset="0"/>
                 <a:cs typeface="Times New Roman Regular" panose="02020603050405020304" charset="0"/>
               </a:rPr>
-              <a:t>We integrated a WordPress admin module to empower administrators and simplify maintenance tasks.</a:t>
-            </a:r>
-            <a:endParaRPr lang="en-US" sz="2200">
+              <a:t>Introducing Payment systems to get a more seamless user experience in one place</a:t>
+            </a:r>
+          </a:p>
+          <a:p>
+            <a:endParaRPr lang="en-US" sz="2200" dirty="0">
               <a:latin typeface="Times New Roman Regular" panose="02020603050405020304" charset="0"/>
               <a:cs typeface="Times New Roman Regular" panose="02020603050405020304" charset="0"/>
             </a:endParaRPr>
           </a:p>
           <a:p>
-            <a:endParaRPr lang="en-US" sz="2200">
+            <a:r>
+              <a:rPr lang="en-US" sz="2200" dirty="0">
+                <a:latin typeface="Times New Roman Regular" panose="02020603050405020304" charset="0"/>
+                <a:cs typeface="Times New Roman Regular" panose="02020603050405020304" charset="0"/>
+              </a:rPr>
+              <a:t>Using auto SEO plugins for monthly SEO to give this website a wider reach internationally.</a:t>
+            </a:r>
+          </a:p>
+          <a:p>
+            <a:endParaRPr lang="en-US" sz="2200" dirty="0">
               <a:latin typeface="Times New Roman Regular" panose="02020603050405020304" charset="0"/>
               <a:cs typeface="Times New Roman Regular" panose="02020603050405020304" charset="0"/>
             </a:endParaRPr>
           </a:p>
           <a:p>
             <a:r>
-              <a:rPr lang="en-US" sz="2200">
+              <a:rPr lang="en-US" sz="2200" dirty="0">
                 <a:latin typeface="Times New Roman Regular" panose="02020603050405020304" charset="0"/>
                 <a:cs typeface="Times New Roman Regular" panose="02020603050405020304" charset="0"/>
               </a:rPr>
-              <a:t>A visually appealing platform fosters a positive user experience, which boosts engagement.</a:t>
-            </a:r>
-            <a:endParaRPr lang="en-US" sz="2200">
-              <a:latin typeface="Times New Roman Regular" panose="02020603050405020304" charset="0"/>
-              <a:cs typeface="Times New Roman Regular" panose="02020603050405020304" charset="0"/>
-            </a:endParaRPr>
-          </a:p>
-          <a:p>
-            <a:endParaRPr lang="en-US" sz="2200">
-              <a:latin typeface="Times New Roman Regular" panose="02020603050405020304" charset="0"/>
-              <a:cs typeface="Times New Roman Regular" panose="02020603050405020304" charset="0"/>
-            </a:endParaRPr>
-          </a:p>
-          <a:p>
-            <a:r>
-              <a:rPr lang="en-US" sz="2200">
-                <a:latin typeface="Times New Roman Regular" panose="02020603050405020304" charset="0"/>
-                <a:cs typeface="Times New Roman Regular" panose="02020603050405020304" charset="0"/>
-              </a:rPr>
-              <a:t>Imagine a dynamic hub for sharing knowledge, seamlessly integrating technology and style.</a:t>
-            </a:r>
-            <a:endParaRPr lang="en-US" sz="2200">
-              <a:latin typeface="Times New Roman Regular" panose="02020603050405020304" charset="0"/>
-              <a:cs typeface="Times New Roman Regular" panose="02020603050405020304" charset="0"/>
-            </a:endParaRPr>
-          </a:p>
-          <a:p>
-            <a:endParaRPr lang="en-US" sz="2200">
-              <a:latin typeface="Times New Roman Regular" panose="02020603050405020304" charset="0"/>
-              <a:cs typeface="Times New Roman Regular" panose="02020603050405020304" charset="0"/>
-            </a:endParaRPr>
-          </a:p>
-          <a:p>
-            <a:r>
-              <a:rPr lang="en-US" sz="2200">
-                <a:latin typeface="Times New Roman Regular" panose="02020603050405020304" charset="0"/>
-                <a:cs typeface="Times New Roman Regular" panose="02020603050405020304" charset="0"/>
-              </a:rPr>
-              <a:t>Our goal is to create a platform that empowers students and professors, simplifies tasks for faculty, and ultimately builds a thriving research community.</a:t>
-            </a:r>
-            <a:endParaRPr lang="en-US" sz="2200">
-              <a:latin typeface="Times New Roman Regular" panose="02020603050405020304" charset="0"/>
-              <a:cs typeface="Times New Roman Regular" panose="02020603050405020304" charset="0"/>
-            </a:endParaRPr>
+              <a:t>Convert the entire system into a comprehensive mobile application for greater accessibility and convenience.</a:t>
+            </a:r>
           </a:p>
         </p:txBody>
       </p:sp>
@@ -22369,189 +22010,14 @@
         <p:cNvGrpSpPr/>
         <p:nvPr/>
       </p:nvGrpSpPr>
-      <p:grpSpPr/>
-      <p:sp>
-        <p:nvSpPr>
-          <p:cNvPr id="2" name="Title 1"/>
-          <p:cNvSpPr>
-            <a:spLocks noGrp="1"/>
-          </p:cNvSpPr>
-          <p:nvPr>
-            <p:ph type="title"/>
-          </p:nvPr>
-        </p:nvSpPr>
-        <p:spPr/>
-        <p:txBody>
-          <a:bodyPr/>
-          <a:p>
-            <a:r>
-              <a:rPr lang="en-US" sz="4400">
-                <a:latin typeface="Times New Roman Regular" panose="02020603050405020304" charset="0"/>
-                <a:cs typeface="Times New Roman Regular" panose="02020603050405020304" charset="0"/>
-              </a:rPr>
-              <a:t>Future Scope</a:t>
-            </a:r>
-            <a:endParaRPr lang="en-US" sz="4400">
-              <a:latin typeface="Times New Roman Regular" panose="02020603050405020304" charset="0"/>
-              <a:cs typeface="Times New Roman Regular" panose="02020603050405020304" charset="0"/>
-            </a:endParaRPr>
-          </a:p>
-        </p:txBody>
-      </p:sp>
-      <p:sp>
-        <p:nvSpPr>
-          <p:cNvPr id="3" name="Content Placeholder 2"/>
-          <p:cNvSpPr>
-            <a:spLocks noGrp="1"/>
-          </p:cNvSpPr>
-          <p:nvPr>
-            <p:ph idx="1"/>
-          </p:nvPr>
-        </p:nvSpPr>
-        <p:spPr/>
-        <p:txBody>
-          <a:bodyPr/>
-          <a:p>
-            <a:r>
-              <a:rPr lang="en-US" sz="2200">
-                <a:latin typeface="Times New Roman Regular" panose="02020603050405020304" charset="0"/>
-                <a:cs typeface="Times New Roman Regular" panose="02020603050405020304" charset="0"/>
-              </a:rPr>
-              <a:t>Implement a second and third-level admin system for enhanced administrative control.</a:t>
-            </a:r>
-            <a:endParaRPr lang="en-US" sz="2200">
-              <a:latin typeface="Times New Roman Regular" panose="02020603050405020304" charset="0"/>
-              <a:cs typeface="Times New Roman Regular" panose="02020603050405020304" charset="0"/>
-            </a:endParaRPr>
-          </a:p>
-          <a:p>
-            <a:pPr marL="0" indent="0">
-              <a:buNone/>
-            </a:pPr>
-            <a:r>
-              <a:rPr lang="en-US" sz="2200">
-                <a:latin typeface="Times New Roman Regular" panose="02020603050405020304" charset="0"/>
-                <a:cs typeface="Times New Roman Regular" panose="02020603050405020304" charset="0"/>
-              </a:rPr>
-              <a:t>	2nd level: Again reviewing the papers with more experienced users.</a:t>
-            </a:r>
-            <a:br>
-              <a:rPr lang="en-US" sz="2200">
-                <a:latin typeface="Times New Roman Regular" panose="02020603050405020304" charset="0"/>
-                <a:cs typeface="Times New Roman Regular" panose="02020603050405020304" charset="0"/>
-              </a:rPr>
-            </a:br>
-            <a:r>
-              <a:rPr lang="en-US" sz="2200">
-                <a:latin typeface="Times New Roman Regular" panose="02020603050405020304" charset="0"/>
-                <a:cs typeface="Times New Roman Regular" panose="02020603050405020304" charset="0"/>
-              </a:rPr>
-              <a:t>	3rd level:  Reviewing done more betterly with plagarism checks and AI tools.</a:t>
-            </a:r>
-            <a:endParaRPr lang="en-US" sz="2200">
-              <a:latin typeface="Times New Roman Regular" panose="02020603050405020304" charset="0"/>
-              <a:cs typeface="Times New Roman Regular" panose="02020603050405020304" charset="0"/>
-            </a:endParaRPr>
-          </a:p>
-          <a:p>
-            <a:pPr marL="0" indent="0">
-              <a:buNone/>
-            </a:pPr>
-            <a:endParaRPr lang="en-US" sz="2200">
-              <a:latin typeface="Times New Roman Regular" panose="02020603050405020304" charset="0"/>
-              <a:cs typeface="Times New Roman Regular" panose="02020603050405020304" charset="0"/>
-            </a:endParaRPr>
-          </a:p>
-          <a:p>
-            <a:r>
-              <a:rPr lang="en-US" sz="2200">
-                <a:latin typeface="Times New Roman Regular" panose="02020603050405020304" charset="0"/>
-                <a:cs typeface="Times New Roman Regular" panose="02020603050405020304" charset="0"/>
-              </a:rPr>
-              <a:t>Introduce a paper view system to facilitate better review mechanism.</a:t>
-            </a:r>
-            <a:endParaRPr lang="en-US" sz="2200">
-              <a:latin typeface="Times New Roman Regular" panose="02020603050405020304" charset="0"/>
-              <a:cs typeface="Times New Roman Regular" panose="02020603050405020304" charset="0"/>
-            </a:endParaRPr>
-          </a:p>
-          <a:p>
-            <a:endParaRPr lang="en-US" sz="2200">
-              <a:latin typeface="Times New Roman Regular" panose="02020603050405020304" charset="0"/>
-              <a:cs typeface="Times New Roman Regular" panose="02020603050405020304" charset="0"/>
-            </a:endParaRPr>
-          </a:p>
-          <a:p>
-            <a:r>
-              <a:rPr lang="en-US" sz="2200">
-                <a:latin typeface="Times New Roman Regular" panose="02020603050405020304" charset="0"/>
-                <a:cs typeface="Times New Roman Regular" panose="02020603050405020304" charset="0"/>
-              </a:rPr>
-              <a:t>Introducing Payments systems to get more seamless users experience in one place</a:t>
-            </a:r>
-            <a:endParaRPr lang="en-US" sz="2200">
-              <a:latin typeface="Times New Roman Regular" panose="02020603050405020304" charset="0"/>
-              <a:cs typeface="Times New Roman Regular" panose="02020603050405020304" charset="0"/>
-            </a:endParaRPr>
-          </a:p>
-          <a:p>
-            <a:endParaRPr lang="en-US" sz="2200">
-              <a:latin typeface="Times New Roman Regular" panose="02020603050405020304" charset="0"/>
-              <a:cs typeface="Times New Roman Regular" panose="02020603050405020304" charset="0"/>
-            </a:endParaRPr>
-          </a:p>
-          <a:p>
-            <a:r>
-              <a:rPr lang="en-US" sz="2200">
-                <a:latin typeface="Times New Roman Regular" panose="02020603050405020304" charset="0"/>
-                <a:cs typeface="Times New Roman Regular" panose="02020603050405020304" charset="0"/>
-              </a:rPr>
-              <a:t>Using auto SEO plugins for monthly SEO to make this website have a wider reach internationally.</a:t>
-            </a:r>
-            <a:endParaRPr lang="en-US" sz="2200">
-              <a:latin typeface="Times New Roman Regular" panose="02020603050405020304" charset="0"/>
-              <a:cs typeface="Times New Roman Regular" panose="02020603050405020304" charset="0"/>
-            </a:endParaRPr>
-          </a:p>
-          <a:p>
-            <a:endParaRPr lang="en-US" sz="2200">
-              <a:latin typeface="Times New Roman Regular" panose="02020603050405020304" charset="0"/>
-              <a:cs typeface="Times New Roman Regular" panose="02020603050405020304" charset="0"/>
-            </a:endParaRPr>
-          </a:p>
-          <a:p>
-            <a:r>
-              <a:rPr lang="en-US" sz="2200">
-                <a:latin typeface="Times New Roman Regular" panose="02020603050405020304" charset="0"/>
-                <a:cs typeface="Times New Roman Regular" panose="02020603050405020304" charset="0"/>
-              </a:rPr>
-              <a:t>Convert the entire system into a comprehensive mobile application for greater accessibility and convenience.</a:t>
-            </a:r>
-            <a:endParaRPr lang="en-US" sz="2200">
-              <a:latin typeface="Times New Roman Regular" panose="02020603050405020304" charset="0"/>
-              <a:cs typeface="Times New Roman Regular" panose="02020603050405020304" charset="0"/>
-            </a:endParaRPr>
-          </a:p>
-        </p:txBody>
-      </p:sp>
-    </p:spTree>
-  </p:cSld>
-  <p:clrMapOvr>
-    <a:masterClrMapping/>
-  </p:clrMapOvr>
-</p:sld>
-</file>
-
-<file path=ppt/slides/slide29.xml><?xml version="1.0" encoding="utf-8"?>
-<p:sld xmlns:a="http://schemas.openxmlformats.org/drawingml/2006/main" xmlns:r="http://schemas.openxmlformats.org/officeDocument/2006/relationships" xmlns:p="http://schemas.openxmlformats.org/presentationml/2006/main">
-  <p:cSld>
-    <p:spTree>
-      <p:nvGrpSpPr>
-        <p:cNvPr id="1" name=""/>
-        <p:cNvGrpSpPr/>
-        <p:nvPr/>
-      </p:nvGrpSpPr>
-      <p:grpSpPr/>
+      <p:grpSpPr>
+        <a:xfrm>
+          <a:off x="0" y="0"/>
+          <a:ext cx="0" cy="0"/>
+          <a:chOff x="0" y="0"/>
+          <a:chExt cx="0" cy="0"/>
+        </a:xfrm>
+      </p:grpSpPr>
       <p:sp>
         <p:nvSpPr>
           <p:cNvPr id="4" name="Title 1"/>
@@ -22714,10 +22180,6 @@
               </a:rPr>
               <a:t>Bibliography</a:t>
             </a:r>
-            <a:endParaRPr lang="en-US" sz="4400" kern="0">
-              <a:latin typeface="Times New Roman Regular" panose="02020603050405020304" charset="0"/>
-              <a:cs typeface="Times New Roman Regular" panose="02020603050405020304" charset="0"/>
-            </a:endParaRPr>
           </a:p>
         </p:txBody>
       </p:sp>
@@ -22810,7 +22272,7 @@
                 <a:spcPct val="0"/>
               </a:spcAft>
               <a:buBlip>
-                <a:blip r:embed="rId1"/>
+                <a:blip r:embed="rId2"/>
               </a:buBlip>
               <a:defRPr sz="1700">
                 <a:solidFill>
@@ -22828,7 +22290,7 @@
                 <a:spcPct val="0"/>
               </a:spcAft>
               <a:buBlip>
-                <a:blip r:embed="rId2"/>
+                <a:blip r:embed="rId3"/>
               </a:buBlip>
               <a:defRPr sz="2000">
                 <a:solidFill>
@@ -22846,7 +22308,7 @@
                 <a:spcPct val="0"/>
               </a:spcAft>
               <a:buBlip>
-                <a:blip r:embed="rId2"/>
+                <a:blip r:embed="rId3"/>
               </a:buBlip>
               <a:defRPr sz="1400">
                 <a:solidFill>
@@ -22864,7 +22326,7 @@
                 <a:spcPct val="0"/>
               </a:spcAft>
               <a:buBlip>
-                <a:blip r:embed="rId2"/>
+                <a:blip r:embed="rId3"/>
               </a:buBlip>
               <a:defRPr sz="1400">
                 <a:solidFill>
@@ -22882,7 +22344,7 @@
                 <a:spcPct val="0"/>
               </a:spcAft>
               <a:buBlip>
-                <a:blip r:embed="rId2"/>
+                <a:blip r:embed="rId3"/>
               </a:buBlip>
               <a:defRPr sz="1400">
                 <a:solidFill>
@@ -22900,7 +22362,7 @@
                 <a:spcPct val="0"/>
               </a:spcAft>
               <a:buBlip>
-                <a:blip r:embed="rId2"/>
+                <a:blip r:embed="rId3"/>
               </a:buBlip>
               <a:defRPr sz="1400">
                 <a:solidFill>
@@ -22921,7 +22383,7 @@
               </a:spcBef>
             </a:pPr>
             <a:r>
-              <a:rPr lang="en-US" sz="2200" dirty="0" smtClean="0">
+              <a:rPr lang="en-US" sz="2200" dirty="0">
                 <a:solidFill>
                   <a:srgbClr val="0000CC"/>
                 </a:solidFill>
@@ -22930,13 +22392,6 @@
               </a:rPr>
               <a:t>Books:</a:t>
             </a:r>
-            <a:endParaRPr lang="en-US" sz="2200" dirty="0" smtClean="0">
-              <a:solidFill>
-                <a:srgbClr val="0000CC"/>
-              </a:solidFill>
-              <a:latin typeface="Times New Roman Regular" panose="02020603050405020304" charset="0"/>
-              <a:cs typeface="Times New Roman Regular" panose="02020603050405020304" charset="0"/>
-            </a:endParaRPr>
           </a:p>
           <a:p>
             <a:pPr lvl="1" algn="just">
@@ -22948,7 +22403,7 @@
               </a:spcBef>
             </a:pPr>
             <a:r>
-              <a:rPr lang="en-US" sz="2200" dirty="0" smtClean="0">
+              <a:rPr lang="en-US" sz="2200" dirty="0">
                 <a:solidFill>
                   <a:schemeClr val="tx1"/>
                 </a:solidFill>
@@ -22957,13 +22412,6 @@
               </a:rPr>
               <a:t>Get Coding!: Learn HTML, CSS &amp; JavaScript &amp; Build a Website, App &amp; Game – by Young Rewired State</a:t>
             </a:r>
-            <a:endParaRPr lang="en-US" sz="2200" dirty="0" smtClean="0">
-              <a:solidFill>
-                <a:schemeClr val="tx1"/>
-              </a:solidFill>
-              <a:latin typeface="Times New Roman Regular" panose="02020603050405020304" charset="0"/>
-              <a:cs typeface="Times New Roman Regular" panose="02020603050405020304" charset="0"/>
-            </a:endParaRPr>
           </a:p>
           <a:p>
             <a:pPr lvl="1" algn="just">
@@ -22975,7 +22423,7 @@
               </a:spcBef>
             </a:pPr>
             <a:r>
-              <a:rPr lang="en-US" sz="2200" dirty="0" smtClean="0">
+              <a:rPr lang="en-US" sz="2200" dirty="0">
                 <a:solidFill>
                   <a:schemeClr val="tx1"/>
                 </a:solidFill>
@@ -22984,13 +22432,6 @@
               </a:rPr>
               <a:t>JavaScript: The Definitive Guide, by David Flanagan</a:t>
             </a:r>
-            <a:endParaRPr lang="en-US" sz="2200" dirty="0" smtClean="0">
-              <a:solidFill>
-                <a:schemeClr val="tx1"/>
-              </a:solidFill>
-              <a:latin typeface="Times New Roman Regular" panose="02020603050405020304" charset="0"/>
-              <a:cs typeface="Times New Roman Regular" panose="02020603050405020304" charset="0"/>
-            </a:endParaRPr>
           </a:p>
           <a:p>
             <a:pPr>
@@ -23002,7 +22443,7 @@
               </a:spcBef>
             </a:pPr>
             <a:r>
-              <a:rPr lang="en-US" sz="2200" dirty="0" smtClean="0">
+              <a:rPr lang="en-US" sz="2200" dirty="0">
                 <a:solidFill>
                   <a:srgbClr val="0000CC"/>
                 </a:solidFill>
@@ -23011,13 +22452,6 @@
               </a:rPr>
               <a:t>Websites:</a:t>
             </a:r>
-            <a:endParaRPr lang="en-US" sz="2200" dirty="0">
-              <a:solidFill>
-                <a:srgbClr val="0000CC"/>
-              </a:solidFill>
-              <a:latin typeface="Times New Roman Regular" panose="02020603050405020304" charset="0"/>
-              <a:cs typeface="Times New Roman Regular" panose="02020603050405020304" charset="0"/>
-            </a:endParaRPr>
           </a:p>
           <a:p>
             <a:pPr lvl="1" algn="just">
@@ -23029,16 +22463,12 @@
               </a:spcBef>
             </a:pPr>
             <a:r>
-              <a:rPr lang="en-US" sz="2200" dirty="0" smtClean="0">
+              <a:rPr lang="en-US" sz="2200" dirty="0">
                 <a:latin typeface="Times New Roman Regular" panose="02020603050405020304" charset="0"/>
                 <a:cs typeface="Times New Roman Regular" panose="02020603050405020304" charset="0"/>
               </a:rPr>
               <a:t>https://www.w3schools.com/</a:t>
             </a:r>
-            <a:endParaRPr lang="en-US" sz="2200" dirty="0" smtClean="0">
-              <a:latin typeface="Times New Roman Regular" panose="02020603050405020304" charset="0"/>
-              <a:cs typeface="Times New Roman Regular" panose="02020603050405020304" charset="0"/>
-            </a:endParaRPr>
           </a:p>
           <a:p>
             <a:pPr lvl="1" algn="just">
@@ -23050,16 +22480,12 @@
               </a:spcBef>
             </a:pPr>
             <a:r>
-              <a:rPr lang="en-US" sz="2200" dirty="0" smtClean="0">
+              <a:rPr lang="en-US" sz="2200" dirty="0">
                 <a:latin typeface="Times New Roman Regular" panose="02020603050405020304" charset="0"/>
                 <a:cs typeface="Times New Roman Regular" panose="02020603050405020304" charset="0"/>
               </a:rPr>
               <a:t>https://wordpress.com/learn/</a:t>
             </a:r>
-            <a:endParaRPr lang="en-US" sz="2200" dirty="0" smtClean="0">
-              <a:latin typeface="Times New Roman Regular" panose="02020603050405020304" charset="0"/>
-              <a:cs typeface="Times New Roman Regular" panose="02020603050405020304" charset="0"/>
-            </a:endParaRPr>
           </a:p>
           <a:p>
             <a:pPr lvl="1" algn="just">
@@ -23071,16 +22497,12 @@
               </a:spcBef>
             </a:pPr>
             <a:r>
-              <a:rPr lang="en-US" sz="2200" dirty="0" smtClean="0">
+              <a:rPr lang="en-US" sz="2200" dirty="0">
                 <a:latin typeface="Times New Roman Regular" panose="02020603050405020304" charset="0"/>
                 <a:cs typeface="Times New Roman Regular" panose="02020603050405020304" charset="0"/>
               </a:rPr>
               <a:t>https://www.coursera.org/</a:t>
             </a:r>
-            <a:endParaRPr lang="en-US" sz="2200" dirty="0" smtClean="0">
-              <a:latin typeface="Times New Roman Regular" panose="02020603050405020304" charset="0"/>
-              <a:cs typeface="Times New Roman Regular" panose="02020603050405020304" charset="0"/>
-            </a:endParaRPr>
           </a:p>
           <a:p>
             <a:pPr lvl="1" algn="just">
@@ -23092,16 +22514,12 @@
               </a:spcBef>
             </a:pPr>
             <a:r>
-              <a:rPr lang="en-US" sz="2200" dirty="0" smtClean="0">
+              <a:rPr lang="en-US" sz="2200" dirty="0">
                 <a:latin typeface="Times New Roman Regular" panose="02020603050405020304" charset="0"/>
                 <a:cs typeface="Times New Roman Regular" panose="02020603050405020304" charset="0"/>
               </a:rPr>
               <a:t>https://chat.openai.com/</a:t>
             </a:r>
-            <a:endParaRPr lang="en-US" sz="2200" dirty="0" smtClean="0">
-              <a:latin typeface="Times New Roman Regular" panose="02020603050405020304" charset="0"/>
-              <a:cs typeface="Times New Roman Regular" panose="02020603050405020304" charset="0"/>
-            </a:endParaRPr>
           </a:p>
         </p:txBody>
       </p:sp>
@@ -23122,7 +22540,14 @@
         <p:cNvGrpSpPr/>
         <p:nvPr/>
       </p:nvGrpSpPr>
-      <p:grpSpPr/>
+      <p:grpSpPr>
+        <a:xfrm>
+          <a:off x="0" y="0"/>
+          <a:ext cx="0" cy="0"/>
+          <a:chOff x="0" y="0"/>
+          <a:chExt cx="0" cy="0"/>
+        </a:xfrm>
+      </p:grpSpPr>
       <p:sp>
         <p:nvSpPr>
           <p:cNvPr id="2" name="Title 1"/>
@@ -23136,6 +22561,7 @@
         <p:spPr/>
         <p:txBody>
           <a:bodyPr/>
+          <a:lstStyle/>
           <a:p>
             <a:r>
               <a:rPr lang="en-US" sz="4400">
@@ -23144,10 +22570,6 @@
               </a:rPr>
               <a:t>Introduction</a:t>
             </a:r>
-            <a:endParaRPr lang="en-US" sz="4400">
-              <a:latin typeface="Times New Roman Regular" panose="02020603050405020304" charset="0"/>
-              <a:cs typeface="Times New Roman Regular" panose="02020603050405020304" charset="0"/>
-            </a:endParaRPr>
           </a:p>
         </p:txBody>
       </p:sp>
@@ -23169,64 +22591,66 @@
         </p:spPr>
         <p:txBody>
           <a:bodyPr/>
-          <a:p>
-            <a:r>
-              <a:rPr lang="en-US" sz="2200">
+          <a:lstStyle/>
+          <a:p>
+            <a:r>
+              <a:rPr lang="en-US" sz="2200" dirty="0">
                 <a:latin typeface="Times New Roman Regular" panose="02020603050405020304" charset="0"/>
                 <a:cs typeface="Times New Roman Regular" panose="02020603050405020304" charset="0"/>
               </a:rPr>
-              <a:t>Indiacom Website is a web based platform aimed at Streamlining the work on research paper submission and its review by PhD scholars. </a:t>
-            </a:r>
-            <a:endParaRPr lang="en-US" sz="2200">
+              <a:t>The </a:t>
+            </a:r>
+            <a:r>
+              <a:rPr lang="en-US" sz="2200" dirty="0" err="1">
+                <a:latin typeface="Times New Roman Regular" panose="02020603050405020304" charset="0"/>
+                <a:cs typeface="Times New Roman Regular" panose="02020603050405020304" charset="0"/>
+              </a:rPr>
+              <a:t>Indiacom</a:t>
+            </a:r>
+            <a:r>
+              <a:rPr lang="en-US" sz="2200" dirty="0">
+                <a:latin typeface="Times New Roman Regular" panose="02020603050405020304" charset="0"/>
+                <a:cs typeface="Times New Roman Regular" panose="02020603050405020304" charset="0"/>
+              </a:rPr>
+              <a:t> Website is a web-based platform aimed at Streamlining the work on research paper submission and its review by PhD scholars. </a:t>
+            </a:r>
+          </a:p>
+          <a:p>
+            <a:endParaRPr lang="en-US" sz="2200" dirty="0">
               <a:latin typeface="Times New Roman Regular" panose="02020603050405020304" charset="0"/>
               <a:cs typeface="Times New Roman Regular" panose="02020603050405020304" charset="0"/>
             </a:endParaRPr>
           </a:p>
           <a:p>
-            <a:endParaRPr lang="en-US" sz="2200">
+            <a:r>
+              <a:rPr lang="en-US" sz="2200" dirty="0">
+                <a:latin typeface="Times New Roman Regular" panose="02020603050405020304" charset="0"/>
+                <a:cs typeface="Times New Roman Regular" panose="02020603050405020304" charset="0"/>
+              </a:rPr>
+              <a:t>We have a platform with a seamless user experience for both the academic authors and The people who review academic work.</a:t>
+            </a:r>
+          </a:p>
+          <a:p>
+            <a:endParaRPr lang="en-US" sz="2200" dirty="0">
               <a:latin typeface="Times New Roman Regular" panose="02020603050405020304" charset="0"/>
               <a:cs typeface="Times New Roman Regular" panose="02020603050405020304" charset="0"/>
             </a:endParaRPr>
           </a:p>
           <a:p>
             <a:r>
-              <a:rPr lang="en-US" sz="2200">
-                <a:latin typeface="Times New Roman Regular" panose="02020603050405020304" charset="0"/>
-                <a:cs typeface="Times New Roman Regular" panose="02020603050405020304" charset="0"/>
-              </a:rPr>
-              <a:t>We have a platform with seamless user experience for both the academic authors and The people who review academic work.</a:t>
-            </a:r>
-            <a:endParaRPr lang="en-US" sz="2200">
-              <a:latin typeface="Times New Roman Regular" panose="02020603050405020304" charset="0"/>
-              <a:cs typeface="Times New Roman Regular" panose="02020603050405020304" charset="0"/>
-            </a:endParaRPr>
-          </a:p>
-          <a:p>
-            <a:endParaRPr lang="en-US" sz="2200">
-              <a:latin typeface="Times New Roman Regular" panose="02020603050405020304" charset="0"/>
-              <a:cs typeface="Times New Roman Regular" panose="02020603050405020304" charset="0"/>
-            </a:endParaRPr>
-          </a:p>
-          <a:p>
-            <a:r>
-              <a:rPr lang="en-US" sz="2200" dirty="0" smtClean="0">
+              <a:rPr lang="en-US" sz="2200" dirty="0">
                 <a:latin typeface="Times New Roman Regular" panose="02020603050405020304" charset="0"/>
                 <a:cs typeface="Times New Roman Regular" panose="02020603050405020304" charset="0"/>
                 <a:sym typeface="+mn-ea"/>
               </a:rPr>
               <a:t>Additionally, it is important to establish a strong admin system to ensure smooth operation and easy maintenance.</a:t>
             </a:r>
-            <a:endParaRPr lang="en-US" sz="2200" dirty="0" smtClean="0">
-              <a:latin typeface="Times New Roman Regular" panose="02020603050405020304" charset="0"/>
-              <a:cs typeface="Times New Roman Regular" panose="02020603050405020304" charset="0"/>
-              <a:sym typeface="+mn-ea"/>
-            </a:endParaRPr>
           </a:p>
           <a:p>
             <a:pPr marL="0" indent="0">
               <a:buNone/>
             </a:pPr>
-            <a:endParaRPr lang="en-US" sz="2200">
+            <a:endParaRPr lang="en-US" sz="2200" dirty="0">
               <a:latin typeface="Times New Roman Regular" panose="02020603050405020304" charset="0"/>
               <a:cs typeface="Times New Roman Regular" panose="02020603050405020304" charset="0"/>
             </a:endParaRPr>
@@ -23314,7 +22738,7 @@
               <a:defRPr/>
             </a:pPr>
             <a:r>
-              <a:rPr lang="en-US" sz="2200" dirty="0" smtClean="0">
+              <a:rPr lang="en-US" sz="2200" dirty="0">
                 <a:solidFill>
                   <a:schemeClr val="tx1"/>
                 </a:solidFill>
@@ -23323,13 +22747,6 @@
               </a:rPr>
               <a:t>Problems are often detected by faculty upon login, indicating insufficient testing and debugging procedures.</a:t>
             </a:r>
-            <a:endParaRPr lang="en-US" sz="2200" dirty="0" smtClean="0">
-              <a:solidFill>
-                <a:schemeClr val="tx1"/>
-              </a:solidFill>
-              <a:latin typeface="Times New Roman Regular" panose="02020603050405020304" charset="0"/>
-              <a:cs typeface="Times New Roman Regular" panose="02020603050405020304" charset="0"/>
-            </a:endParaRPr>
           </a:p>
           <a:p>
             <a:pPr algn="just">
@@ -23342,7 +22759,7 @@
               <a:defRPr/>
             </a:pPr>
             <a:r>
-              <a:rPr lang="en-US" sz="2200" dirty="0" smtClean="0">
+              <a:rPr lang="en-US" sz="2200" dirty="0">
                 <a:solidFill>
                   <a:schemeClr val="tx1"/>
                 </a:solidFill>
@@ -23351,13 +22768,6 @@
               </a:rPr>
               <a:t>Poorly designed database schemas lead to inefficiencies and data management challenges.</a:t>
             </a:r>
-            <a:endParaRPr lang="en-US" sz="2200" dirty="0" smtClean="0">
-              <a:solidFill>
-                <a:schemeClr val="tx1"/>
-              </a:solidFill>
-              <a:latin typeface="Times New Roman Regular" panose="02020603050405020304" charset="0"/>
-              <a:cs typeface="Times New Roman Regular" panose="02020603050405020304" charset="0"/>
-            </a:endParaRPr>
           </a:p>
           <a:p>
             <a:pPr algn="just">
@@ -23370,22 +22780,15 @@
               <a:defRPr/>
             </a:pPr>
             <a:r>
-              <a:rPr lang="en-US" sz="2200" dirty="0" smtClean="0">
+              <a:rPr lang="en-US" sz="2200" dirty="0">
                 <a:solidFill>
                   <a:schemeClr val="tx1"/>
                 </a:solidFill>
                 <a:latin typeface="Times New Roman Regular" panose="02020603050405020304" charset="0"/>
                 <a:cs typeface="Times New Roman Regular" panose="02020603050405020304" charset="0"/>
               </a:rPr>
-              <a:t>Problems faced when updating website like very time consuming , sometimes faced challenges to find the right answers for code cause of less community for previous language.</a:t>
-            </a:r>
-            <a:endParaRPr lang="en-US" sz="2200" dirty="0" smtClean="0">
-              <a:solidFill>
-                <a:schemeClr val="tx1"/>
-              </a:solidFill>
-              <a:latin typeface="Times New Roman Regular" panose="02020603050405020304" charset="0"/>
-              <a:cs typeface="Times New Roman Regular" panose="02020603050405020304" charset="0"/>
-            </a:endParaRPr>
+              <a:t>Problems faced when updating the website are very time-consuming and sometimes challenges in finding the right answers for code cause of less community for the previous language.</a:t>
+            </a:r>
           </a:p>
           <a:p>
             <a:pPr algn="just">
@@ -23398,22 +22801,15 @@
               <a:defRPr/>
             </a:pPr>
             <a:r>
-              <a:rPr lang="en-US" sz="2200" dirty="0" smtClean="0">
+              <a:rPr lang="en-US" sz="2200" dirty="0">
                 <a:solidFill>
                   <a:schemeClr val="tx1"/>
                 </a:solidFill>
                 <a:latin typeface="Times New Roman Regular" panose="02020603050405020304" charset="0"/>
                 <a:cs typeface="Times New Roman Regular" panose="02020603050405020304" charset="0"/>
               </a:rPr>
-              <a:t>Admin dashboard was not user friendly.</a:t>
-            </a:r>
-            <a:endParaRPr lang="en-US" sz="2200" dirty="0" smtClean="0">
-              <a:solidFill>
-                <a:schemeClr val="tx1"/>
-              </a:solidFill>
-              <a:latin typeface="Times New Roman Regular" panose="02020603050405020304" charset="0"/>
-              <a:cs typeface="Times New Roman Regular" panose="02020603050405020304" charset="0"/>
-            </a:endParaRPr>
+              <a:t> The Admin dashboard was not user-friendly.</a:t>
+            </a:r>
           </a:p>
           <a:p>
             <a:pPr algn="just">
@@ -23426,24 +22822,24 @@
               <a:defRPr/>
             </a:pPr>
             <a:r>
-              <a:rPr lang="en-US" sz="2200" dirty="0" smtClean="0">
+              <a:rPr lang="en-US" sz="2200" dirty="0">
                 <a:solidFill>
                   <a:schemeClr val="tx1"/>
                 </a:solidFill>
                 <a:latin typeface="Times New Roman Regular" panose="02020603050405020304" charset="0"/>
                 <a:cs typeface="Times New Roman Regular" panose="02020603050405020304" charset="0"/>
               </a:rPr>
-              <a:t>UI of the website was not </a:t>
-            </a:r>
-            <a:r>
-              <a:rPr lang="en-US" sz="2200" dirty="0" smtClean="0">
+              <a:t> The UI of the website was not </a:t>
+            </a:r>
+            <a:r>
+              <a:rPr lang="en-US" sz="2200" dirty="0">
                 <a:latin typeface="Times New Roman Regular" panose="02020603050405020304" charset="0"/>
                 <a:cs typeface="Times New Roman Regular" panose="02020603050405020304" charset="0"/>
                 <a:sym typeface="+mn-ea"/>
               </a:rPr>
               <a:t>visually appealing.</a:t>
             </a:r>
-            <a:endParaRPr lang="en-US" sz="2200" dirty="0" smtClean="0">
+            <a:endParaRPr lang="en-US" sz="2200" dirty="0">
               <a:latin typeface="Times New Roman Regular" panose="02020603050405020304" charset="0"/>
               <a:cs typeface="Times New Roman Regular" panose="02020603050405020304" charset="0"/>
             </a:endParaRPr>
@@ -23458,7 +22854,7 @@
               </a:spcBef>
               <a:defRPr/>
             </a:pPr>
-            <a:endParaRPr lang="en-US" sz="2200" dirty="0" smtClean="0">
+            <a:endParaRPr lang="en-US" sz="2200" dirty="0">
               <a:solidFill>
                 <a:schemeClr val="tx1"/>
               </a:solidFill>
@@ -23531,10 +22927,6 @@
               </a:rPr>
               <a:t>Aim and Objectives</a:t>
             </a:r>
-            <a:endParaRPr lang="en-US" sz="4400">
-              <a:latin typeface="Times New Roman Regular" panose="02020603050405020304" charset="0"/>
-              <a:cs typeface="Times New Roman Regular" panose="02020603050405020304" charset="0"/>
-            </a:endParaRPr>
           </a:p>
         </p:txBody>
       </p:sp>
@@ -23578,14 +22970,6 @@
               </a:rPr>
               <a:t>Aim:</a:t>
             </a:r>
-            <a:endParaRPr lang="en-US" sz="2200" b="1" dirty="0">
-              <a:solidFill>
-                <a:srgbClr val="0000CC"/>
-              </a:solidFill>
-              <a:latin typeface="Times New Roman Regular" panose="02020603050405020304" charset="0"/>
-              <a:ea typeface="Calibri" panose="020F0502020204030204" pitchFamily="34" charset="0"/>
-              <a:cs typeface="Times New Roman Regular" panose="02020603050405020304" charset="0"/>
-            </a:endParaRPr>
           </a:p>
           <a:p>
             <a:pPr marL="0" indent="0" algn="just">
@@ -23599,16 +22983,12 @@
               <a:defRPr/>
             </a:pPr>
             <a:r>
-              <a:rPr lang="en-US" sz="2200" dirty="0" smtClean="0">
+              <a:rPr lang="en-US" sz="2200" dirty="0">
                 <a:latin typeface="Times New Roman Regular" panose="02020603050405020304" charset="0"/>
                 <a:cs typeface="Times New Roman Regular" panose="02020603050405020304" charset="0"/>
               </a:rPr>
               <a:t>The goal of this website is to improve its appearance and functionality, making it more user-friendly and accessible to individuals who may not have a background in coding. Additionally, it is important to establish a strong admin system to ensure smooth operation and easy maintenance. By achieving these objectives, we can create a website that is both visually appealing and easy to navigate, while also providing effective support for website administrators. </a:t>
             </a:r>
-            <a:endParaRPr lang="en-US" sz="2200" dirty="0" smtClean="0">
-              <a:latin typeface="Times New Roman Regular" panose="02020603050405020304" charset="0"/>
-              <a:cs typeface="Times New Roman Regular" panose="02020603050405020304" charset="0"/>
-            </a:endParaRPr>
           </a:p>
           <a:p>
             <a:pPr algn="just">
@@ -23631,14 +23011,6 @@
               </a:rPr>
               <a:t>Objectives:</a:t>
             </a:r>
-            <a:endParaRPr lang="en-US" sz="2200" b="1" dirty="0">
-              <a:solidFill>
-                <a:srgbClr val="0000CC"/>
-              </a:solidFill>
-              <a:latin typeface="Times New Roman Regular" panose="02020603050405020304" charset="0"/>
-              <a:ea typeface="Calibri" panose="020F0502020204030204" pitchFamily="34" charset="0"/>
-              <a:cs typeface="Times New Roman Regular" panose="02020603050405020304" charset="0"/>
-            </a:endParaRPr>
           </a:p>
           <a:p>
             <a:pPr marL="342900" indent="-342900" algn="just">
@@ -23654,16 +23026,12 @@
               <a:defRPr/>
             </a:pPr>
             <a:r>
-              <a:rPr lang="en-US" sz="2200" dirty="0" smtClean="0">
+              <a:rPr lang="en-US" sz="2200" dirty="0">
                 <a:latin typeface="Times New Roman Regular" panose="02020603050405020304" charset="0"/>
                 <a:cs typeface="Times New Roman Regular" panose="02020603050405020304" charset="0"/>
               </a:rPr>
-              <a:t>Providing a new review system so faculty don’t have to download papers to review them.</a:t>
-            </a:r>
-            <a:endParaRPr lang="en-US" sz="2200" dirty="0" smtClean="0">
-              <a:latin typeface="Times New Roman Regular" panose="02020603050405020304" charset="0"/>
-              <a:cs typeface="Times New Roman Regular" panose="02020603050405020304" charset="0"/>
-            </a:endParaRPr>
+              <a:t>Provide a new review system so faculty don’t have to download papers to review them.</a:t>
+            </a:r>
           </a:p>
           <a:p>
             <a:pPr marL="342900" indent="-342900" algn="just">
@@ -23679,16 +23047,12 @@
               <a:defRPr/>
             </a:pPr>
             <a:r>
-              <a:rPr lang="en-US" sz="2200" dirty="0" smtClean="0">
+              <a:rPr lang="en-US" sz="2200" dirty="0">
                 <a:latin typeface="Times New Roman Regular" panose="02020603050405020304" charset="0"/>
                 <a:cs typeface="Times New Roman Regular" panose="02020603050405020304" charset="0"/>
               </a:rPr>
               <a:t>Make it visually appealing</a:t>
             </a:r>
-            <a:endParaRPr lang="en-US" sz="2200" dirty="0" smtClean="0">
-              <a:latin typeface="Times New Roman Regular" panose="02020603050405020304" charset="0"/>
-              <a:cs typeface="Times New Roman Regular" panose="02020603050405020304" charset="0"/>
-            </a:endParaRPr>
           </a:p>
           <a:p>
             <a:pPr marL="342900" indent="-342900" algn="just">
@@ -23704,16 +23068,12 @@
               <a:defRPr/>
             </a:pPr>
             <a:r>
-              <a:rPr lang="en-US" sz="2200" dirty="0" smtClean="0">
+              <a:rPr lang="en-US" sz="2200" dirty="0">
                 <a:latin typeface="Times New Roman Regular" panose="02020603050405020304" charset="0"/>
                 <a:cs typeface="Times New Roman Regular" panose="02020603050405020304" charset="0"/>
               </a:rPr>
               <a:t>Providing a simple database to understand</a:t>
             </a:r>
-            <a:endParaRPr lang="en-US" sz="2200" dirty="0" smtClean="0">
-              <a:latin typeface="Times New Roman Regular" panose="02020603050405020304" charset="0"/>
-              <a:cs typeface="Times New Roman Regular" panose="02020603050405020304" charset="0"/>
-            </a:endParaRPr>
           </a:p>
           <a:p>
             <a:pPr marL="342900" indent="-342900" algn="just">
@@ -23729,16 +23089,12 @@
               <a:defRPr/>
             </a:pPr>
             <a:r>
-              <a:rPr lang="en-US" sz="2200" dirty="0" smtClean="0">
+              <a:rPr lang="en-US" sz="2200" dirty="0">
                 <a:latin typeface="Times New Roman Regular" panose="02020603050405020304" charset="0"/>
                 <a:cs typeface="Times New Roman Regular" panose="02020603050405020304" charset="0"/>
               </a:rPr>
-              <a:t>Providing an admin module by WordPress so it can be maintained and updated easily</a:t>
-            </a:r>
-            <a:endParaRPr lang="en-US" sz="2200" dirty="0" smtClean="0">
-              <a:latin typeface="Times New Roman Regular" panose="02020603050405020304" charset="0"/>
-              <a:cs typeface="Times New Roman Regular" panose="02020603050405020304" charset="0"/>
-            </a:endParaRPr>
+              <a:t>Provide an admin module by WordPress so it can be maintained and updated easily</a:t>
+            </a:r>
           </a:p>
           <a:p>
             <a:pPr marL="342900" lvl="1" indent="-342900" algn="just">
@@ -23753,7 +23109,7 @@
               <a:buAutoNum type="arabicPeriod"/>
               <a:defRPr/>
             </a:pPr>
-            <a:endParaRPr lang="en-US" sz="2200" dirty="0" smtClean="0">
+            <a:endParaRPr lang="en-US" sz="2200" dirty="0">
               <a:latin typeface="Times New Roman Regular" panose="02020603050405020304" charset="0"/>
               <a:ea typeface="+mn-ea"/>
               <a:cs typeface="Times New Roman Regular" panose="02020603050405020304" charset="0"/>
@@ -23836,10 +23192,6 @@
               </a:rPr>
               <a:t>Methodology</a:t>
             </a:r>
-            <a:endParaRPr lang="en-US" sz="4400">
-              <a:latin typeface="Times New Roman Regular" panose="02020603050405020304" charset="0"/>
-              <a:cs typeface="Times New Roman Regular" panose="02020603050405020304" charset="0"/>
-            </a:endParaRPr>
           </a:p>
         </p:txBody>
       </p:sp>
@@ -23882,13 +23234,6 @@
               </a:rPr>
               <a:t>Methodology used for Project Development:</a:t>
             </a:r>
-            <a:endParaRPr lang="en-US" sz="2200" dirty="0">
-              <a:solidFill>
-                <a:srgbClr val="0000CC"/>
-              </a:solidFill>
-              <a:latin typeface="Times New Roman Regular" panose="02020603050405020304" charset="0"/>
-              <a:cs typeface="Times New Roman Regular" panose="02020603050405020304" charset="0"/>
-            </a:endParaRPr>
           </a:p>
           <a:p>
             <a:pPr lvl="1" algn="just">
@@ -23905,7 +23250,7 @@
                 <a:latin typeface="Times New Roman Regular" panose="02020603050405020304" charset="0"/>
                 <a:cs typeface="Times New Roman Regular" panose="02020603050405020304" charset="0"/>
               </a:rPr>
-              <a:t>Prototyping Methodology</a:t>
+              <a:t>Agile Methodology</a:t>
             </a:r>
             <a:r>
               <a:rPr lang="en-US" altLang="en-GB" sz="2200" dirty="0">
@@ -23914,10 +23259,6 @@
               </a:rPr>
               <a:t>:</a:t>
             </a:r>
-            <a:endParaRPr lang="en-US" altLang="en-GB" sz="2200" dirty="0">
-              <a:latin typeface="Times New Roman Regular" panose="02020603050405020304" charset="0"/>
-              <a:cs typeface="Times New Roman Regular" panose="02020603050405020304" charset="0"/>
-            </a:endParaRPr>
           </a:p>
           <a:p>
             <a:pPr marL="520065" lvl="1" indent="0" algn="just">
@@ -23931,17 +23272,21 @@
               <a:defRPr/>
             </a:pPr>
             <a:r>
-              <a:rPr lang="en-US" sz="2200" dirty="0" smtClean="0">
-                <a:solidFill>
-                  <a:schemeClr val="tx1"/>
-                </a:solidFill>
+              <a:rPr lang="en-US" sz="2200" dirty="0">
                 <a:latin typeface="Times New Roman Regular" panose="02020603050405020304" charset="0"/>
                 <a:ea typeface="+mn-ea"/>
-                <a:cs typeface="Times New Roman Regular" panose="02020603050405020304" charset="0"/>
               </a:rPr>
-              <a:t>Prototyping in software development involves creating an initial version of the product based on requirements, which is then iteratively refined based on stakeholder feedback. This allows for early testing, reduces misunderstandings, and ensures the final product meets user needs effectively.</a:t>
-            </a:r>
-            <a:endParaRPr lang="en-US" sz="2200" dirty="0" smtClean="0">
+              <a:t>Agile web development is a model for the development of web applications. It is more efficient and powerful within a shorter timeline than other models incorporates face-to-face communication, and includes technical personnel as well as customers as part of the team</a:t>
+            </a:r>
+            <a:r>
+              <a:rPr lang="en-US" sz="1800" kern="0" dirty="0">
+                <a:effectLst/>
+                <a:latin typeface="Times New Roman" panose="02020603050405020304" pitchFamily="18" charset="0"/>
+                <a:ea typeface="Times New Roman" panose="02020603050405020304" pitchFamily="18" charset="0"/>
+              </a:rPr>
+              <a:t>.</a:t>
+            </a:r>
+            <a:endParaRPr lang="en-US" sz="2200" dirty="0">
               <a:solidFill>
                 <a:schemeClr val="tx1"/>
               </a:solidFill>
@@ -23954,26 +23299,49 @@
       </p:sp>
       <p:pic>
         <p:nvPicPr>
-          <p:cNvPr id="4" name="Picture 3"/>
+          <p:cNvPr id="1026" name="Picture 2" descr="What Is Agile Methodology? (A Beginner's Guide) [2024] • Asana">
+            <a:extLst>
+              <a:ext uri="{FF2B5EF4-FFF2-40B4-BE49-F238E27FC236}">
+                <a16:creationId xmlns:a16="http://schemas.microsoft.com/office/drawing/2014/main" id="{D6CED09A-CDFC-2985-B9A9-EEDE9466B0E1}"/>
+              </a:ext>
+            </a:extLst>
+          </p:cNvPr>
           <p:cNvPicPr>
-            <a:picLocks noChangeAspect="1"/>
+            <a:picLocks noChangeAspect="1" noChangeArrowheads="1"/>
           </p:cNvPicPr>
           <p:nvPr/>
         </p:nvPicPr>
         <p:blipFill>
-          <a:blip r:embed="rId1"/>
+          <a:blip r:embed="rId2" cstate="print">
+            <a:extLst>
+              <a:ext uri="{28A0092B-C50C-407E-A947-70E740481C1C}">
+                <a14:useLocalDpi xmlns:a14="http://schemas.microsoft.com/office/drawing/2010/main" val="0"/>
+              </a:ext>
+            </a:extLst>
+          </a:blip>
+          <a:srcRect/>
           <a:stretch>
             <a:fillRect/>
           </a:stretch>
         </p:blipFill>
-        <p:spPr>
+        <p:spPr bwMode="auto">
           <a:xfrm>
-            <a:off x="6291580" y="1847215"/>
-            <a:ext cx="5577840" cy="3429000"/>
+            <a:off x="6607770" y="1530220"/>
+            <a:ext cx="4909575" cy="3797559"/>
           </a:xfrm>
           <a:prstGeom prst="rect">
             <a:avLst/>
           </a:prstGeom>
+          <a:noFill/>
+          <a:extLst>
+            <a:ext uri="{909E8E84-426E-40DD-AFC4-6F175D3DCCD1}">
+              <a14:hiddenFill xmlns:a14="http://schemas.microsoft.com/office/drawing/2010/main">
+                <a:solidFill>
+                  <a:srgbClr val="FFFFFF"/>
+                </a:solidFill>
+              </a14:hiddenFill>
+            </a:ext>
+          </a:extLst>
         </p:spPr>
       </p:pic>
     </p:spTree>
@@ -23993,7 +23361,14 @@
         <p:cNvGrpSpPr/>
         <p:nvPr/>
       </p:nvGrpSpPr>
-      <p:grpSpPr/>
+      <p:grpSpPr>
+        <a:xfrm>
+          <a:off x="0" y="0"/>
+          <a:ext cx="0" cy="0"/>
+          <a:chOff x="0" y="0"/>
+          <a:chExt cx="0" cy="0"/>
+        </a:xfrm>
+      </p:grpSpPr>
       <p:sp>
         <p:nvSpPr>
           <p:cNvPr id="2" name="Title 1"/>
@@ -24007,6 +23382,7 @@
         <p:spPr/>
         <p:txBody>
           <a:bodyPr/>
+          <a:lstStyle/>
           <a:p>
             <a:pPr algn="ctr">
               <a:buClrTx/>
@@ -24021,10 +23397,6 @@
               </a:rPr>
               <a:t>Technology used</a:t>
             </a:r>
-            <a:endParaRPr lang="en-US" sz="4400">
-              <a:latin typeface="Times New Roman Regular" panose="02020603050405020304" charset="0"/>
-              <a:cs typeface="Times New Roman Regular" panose="02020603050405020304" charset="0"/>
-            </a:endParaRPr>
           </a:p>
         </p:txBody>
       </p:sp>
@@ -24041,6 +23413,7 @@
         <p:spPr/>
         <p:txBody>
           <a:bodyPr/>
+          <a:lstStyle/>
           <a:p>
             <a:pPr marL="520065" lvl="1" indent="0" algn="just">
               <a:lnSpc>
@@ -24090,11 +23463,6 @@
               </a:rPr>
               <a:t>WordPress :Version 6.5.2</a:t>
             </a:r>
-            <a:endParaRPr lang="en-US" sz="2200" dirty="0">
-              <a:latin typeface="Times New Roman Regular" panose="02020603050405020304" charset="0"/>
-              <a:cs typeface="Times New Roman Regular" panose="02020603050405020304" charset="0"/>
-              <a:sym typeface="+mn-ea"/>
-            </a:endParaRPr>
           </a:p>
           <a:p>
             <a:pPr lvl="1" algn="just">
@@ -24114,11 +23482,6 @@
               </a:rPr>
               <a:t>WP_Plugins: Elementor (basic,pro,essential addons,Ea-pro) , insert php code snippet, user registration,user role editor ,wp data access, wp frontend admin, disable gutenberg</a:t>
             </a:r>
-            <a:endParaRPr lang="en-US" sz="2200" dirty="0">
-              <a:latin typeface="Times New Roman Regular" panose="02020603050405020304" charset="0"/>
-              <a:cs typeface="Times New Roman Regular" panose="02020603050405020304" charset="0"/>
-              <a:sym typeface="+mn-ea"/>
-            </a:endParaRPr>
           </a:p>
           <a:p>
             <a:pPr lvl="1" algn="just">
@@ -24138,11 +23501,6 @@
               </a:rPr>
               <a:t>Server: Apache (using mamp)</a:t>
             </a:r>
-            <a:endParaRPr lang="en-US" sz="2200" dirty="0">
-              <a:latin typeface="Times New Roman Regular" panose="02020603050405020304" charset="0"/>
-              <a:cs typeface="Times New Roman Regular" panose="02020603050405020304" charset="0"/>
-              <a:sym typeface="+mn-ea"/>
-            </a:endParaRPr>
           </a:p>
           <a:p>
             <a:pPr lvl="1" algn="just">
@@ -24191,7 +23549,7 @@
             </a:endParaRPr>
           </a:p>
           <a:p>
-            <a:endParaRPr lang="en-US" sz="2200">
+            <a:endParaRPr lang="en-US" sz="2200" dirty="0">
               <a:latin typeface="Times New Roman Regular" panose="02020603050405020304" charset="0"/>
               <a:cs typeface="Times New Roman Regular" panose="02020603050405020304" charset="0"/>
             </a:endParaRPr>
@@ -24215,7 +23573,14 @@
         <p:cNvGrpSpPr/>
         <p:nvPr/>
       </p:nvGrpSpPr>
-      <p:grpSpPr/>
+      <p:grpSpPr>
+        <a:xfrm>
+          <a:off x="0" y="0"/>
+          <a:ext cx="0" cy="0"/>
+          <a:chOff x="0" y="0"/>
+          <a:chExt cx="0" cy="0"/>
+        </a:xfrm>
+      </p:grpSpPr>
       <p:sp>
         <p:nvSpPr>
           <p:cNvPr id="2" name="Title 1"/>
@@ -24229,6 +23594,7 @@
         <p:spPr/>
         <p:txBody>
           <a:bodyPr/>
+          <a:lstStyle/>
           <a:p>
             <a:r>
               <a:rPr lang="en-US" sz="4400">
@@ -24245,14 +23611,14 @@
         <p:nvPicPr>
           <p:cNvPr id="4" name="Content Placeholder 3"/>
           <p:cNvPicPr>
-            <a:picLocks noChangeAspect="1"/>
+            <a:picLocks noGrp="1" noChangeAspect="1"/>
           </p:cNvPicPr>
           <p:nvPr>
             <p:ph idx="1"/>
           </p:nvPr>
         </p:nvPicPr>
         <p:blipFill>
-          <a:blip r:embed="rId1"/>
+          <a:blip r:embed="rId2"/>
           <a:stretch>
             <a:fillRect/>
           </a:stretch>
@@ -24284,7 +23650,14 @@
         <p:cNvGrpSpPr/>
         <p:nvPr/>
       </p:nvGrpSpPr>
-      <p:grpSpPr/>
+      <p:grpSpPr>
+        <a:xfrm>
+          <a:off x="0" y="0"/>
+          <a:ext cx="0" cy="0"/>
+          <a:chOff x="0" y="0"/>
+          <a:chExt cx="0" cy="0"/>
+        </a:xfrm>
+      </p:grpSpPr>
       <p:sp>
         <p:nvSpPr>
           <p:cNvPr id="2" name="Title 1"/>
@@ -24298,6 +23671,7 @@
         <p:spPr/>
         <p:txBody>
           <a:bodyPr/>
+          <a:lstStyle/>
           <a:p>
             <a:r>
               <a:rPr lang="en-US" sz="4400">
@@ -24306,33 +23680,33 @@
               </a:rPr>
               <a:t>DFD LEVEL-0</a:t>
             </a:r>
-            <a:endParaRPr lang="en-US" sz="4400">
-              <a:latin typeface="Times New Roman Regular" panose="02020603050405020304" charset="0"/>
-              <a:cs typeface="Times New Roman Regular" panose="02020603050405020304" charset="0"/>
-            </a:endParaRPr>
           </a:p>
         </p:txBody>
       </p:sp>
       <p:pic>
         <p:nvPicPr>
-          <p:cNvPr id="5" name="Content Placeholder 4"/>
+          <p:cNvPr id="6" name="Picture 5">
+            <a:extLst>
+              <a:ext uri="{FF2B5EF4-FFF2-40B4-BE49-F238E27FC236}">
+                <a16:creationId xmlns:a16="http://schemas.microsoft.com/office/drawing/2014/main" id="{E3C19F32-1175-1FC2-6D12-7E6EB2D61885}"/>
+              </a:ext>
+            </a:extLst>
+          </p:cNvPr>
           <p:cNvPicPr>
             <a:picLocks noChangeAspect="1"/>
           </p:cNvPicPr>
-          <p:nvPr>
-            <p:ph idx="1"/>
-          </p:nvPr>
+          <p:nvPr/>
         </p:nvPicPr>
         <p:blipFill>
-          <a:blip r:embed="rId1"/>
+          <a:blip r:embed="rId2"/>
           <a:stretch>
             <a:fillRect/>
           </a:stretch>
         </p:blipFill>
         <p:spPr>
           <a:xfrm>
-            <a:off x="500380" y="2058035"/>
-            <a:ext cx="11124565" cy="2827020"/>
+            <a:off x="1425488" y="1043112"/>
+            <a:ext cx="9519320" cy="5399906"/>
           </a:xfrm>
           <a:prstGeom prst="rect">
             <a:avLst/>
@@ -24598,6 +23972,8 @@
       </a:bgFillStyleLst>
     </a:fmtScheme>
   </a:themeElements>
+  <a:objectDefaults/>
+  <a:extraClrSchemeLst/>
   <a:extLst>
     <a:ext uri="{05A4C25C-085E-4340-85A3-A5531E510DB2}">
       <thm15:themeFamily xmlns:thm15="http://schemas.microsoft.com/office/thememl/2012/main" name="Office Theme" id="{62F939B6-93AF-4DB8-9C6B-D6C7DFDC589F}" vid="{4A3C46E8-61CC-4603-A589-7422A47A8E4A}"/>
@@ -26119,6 +25495,8 @@
       </a:bgFillStyleLst>
     </a:fmtScheme>
   </a:themeElements>
+  <a:objectDefaults/>
+  <a:extraClrSchemeLst/>
   <a:extLst>
     <a:ext uri="{05A4C25C-085E-4340-85A3-A5531E510DB2}">
       <thm15:themeFamily xmlns:thm15="http://schemas.microsoft.com/office/thememl/2012/main" name="Office Theme" id="{62F939B6-93AF-4DB8-9C6B-D6C7DFDC589F}" vid="{4A3C46E8-61CC-4603-A589-7422A47A8E4A}"/>
